--- a/Business Presentation.pptx
+++ b/Business Presentation.pptx
@@ -5,22 +5,25 @@
     <p:sldMasterId id="2147483686" r:id="rId4"/>
   </p:sldMasterIdLst>
   <p:notesMasterIdLst>
-    <p:notesMasterId r:id="rId15"/>
+    <p:notesMasterId r:id="rId18"/>
   </p:notesMasterIdLst>
   <p:handoutMasterIdLst>
-    <p:handoutMasterId r:id="rId16"/>
+    <p:handoutMasterId r:id="rId19"/>
   </p:handoutMasterIdLst>
   <p:sldIdLst>
     <p:sldId id="315" r:id="rId5"/>
     <p:sldId id="266" r:id="rId6"/>
     <p:sldId id="305" r:id="rId7"/>
-    <p:sldId id="316" r:id="rId8"/>
-    <p:sldId id="317" r:id="rId9"/>
-    <p:sldId id="322" r:id="rId10"/>
-    <p:sldId id="318" r:id="rId11"/>
-    <p:sldId id="319" r:id="rId12"/>
-    <p:sldId id="320" r:id="rId13"/>
-    <p:sldId id="321" r:id="rId14"/>
+    <p:sldId id="323" r:id="rId8"/>
+    <p:sldId id="316" r:id="rId9"/>
+    <p:sldId id="324" r:id="rId10"/>
+    <p:sldId id="317" r:id="rId11"/>
+    <p:sldId id="322" r:id="rId12"/>
+    <p:sldId id="318" r:id="rId13"/>
+    <p:sldId id="325" r:id="rId14"/>
+    <p:sldId id="319" r:id="rId15"/>
+    <p:sldId id="320" r:id="rId16"/>
+    <p:sldId id="321" r:id="rId17"/>
   </p:sldIdLst>
   <p:sldSz cx="12192000" cy="6858000"/>
   <p:notesSz cx="6858000" cy="9144000"/>
@@ -833,6 +836,258 @@
     </p:spTree>
     <p:extLst>
       <p:ext uri="{BB962C8B-B14F-4D97-AF65-F5344CB8AC3E}">
+        <p14:creationId xmlns:p14="http://schemas.microsoft.com/office/powerpoint/2010/main" val="2033477884"/>
+      </p:ext>
+    </p:extLst>
+  </p:cSld>
+  <p:clrMapOvr>
+    <a:masterClrMapping/>
+  </p:clrMapOvr>
+</p:notes>
+</file>
+
+<file path=ppt/notesSlides/notesSlide11.xml><?xml version="1.0" encoding="utf-8"?>
+<p:notes xmlns:a="http://schemas.openxmlformats.org/drawingml/2006/main" xmlns:r="http://schemas.openxmlformats.org/officeDocument/2006/relationships" xmlns:p="http://schemas.openxmlformats.org/presentationml/2006/main">
+  <p:cSld>
+    <p:spTree>
+      <p:nvGrpSpPr>
+        <p:cNvPr id="1" name=""/>
+        <p:cNvGrpSpPr/>
+        <p:nvPr/>
+      </p:nvGrpSpPr>
+      <p:grpSpPr>
+        <a:xfrm>
+          <a:off x="0" y="0"/>
+          <a:ext cx="0" cy="0"/>
+          <a:chOff x="0" y="0"/>
+          <a:chExt cx="0" cy="0"/>
+        </a:xfrm>
+      </p:grpSpPr>
+      <p:sp>
+        <p:nvSpPr>
+          <p:cNvPr id="2" name="Slide Image Placeholder 1"/>
+          <p:cNvSpPr>
+            <a:spLocks noGrp="1" noRot="1" noChangeAspect="1"/>
+          </p:cNvSpPr>
+          <p:nvPr>
+            <p:ph type="sldImg"/>
+          </p:nvPr>
+        </p:nvSpPr>
+        <p:spPr/>
+      </p:sp>
+      <p:sp>
+        <p:nvSpPr>
+          <p:cNvPr id="3" name="Notes Placeholder 2"/>
+          <p:cNvSpPr>
+            <a:spLocks noGrp="1"/>
+          </p:cNvSpPr>
+          <p:nvPr>
+            <p:ph type="body" idx="1"/>
+          </p:nvPr>
+        </p:nvSpPr>
+        <p:spPr/>
+        <p:txBody>
+          <a:bodyPr/>
+          <a:lstStyle/>
+          <a:p>
+            <a:endParaRPr lang="en-US" dirty="0"/>
+          </a:p>
+        </p:txBody>
+      </p:sp>
+      <p:sp>
+        <p:nvSpPr>
+          <p:cNvPr id="4" name="Slide Number Placeholder 3"/>
+          <p:cNvSpPr>
+            <a:spLocks noGrp="1"/>
+          </p:cNvSpPr>
+          <p:nvPr>
+            <p:ph type="sldNum" sz="quarter" idx="5"/>
+          </p:nvPr>
+        </p:nvSpPr>
+        <p:spPr/>
+        <p:txBody>
+          <a:bodyPr/>
+          <a:lstStyle/>
+          <a:p>
+            <a:fld id="{54EEB602-95FC-483A-B12D-216A7AD7EA24}" type="slidenum">
+              <a:rPr lang="en-US" smtClean="0"/>
+              <a:t>11</a:t>
+            </a:fld>
+            <a:endParaRPr lang="en-US" dirty="0"/>
+          </a:p>
+        </p:txBody>
+      </p:sp>
+    </p:spTree>
+    <p:extLst>
+      <p:ext uri="{BB962C8B-B14F-4D97-AF65-F5344CB8AC3E}">
+        <p14:creationId xmlns:p14="http://schemas.microsoft.com/office/powerpoint/2010/main" val="816337623"/>
+      </p:ext>
+    </p:extLst>
+  </p:cSld>
+  <p:clrMapOvr>
+    <a:masterClrMapping/>
+  </p:clrMapOvr>
+</p:notes>
+</file>
+
+<file path=ppt/notesSlides/notesSlide12.xml><?xml version="1.0" encoding="utf-8"?>
+<p:notes xmlns:a="http://schemas.openxmlformats.org/drawingml/2006/main" xmlns:r="http://schemas.openxmlformats.org/officeDocument/2006/relationships" xmlns:p="http://schemas.openxmlformats.org/presentationml/2006/main">
+  <p:cSld>
+    <p:spTree>
+      <p:nvGrpSpPr>
+        <p:cNvPr id="1" name=""/>
+        <p:cNvGrpSpPr/>
+        <p:nvPr/>
+      </p:nvGrpSpPr>
+      <p:grpSpPr>
+        <a:xfrm>
+          <a:off x="0" y="0"/>
+          <a:ext cx="0" cy="0"/>
+          <a:chOff x="0" y="0"/>
+          <a:chExt cx="0" cy="0"/>
+        </a:xfrm>
+      </p:grpSpPr>
+      <p:sp>
+        <p:nvSpPr>
+          <p:cNvPr id="2" name="Slide Image Placeholder 1"/>
+          <p:cNvSpPr>
+            <a:spLocks noGrp="1" noRot="1" noChangeAspect="1"/>
+          </p:cNvSpPr>
+          <p:nvPr>
+            <p:ph type="sldImg"/>
+          </p:nvPr>
+        </p:nvSpPr>
+        <p:spPr/>
+      </p:sp>
+      <p:sp>
+        <p:nvSpPr>
+          <p:cNvPr id="3" name="Notes Placeholder 2"/>
+          <p:cNvSpPr>
+            <a:spLocks noGrp="1"/>
+          </p:cNvSpPr>
+          <p:nvPr>
+            <p:ph type="body" idx="1"/>
+          </p:nvPr>
+        </p:nvSpPr>
+        <p:spPr/>
+        <p:txBody>
+          <a:bodyPr/>
+          <a:lstStyle/>
+          <a:p>
+            <a:endParaRPr lang="en-US" dirty="0"/>
+          </a:p>
+        </p:txBody>
+      </p:sp>
+      <p:sp>
+        <p:nvSpPr>
+          <p:cNvPr id="4" name="Slide Number Placeholder 3"/>
+          <p:cNvSpPr>
+            <a:spLocks noGrp="1"/>
+          </p:cNvSpPr>
+          <p:nvPr>
+            <p:ph type="sldNum" sz="quarter" idx="5"/>
+          </p:nvPr>
+        </p:nvSpPr>
+        <p:spPr/>
+        <p:txBody>
+          <a:bodyPr/>
+          <a:lstStyle/>
+          <a:p>
+            <a:fld id="{54EEB602-95FC-483A-B12D-216A7AD7EA24}" type="slidenum">
+              <a:rPr lang="en-US" smtClean="0"/>
+              <a:t>12</a:t>
+            </a:fld>
+            <a:endParaRPr lang="en-US" dirty="0"/>
+          </a:p>
+        </p:txBody>
+      </p:sp>
+    </p:spTree>
+    <p:extLst>
+      <p:ext uri="{BB962C8B-B14F-4D97-AF65-F5344CB8AC3E}">
+        <p14:creationId xmlns:p14="http://schemas.microsoft.com/office/powerpoint/2010/main" val="1074512389"/>
+      </p:ext>
+    </p:extLst>
+  </p:cSld>
+  <p:clrMapOvr>
+    <a:masterClrMapping/>
+  </p:clrMapOvr>
+</p:notes>
+</file>
+
+<file path=ppt/notesSlides/notesSlide13.xml><?xml version="1.0" encoding="utf-8"?>
+<p:notes xmlns:a="http://schemas.openxmlformats.org/drawingml/2006/main" xmlns:r="http://schemas.openxmlformats.org/officeDocument/2006/relationships" xmlns:p="http://schemas.openxmlformats.org/presentationml/2006/main">
+  <p:cSld>
+    <p:spTree>
+      <p:nvGrpSpPr>
+        <p:cNvPr id="1" name=""/>
+        <p:cNvGrpSpPr/>
+        <p:nvPr/>
+      </p:nvGrpSpPr>
+      <p:grpSpPr>
+        <a:xfrm>
+          <a:off x="0" y="0"/>
+          <a:ext cx="0" cy="0"/>
+          <a:chOff x="0" y="0"/>
+          <a:chExt cx="0" cy="0"/>
+        </a:xfrm>
+      </p:grpSpPr>
+      <p:sp>
+        <p:nvSpPr>
+          <p:cNvPr id="2" name="Slide Image Placeholder 1"/>
+          <p:cNvSpPr>
+            <a:spLocks noGrp="1" noRot="1" noChangeAspect="1"/>
+          </p:cNvSpPr>
+          <p:nvPr>
+            <p:ph type="sldImg"/>
+          </p:nvPr>
+        </p:nvSpPr>
+        <p:spPr/>
+      </p:sp>
+      <p:sp>
+        <p:nvSpPr>
+          <p:cNvPr id="3" name="Notes Placeholder 2"/>
+          <p:cNvSpPr>
+            <a:spLocks noGrp="1"/>
+          </p:cNvSpPr>
+          <p:nvPr>
+            <p:ph type="body" idx="1"/>
+          </p:nvPr>
+        </p:nvSpPr>
+        <p:spPr/>
+        <p:txBody>
+          <a:bodyPr/>
+          <a:lstStyle/>
+          <a:p>
+            <a:endParaRPr lang="en-US" dirty="0"/>
+          </a:p>
+        </p:txBody>
+      </p:sp>
+      <p:sp>
+        <p:nvSpPr>
+          <p:cNvPr id="4" name="Slide Number Placeholder 3"/>
+          <p:cNvSpPr>
+            <a:spLocks noGrp="1"/>
+          </p:cNvSpPr>
+          <p:nvPr>
+            <p:ph type="sldNum" sz="quarter" idx="5"/>
+          </p:nvPr>
+        </p:nvSpPr>
+        <p:spPr/>
+        <p:txBody>
+          <a:bodyPr/>
+          <a:lstStyle/>
+          <a:p>
+            <a:fld id="{54EEB602-95FC-483A-B12D-216A7AD7EA24}" type="slidenum">
+              <a:rPr lang="en-US" smtClean="0"/>
+              <a:t>13</a:t>
+            </a:fld>
+            <a:endParaRPr lang="en-US" dirty="0"/>
+          </a:p>
+        </p:txBody>
+      </p:sp>
+    </p:spTree>
+    <p:extLst>
+      <p:ext uri="{BB962C8B-B14F-4D97-AF65-F5344CB8AC3E}">
         <p14:creationId xmlns:p14="http://schemas.microsoft.com/office/powerpoint/2010/main" val="3580841490"/>
       </p:ext>
     </p:extLst>
@@ -1102,7 +1357,7 @@
     </p:spTree>
     <p:extLst>
       <p:ext uri="{BB962C8B-B14F-4D97-AF65-F5344CB8AC3E}">
-        <p14:creationId xmlns:p14="http://schemas.microsoft.com/office/powerpoint/2010/main" val="628372565"/>
+        <p14:creationId xmlns:p14="http://schemas.microsoft.com/office/powerpoint/2010/main" val="1753796915"/>
       </p:ext>
     </p:extLst>
   </p:cSld>
@@ -1186,7 +1441,7 @@
     </p:spTree>
     <p:extLst>
       <p:ext uri="{BB962C8B-B14F-4D97-AF65-F5344CB8AC3E}">
-        <p14:creationId xmlns:p14="http://schemas.microsoft.com/office/powerpoint/2010/main" val="4237592696"/>
+        <p14:creationId xmlns:p14="http://schemas.microsoft.com/office/powerpoint/2010/main" val="628372565"/>
       </p:ext>
     </p:extLst>
   </p:cSld>
@@ -1270,7 +1525,7 @@
     </p:spTree>
     <p:extLst>
       <p:ext uri="{BB962C8B-B14F-4D97-AF65-F5344CB8AC3E}">
-        <p14:creationId xmlns:p14="http://schemas.microsoft.com/office/powerpoint/2010/main" val="787833027"/>
+        <p14:creationId xmlns:p14="http://schemas.microsoft.com/office/powerpoint/2010/main" val="1310836152"/>
       </p:ext>
     </p:extLst>
   </p:cSld>
@@ -1354,7 +1609,7 @@
     </p:spTree>
     <p:extLst>
       <p:ext uri="{BB962C8B-B14F-4D97-AF65-F5344CB8AC3E}">
-        <p14:creationId xmlns:p14="http://schemas.microsoft.com/office/powerpoint/2010/main" val="119055331"/>
+        <p14:creationId xmlns:p14="http://schemas.microsoft.com/office/powerpoint/2010/main" val="4237592696"/>
       </p:ext>
     </p:extLst>
   </p:cSld>
@@ -1438,7 +1693,7 @@
     </p:spTree>
     <p:extLst>
       <p:ext uri="{BB962C8B-B14F-4D97-AF65-F5344CB8AC3E}">
-        <p14:creationId xmlns:p14="http://schemas.microsoft.com/office/powerpoint/2010/main" val="816337623"/>
+        <p14:creationId xmlns:p14="http://schemas.microsoft.com/office/powerpoint/2010/main" val="787833027"/>
       </p:ext>
     </p:extLst>
   </p:cSld>
@@ -1522,7 +1777,7 @@
     </p:spTree>
     <p:extLst>
       <p:ext uri="{BB962C8B-B14F-4D97-AF65-F5344CB8AC3E}">
-        <p14:creationId xmlns:p14="http://schemas.microsoft.com/office/powerpoint/2010/main" val="1074512389"/>
+        <p14:creationId xmlns:p14="http://schemas.microsoft.com/office/powerpoint/2010/main" val="119055331"/>
       </p:ext>
     </p:extLst>
   </p:cSld>
@@ -8054,6 +8309,14 @@
 <file path=ppt/slides/slide10.xml><?xml version="1.0" encoding="utf-8"?>
 <p:sld xmlns:a="http://schemas.openxmlformats.org/drawingml/2006/main" xmlns:r="http://schemas.openxmlformats.org/officeDocument/2006/relationships" xmlns:p="http://schemas.openxmlformats.org/presentationml/2006/main">
   <p:cSld>
+    <p:bg>
+      <p:bgPr>
+        <a:solidFill>
+          <a:schemeClr val="bg2"/>
+        </a:solidFill>
+        <a:effectLst/>
+      </p:bgPr>
+    </p:bg>
     <p:spTree>
       <p:nvGrpSpPr>
         <p:cNvPr id="1" name=""/>
@@ -8070,374 +8333,263 @@
       </p:grpSpPr>
       <p:sp>
         <p:nvSpPr>
-          <p:cNvPr id="2" name="Title 1">
-            <a:extLst>
-              <a:ext uri="{FF2B5EF4-FFF2-40B4-BE49-F238E27FC236}">
-                <a16:creationId xmlns:a16="http://schemas.microsoft.com/office/drawing/2014/main" id="{E2D30E0F-10C6-298A-C347-E831FFF4ECB8}"/>
-              </a:ext>
-            </a:extLst>
-          </p:cNvPr>
-          <p:cNvSpPr>
-            <a:spLocks noGrp="1"/>
-          </p:cNvSpPr>
-          <p:nvPr>
-            <p:ph type="title"/>
-          </p:nvPr>
-        </p:nvSpPr>
-        <p:spPr/>
-        <p:txBody>
-          <a:bodyPr/>
-          <a:lstStyle/>
-          <a:p>
-            <a:r>
-              <a:rPr lang="en-US" dirty="0"/>
-              <a:t>Appendix</a:t>
-            </a:r>
-          </a:p>
-        </p:txBody>
-      </p:sp>
-      <p:sp>
-        <p:nvSpPr>
-          <p:cNvPr id="4" name="Content Placeholder 3">
-            <a:extLst>
-              <a:ext uri="{FF2B5EF4-FFF2-40B4-BE49-F238E27FC236}">
-                <a16:creationId xmlns:a16="http://schemas.microsoft.com/office/drawing/2014/main" id="{4B1BF1AC-C624-2AD2-DA0F-335AB7BA2CA8}"/>
-              </a:ext>
-            </a:extLst>
-          </p:cNvPr>
-          <p:cNvSpPr>
-            <a:spLocks noGrp="1"/>
-          </p:cNvSpPr>
-          <p:nvPr>
-            <p:ph sz="quarter" idx="17"/>
+          <p:cNvPr id="14" name="Rectangle 13">
+            <a:extLst>
+              <a:ext uri="{FF2B5EF4-FFF2-40B4-BE49-F238E27FC236}">
+                <a16:creationId xmlns:a16="http://schemas.microsoft.com/office/drawing/2014/main" id="{0786F82F-1B47-46ED-8EAE-53EF71E59E9A}"/>
+              </a:ext>
+              <a:ext uri="{C183D7F6-B498-43B3-948B-1728B52AA6E4}">
+                <adec:decorative xmlns:adec="http://schemas.microsoft.com/office/drawing/2017/decorative" val="1"/>
+              </a:ext>
+            </a:extLst>
+          </p:cNvPr>
+          <p:cNvSpPr>
+            <a:spLocks noGrp="1" noRot="1" noChangeAspect="1" noMove="1" noResize="1" noEditPoints="1" noAdjustHandles="1" noChangeArrowheads="1" noChangeShapeType="1" noTextEdit="1"/>
+          </p:cNvSpPr>
+          <p:nvPr>
+            <p:extLst>
+              <p:ext uri="{386F3935-93C4-4BCD-93E2-E3B085C9AB24}">
+                <p16:designElem xmlns:p16="http://schemas.microsoft.com/office/powerpoint/2015/main" val="1"/>
+              </p:ext>
+            </p:extLst>
           </p:nvPr>
         </p:nvSpPr>
         <p:spPr>
           <a:xfrm>
-            <a:off x="1535372" y="2590800"/>
-            <a:ext cx="10184840" cy="3718557"/>
-          </a:xfrm>
-        </p:spPr>
-        <p:txBody>
-          <a:bodyPr>
-            <a:normAutofit fontScale="92500" lnSpcReduction="20000"/>
-          </a:bodyPr>
-          <a:lstStyle/>
-          <a:p>
-            <a:r>
-              <a:rPr lang="en-US" dirty="0"/>
-              <a:t>Original Project Proposal:</a:t>
-            </a:r>
-          </a:p>
-          <a:p>
-            <a:pPr marL="0" indent="0">
-              <a:buNone/>
-            </a:pPr>
-            <a:r>
-              <a:rPr lang="en-US" dirty="0">
-                <a:hlinkClick r:id="rId3"/>
-              </a:rPr>
-              <a:t>https://docs.google.com/document/d/1k2g4J-F4umvCZMWVh3dYZQ_-RDpdbpxI/edit?usp=drive_link</a:t>
-            </a:r>
+            <a:off x="4718302" y="0"/>
+            <a:ext cx="7473698" cy="6858000"/>
+          </a:xfrm>
+          <a:prstGeom prst="rect">
+            <a:avLst/>
+          </a:prstGeom>
+          <a:solidFill>
+            <a:schemeClr val="bg1">
+              <a:alpha val="75000"/>
+            </a:schemeClr>
+          </a:solidFill>
+          <a:ln>
+            <a:noFill/>
+          </a:ln>
+        </p:spPr>
+        <p:style>
+          <a:lnRef idx="2">
+            <a:schemeClr val="accent1">
+              <a:shade val="50000"/>
+            </a:schemeClr>
+          </a:lnRef>
+          <a:fillRef idx="1">
+            <a:schemeClr val="accent1"/>
+          </a:fillRef>
+          <a:effectRef idx="0">
+            <a:schemeClr val="accent1"/>
+          </a:effectRef>
+          <a:fontRef idx="minor">
+            <a:schemeClr val="lt1"/>
+          </a:fontRef>
+        </p:style>
+        <p:txBody>
+          <a:bodyPr rtlCol="0" anchor="ctr"/>
+          <a:lstStyle/>
+          <a:p>
+            <a:pPr algn="ctr"/>
+            <a:endParaRPr lang="en-US"/>
+          </a:p>
+        </p:txBody>
+      </p:sp>
+      <p:sp>
+        <p:nvSpPr>
+          <p:cNvPr id="16" name="Rectangle 15">
+            <a:extLst>
+              <a:ext uri="{FF2B5EF4-FFF2-40B4-BE49-F238E27FC236}">
+                <a16:creationId xmlns:a16="http://schemas.microsoft.com/office/drawing/2014/main" id="{EF1BAF6F-6275-4646-9C59-331B29B9550F}"/>
+              </a:ext>
+              <a:ext uri="{C183D7F6-B498-43B3-948B-1728B52AA6E4}">
+                <adec:decorative xmlns:adec="http://schemas.microsoft.com/office/drawing/2017/decorative" val="1"/>
+              </a:ext>
+            </a:extLst>
+          </p:cNvPr>
+          <p:cNvSpPr>
+            <a:spLocks noGrp="1" noRot="1" noChangeAspect="1" noMove="1" noResize="1" noEditPoints="1" noAdjustHandles="1" noChangeArrowheads="1" noChangeShapeType="1" noTextEdit="1"/>
+          </p:cNvSpPr>
+          <p:nvPr>
+            <p:extLst>
+              <p:ext uri="{386F3935-93C4-4BCD-93E2-E3B085C9AB24}">
+                <p16:designElem xmlns:p16="http://schemas.microsoft.com/office/powerpoint/2015/main" val="1"/>
+              </p:ext>
+            </p:extLst>
+          </p:nvPr>
+        </p:nvSpPr>
+        <p:spPr>
+          <a:xfrm rot="5400000">
+            <a:off x="1257298" y="3396997"/>
+            <a:ext cx="6858002" cy="64008"/>
+          </a:xfrm>
+          <a:prstGeom prst="rect">
+            <a:avLst/>
+          </a:prstGeom>
+          <a:solidFill>
+            <a:schemeClr val="tx2"/>
+          </a:solidFill>
+          <a:ln>
+            <a:noFill/>
+          </a:ln>
+        </p:spPr>
+        <p:style>
+          <a:lnRef idx="2">
+            <a:schemeClr val="accent1">
+              <a:shade val="50000"/>
+            </a:schemeClr>
+          </a:lnRef>
+          <a:fillRef idx="1">
+            <a:schemeClr val="accent1"/>
+          </a:fillRef>
+          <a:effectRef idx="0">
+            <a:schemeClr val="accent1"/>
+          </a:effectRef>
+          <a:fontRef idx="minor">
+            <a:schemeClr val="lt1"/>
+          </a:fontRef>
+        </p:style>
+        <p:txBody>
+          <a:bodyPr rtlCol="0" anchor="ctr"/>
+          <a:lstStyle/>
+          <a:p>
+            <a:pPr algn="ctr"/>
+            <a:endParaRPr lang="en-US"/>
+          </a:p>
+        </p:txBody>
+      </p:sp>
+      <p:sp useBgFill="1">
+        <p:nvSpPr>
+          <p:cNvPr id="18" name="Rectangle 17">
+            <a:extLst>
+              <a:ext uri="{FF2B5EF4-FFF2-40B4-BE49-F238E27FC236}">
+                <a16:creationId xmlns:a16="http://schemas.microsoft.com/office/drawing/2014/main" id="{099405E2-1A96-4DBA-A9DC-4C2A1B421CA9}"/>
+              </a:ext>
+              <a:ext uri="{C183D7F6-B498-43B3-948B-1728B52AA6E4}">
+                <adec:decorative xmlns:adec="http://schemas.microsoft.com/office/drawing/2017/decorative" val="1"/>
+              </a:ext>
+            </a:extLst>
+          </p:cNvPr>
+          <p:cNvSpPr>
+            <a:spLocks noGrp="1" noRot="1" noChangeAspect="1" noMove="1" noResize="1" noEditPoints="1" noAdjustHandles="1" noChangeArrowheads="1" noChangeShapeType="1" noTextEdit="1"/>
+          </p:cNvSpPr>
+          <p:nvPr>
+            <p:extLst>
+              <p:ext uri="{386F3935-93C4-4BCD-93E2-E3B085C9AB24}">
+                <p16:designElem xmlns:p16="http://schemas.microsoft.com/office/powerpoint/2015/main" val="1"/>
+              </p:ext>
+            </p:extLst>
+          </p:nvPr>
+        </p:nvSpPr>
+        <p:spPr>
+          <a:xfrm flipH="1">
+            <a:off x="0" y="0"/>
+            <a:ext cx="12192001" cy="6858000"/>
+          </a:xfrm>
+          <a:prstGeom prst="rect">
+            <a:avLst/>
+          </a:prstGeom>
+          <a:ln>
+            <a:noFill/>
+          </a:ln>
+        </p:spPr>
+        <p:style>
+          <a:lnRef idx="2">
+            <a:schemeClr val="accent1">
+              <a:shade val="50000"/>
+            </a:schemeClr>
+          </a:lnRef>
+          <a:fillRef idx="1">
+            <a:schemeClr val="accent1"/>
+          </a:fillRef>
+          <a:effectRef idx="0">
+            <a:schemeClr val="accent1"/>
+          </a:effectRef>
+          <a:fontRef idx="minor">
+            <a:schemeClr val="lt1"/>
+          </a:fontRef>
+        </p:style>
+        <p:txBody>
+          <a:bodyPr rtlCol="0" anchor="ctr"/>
+          <a:lstStyle/>
+          <a:p>
+            <a:pPr algn="ctr"/>
             <a:endParaRPr lang="en-US" dirty="0"/>
           </a:p>
-          <a:p>
-            <a:r>
-              <a:rPr lang="en-US" dirty="0"/>
-              <a:t>Dataset:</a:t>
-            </a:r>
-          </a:p>
-          <a:p>
-            <a:pPr marL="0" indent="0">
-              <a:buNone/>
-            </a:pPr>
-            <a:r>
-              <a:rPr lang="en-US" b="0" dirty="0">
-                <a:solidFill>
-                  <a:srgbClr val="A31515"/>
-                </a:solidFill>
-                <a:effectLst/>
-                <a:highlight>
-                  <a:srgbClr val="F7F7F7"/>
-                </a:highlight>
-                <a:hlinkClick r:id="rId4"/>
-              </a:rPr>
-              <a:t>https://www.cpsc.gov/cgibin/NEISSQuery/Data/Archived%20Data/2023/neiss2023.xlsx</a:t>
-            </a:r>
-            <a:endParaRPr lang="en-US" dirty="0"/>
-          </a:p>
-          <a:p>
-            <a:r>
-              <a:rPr lang="en-US" dirty="0" err="1"/>
-              <a:t>Jupyter</a:t>
-            </a:r>
-            <a:r>
-              <a:rPr lang="en-US" dirty="0"/>
-              <a:t> Notebook: </a:t>
-            </a:r>
-          </a:p>
-          <a:p>
-            <a:pPr marL="0" indent="0">
-              <a:buNone/>
-            </a:pPr>
-            <a:r>
-              <a:rPr lang="en-US" dirty="0">
-                <a:hlinkClick r:id="rId5"/>
-              </a:rPr>
-              <a:t>https://colab.research.google.com/drive/1YLZUa1pkBMRX88fcmQ2uIEpTBkimjFQb?usp=drive_link</a:t>
-            </a:r>
-            <a:endParaRPr lang="en-US" dirty="0"/>
-          </a:p>
-          <a:p>
-            <a:endParaRPr lang="en-US" dirty="0"/>
-          </a:p>
-        </p:txBody>
-      </p:sp>
-    </p:spTree>
-    <p:extLst>
-      <p:ext uri="{BB962C8B-B14F-4D97-AF65-F5344CB8AC3E}">
-        <p14:creationId xmlns:p14="http://schemas.microsoft.com/office/powerpoint/2010/main" val="3750415529"/>
-      </p:ext>
-    </p:extLst>
-  </p:cSld>
-  <p:clrMapOvr>
-    <a:masterClrMapping/>
-  </p:clrMapOvr>
-</p:sld>
-</file>
-
-<file path=ppt/slides/slide2.xml><?xml version="1.0" encoding="utf-8"?>
-<p:sld xmlns:a="http://schemas.openxmlformats.org/drawingml/2006/main" xmlns:r="http://schemas.openxmlformats.org/officeDocument/2006/relationships" xmlns:p="http://schemas.openxmlformats.org/presentationml/2006/main">
-  <p:cSld>
-    <p:spTree>
-      <p:nvGrpSpPr>
-        <p:cNvPr id="1" name=""/>
-        <p:cNvGrpSpPr/>
-        <p:nvPr/>
-      </p:nvGrpSpPr>
-      <p:grpSpPr>
-        <a:xfrm>
-          <a:off x="0" y="0"/>
-          <a:ext cx="0" cy="0"/>
-          <a:chOff x="0" y="0"/>
-          <a:chExt cx="0" cy="0"/>
-        </a:xfrm>
-      </p:grpSpPr>
-      <p:sp>
-        <p:nvSpPr>
-          <p:cNvPr id="4" name="Title 3">
-            <a:extLst>
-              <a:ext uri="{FF2B5EF4-FFF2-40B4-BE49-F238E27FC236}">
-                <a16:creationId xmlns:a16="http://schemas.microsoft.com/office/drawing/2014/main" id="{FFDE6B89-9484-4E50-8387-C55E031D8549}"/>
-              </a:ext>
-            </a:extLst>
-          </p:cNvPr>
-          <p:cNvSpPr>
-            <a:spLocks noGrp="1"/>
-          </p:cNvSpPr>
-          <p:nvPr>
-            <p:ph type="title"/>
-          </p:nvPr>
-        </p:nvSpPr>
-        <p:spPr/>
-        <p:txBody>
-          <a:bodyPr>
-            <a:normAutofit/>
-          </a:bodyPr>
-          <a:lstStyle/>
-          <a:p>
-            <a:r>
-              <a:rPr lang="en-US" dirty="0"/>
-              <a:t>Outline</a:t>
-            </a:r>
-          </a:p>
-        </p:txBody>
-      </p:sp>
-      <p:sp>
-        <p:nvSpPr>
-          <p:cNvPr id="5" name="Content Placeholder 4">
-            <a:extLst>
-              <a:ext uri="{FF2B5EF4-FFF2-40B4-BE49-F238E27FC236}">
-                <a16:creationId xmlns:a16="http://schemas.microsoft.com/office/drawing/2014/main" id="{30EB58E2-A9A0-481A-8B5B-381B836CE40B}"/>
-              </a:ext>
-            </a:extLst>
-          </p:cNvPr>
-          <p:cNvSpPr>
-            <a:spLocks noGrp="1"/>
-          </p:cNvSpPr>
-          <p:nvPr>
-            <p:ph sz="quarter" idx="14"/>
-          </p:nvPr>
-        </p:nvSpPr>
-        <p:spPr/>
-        <p:txBody>
-          <a:bodyPr>
-            <a:normAutofit/>
-          </a:bodyPr>
-          <a:lstStyle/>
-          <a:p>
-            <a:r>
-              <a:rPr lang="en-US" dirty="0"/>
-              <a:t>Problem Statement</a:t>
-            </a:r>
-          </a:p>
-          <a:p>
-            <a:r>
-              <a:rPr lang="en-US" dirty="0"/>
-              <a:t>Approach</a:t>
-            </a:r>
-          </a:p>
-          <a:p>
-            <a:r>
-              <a:rPr lang="en-US" dirty="0"/>
-              <a:t>Results</a:t>
-            </a:r>
-          </a:p>
-          <a:p>
-            <a:r>
-              <a:rPr lang="en-US" dirty="0"/>
-              <a:t>Next Steps</a:t>
-            </a:r>
-          </a:p>
-          <a:p>
-            <a:r>
-              <a:rPr lang="en-US" dirty="0"/>
-              <a:t>Discussion/Questions</a:t>
-            </a:r>
-          </a:p>
-        </p:txBody>
-      </p:sp>
-    </p:spTree>
-    <p:extLst>
-      <p:ext uri="{BB962C8B-B14F-4D97-AF65-F5344CB8AC3E}">
-        <p14:creationId xmlns:p14="http://schemas.microsoft.com/office/powerpoint/2010/main" val="3318299500"/>
-      </p:ext>
-    </p:extLst>
-  </p:cSld>
-  <p:clrMapOvr>
-    <a:masterClrMapping/>
-  </p:clrMapOvr>
-</p:sld>
-</file>
-
-<file path=ppt/slides/slide3.xml><?xml version="1.0" encoding="utf-8"?>
-<p:sld xmlns:a="http://schemas.openxmlformats.org/drawingml/2006/main" xmlns:r="http://schemas.openxmlformats.org/officeDocument/2006/relationships" xmlns:p="http://schemas.openxmlformats.org/presentationml/2006/main">
-  <p:cSld>
-    <p:spTree>
-      <p:nvGrpSpPr>
-        <p:cNvPr id="1" name=""/>
-        <p:cNvGrpSpPr/>
-        <p:nvPr/>
-      </p:nvGrpSpPr>
-      <p:grpSpPr>
-        <a:xfrm>
-          <a:off x="0" y="0"/>
-          <a:ext cx="0" cy="0"/>
-          <a:chOff x="0" y="0"/>
-          <a:chExt cx="0" cy="0"/>
-        </a:xfrm>
-      </p:grpSpPr>
-      <p:sp>
-        <p:nvSpPr>
-          <p:cNvPr id="2" name="Title 1">
-            <a:extLst>
-              <a:ext uri="{FF2B5EF4-FFF2-40B4-BE49-F238E27FC236}">
-                <a16:creationId xmlns:a16="http://schemas.microsoft.com/office/drawing/2014/main" id="{E2D30E0F-10C6-298A-C347-E831FFF4ECB8}"/>
-              </a:ext>
-            </a:extLst>
-          </p:cNvPr>
-          <p:cNvSpPr>
-            <a:spLocks noGrp="1"/>
-          </p:cNvSpPr>
-          <p:nvPr>
-            <p:ph type="title"/>
-          </p:nvPr>
-        </p:nvSpPr>
-        <p:spPr/>
-        <p:txBody>
-          <a:bodyPr/>
-          <a:lstStyle/>
-          <a:p>
-            <a:r>
-              <a:rPr lang="en-US" dirty="0"/>
-              <a:t>Problem Statement</a:t>
-            </a:r>
-          </a:p>
-        </p:txBody>
-      </p:sp>
-      <p:sp>
-        <p:nvSpPr>
-          <p:cNvPr id="4" name="Content Placeholder 3">
-            <a:extLst>
-              <a:ext uri="{FF2B5EF4-FFF2-40B4-BE49-F238E27FC236}">
-                <a16:creationId xmlns:a16="http://schemas.microsoft.com/office/drawing/2014/main" id="{4B1BF1AC-C624-2AD2-DA0F-335AB7BA2CA8}"/>
-              </a:ext>
-            </a:extLst>
-          </p:cNvPr>
-          <p:cNvSpPr>
-            <a:spLocks noGrp="1"/>
-          </p:cNvSpPr>
-          <p:nvPr>
-            <p:ph sz="quarter" idx="17"/>
-          </p:nvPr>
-        </p:nvSpPr>
-        <p:spPr>
-          <a:xfrm>
-            <a:off x="1535371" y="2858162"/>
-            <a:ext cx="10184840" cy="3497667"/>
-          </a:xfrm>
-        </p:spPr>
-        <p:txBody>
-          <a:bodyPr>
-            <a:normAutofit lnSpcReduction="10000"/>
-          </a:bodyPr>
-          <a:lstStyle/>
-          <a:p>
-            <a:r>
-              <a:rPr lang="en-US" dirty="0"/>
-              <a:t>Our top three products (Knee Braces, Ankle Braces, and Shoulder Braces) account for 75% of our ad spend</a:t>
-            </a:r>
-          </a:p>
-          <a:p>
-            <a:r>
-              <a:rPr lang="en-US" dirty="0"/>
-              <a:t>Advertising not targeted at the right audience through the right channels is wasted money</a:t>
-            </a:r>
-          </a:p>
-          <a:p>
-            <a:r>
-              <a:rPr lang="en-US" dirty="0"/>
-              <a:t>Different age groups can be reached through drastically different platforms (TV, radio, social media, </a:t>
-            </a:r>
-            <a:r>
-              <a:rPr lang="en-US" dirty="0" err="1"/>
-              <a:t>etc</a:t>
-            </a:r>
-            <a:r>
-              <a:rPr lang="en-US" dirty="0"/>
-              <a:t>)</a:t>
-            </a:r>
-          </a:p>
-          <a:p>
-            <a:r>
-              <a:rPr lang="en-US" dirty="0"/>
-              <a:t>Through statistical analysis, we can determine which channels to use to maximize the efficiency for our key products</a:t>
-            </a:r>
-          </a:p>
-          <a:p>
-            <a:endParaRPr lang="en-US" dirty="0"/>
-          </a:p>
-          <a:p>
-            <a:endParaRPr lang="en-US" dirty="0"/>
+        </p:txBody>
+      </p:sp>
+      <p:sp>
+        <p:nvSpPr>
+          <p:cNvPr id="20" name="Rectangle 19">
+            <a:extLst>
+              <a:ext uri="{FF2B5EF4-FFF2-40B4-BE49-F238E27FC236}">
+                <a16:creationId xmlns:a16="http://schemas.microsoft.com/office/drawing/2014/main" id="{932FF329-3A87-4F66-BA01-91CD63C8119F}"/>
+              </a:ext>
+              <a:ext uri="{C183D7F6-B498-43B3-948B-1728B52AA6E4}">
+                <adec:decorative xmlns:adec="http://schemas.microsoft.com/office/drawing/2017/decorative" val="1"/>
+              </a:ext>
+            </a:extLst>
+          </p:cNvPr>
+          <p:cNvSpPr>
+            <a:spLocks noGrp="1" noRot="1" noChangeAspect="1" noMove="1" noResize="1" noEditPoints="1" noAdjustHandles="1" noChangeArrowheads="1" noChangeShapeType="1" noTextEdit="1"/>
+          </p:cNvSpPr>
+          <p:nvPr>
+            <p:extLst>
+              <p:ext uri="{386F3935-93C4-4BCD-93E2-E3B085C9AB24}">
+                <p16:designElem xmlns:p16="http://schemas.microsoft.com/office/powerpoint/2015/main" val="1"/>
+              </p:ext>
+            </p:extLst>
+          </p:nvPr>
+        </p:nvSpPr>
+        <p:spPr>
+          <a:xfrm flipH="1">
+            <a:off x="-2" y="0"/>
+            <a:ext cx="4420926" cy="683812"/>
+          </a:xfrm>
+          <a:prstGeom prst="rect">
+            <a:avLst/>
+          </a:prstGeom>
+          <a:solidFill>
+            <a:schemeClr val="bg1">
+              <a:alpha val="75000"/>
+            </a:schemeClr>
+          </a:solidFill>
+          <a:ln>
+            <a:noFill/>
+          </a:ln>
+        </p:spPr>
+        <p:style>
+          <a:lnRef idx="2">
+            <a:schemeClr val="accent1">
+              <a:shade val="50000"/>
+            </a:schemeClr>
+          </a:lnRef>
+          <a:fillRef idx="1">
+            <a:schemeClr val="accent1"/>
+          </a:fillRef>
+          <a:effectRef idx="0">
+            <a:schemeClr val="accent1"/>
+          </a:effectRef>
+          <a:fontRef idx="minor">
+            <a:schemeClr val="lt1"/>
+          </a:fontRef>
+        </p:style>
+        <p:txBody>
+          <a:bodyPr rtlCol="0" anchor="ctr"/>
+          <a:lstStyle/>
+          <a:p>
+            <a:pPr algn="ctr"/>
+            <a:endParaRPr lang="en-US"/>
           </a:p>
         </p:txBody>
       </p:sp>
       <p:pic>
         <p:nvPicPr>
-          <p:cNvPr id="8" name="Picture 7">
-            <a:extLst>
-              <a:ext uri="{FF2B5EF4-FFF2-40B4-BE49-F238E27FC236}">
-                <a16:creationId xmlns:a16="http://schemas.microsoft.com/office/drawing/2014/main" id="{CEBAFCE4-6F0B-DFDD-14E2-2AF742FFAC1E}"/>
+          <p:cNvPr id="9" name="Picture 8">
+            <a:extLst>
+              <a:ext uri="{FF2B5EF4-FFF2-40B4-BE49-F238E27FC236}">
+                <a16:creationId xmlns:a16="http://schemas.microsoft.com/office/drawing/2014/main" id="{598F6E9C-31D8-FC35-5FF7-F4BBBB130A47}"/>
               </a:ext>
             </a:extLst>
           </p:cNvPr>
@@ -8446,1571 +8598,287 @@
           </p:cNvPicPr>
           <p:nvPr/>
         </p:nvPicPr>
-        <p:blipFill>
+        <p:blipFill rotWithShape="1">
           <a:blip r:embed="rId3"/>
-          <a:stretch>
-            <a:fillRect/>
-          </a:stretch>
+          <a:srcRect l="14033" r="-1" b="-1"/>
+          <a:stretch/>
         </p:blipFill>
         <p:spPr>
           <a:xfrm>
-            <a:off x="6426295" y="622629"/>
-            <a:ext cx="4972744" cy="1895740"/>
+            <a:off x="20" y="719747"/>
+            <a:ext cx="4458058" cy="5389675"/>
           </a:xfrm>
           <a:prstGeom prst="rect">
             <a:avLst/>
           </a:prstGeom>
         </p:spPr>
       </p:pic>
-    </p:spTree>
-    <p:extLst>
-      <p:ext uri="{BB962C8B-B14F-4D97-AF65-F5344CB8AC3E}">
-        <p14:creationId xmlns:p14="http://schemas.microsoft.com/office/powerpoint/2010/main" val="2225637236"/>
-      </p:ext>
-    </p:extLst>
-  </p:cSld>
-  <p:clrMapOvr>
-    <a:masterClrMapping/>
-  </p:clrMapOvr>
-</p:sld>
-</file>
-
-<file path=ppt/slides/slide4.xml><?xml version="1.0" encoding="utf-8"?>
-<p:sld xmlns:a="http://schemas.openxmlformats.org/drawingml/2006/main" xmlns:r="http://schemas.openxmlformats.org/officeDocument/2006/relationships" xmlns:p="http://schemas.openxmlformats.org/presentationml/2006/main">
-  <p:cSld>
-    <p:spTree>
-      <p:nvGrpSpPr>
-        <p:cNvPr id="1" name=""/>
-        <p:cNvGrpSpPr/>
-        <p:nvPr/>
-      </p:nvGrpSpPr>
-      <p:grpSpPr>
-        <a:xfrm>
-          <a:off x="0" y="0"/>
-          <a:ext cx="0" cy="0"/>
-          <a:chOff x="0" y="0"/>
-          <a:chExt cx="0" cy="0"/>
-        </a:xfrm>
-      </p:grpSpPr>
-      <p:sp>
-        <p:nvSpPr>
-          <p:cNvPr id="2" name="Title 1">
-            <a:extLst>
-              <a:ext uri="{FF2B5EF4-FFF2-40B4-BE49-F238E27FC236}">
-                <a16:creationId xmlns:a16="http://schemas.microsoft.com/office/drawing/2014/main" id="{E2D30E0F-10C6-298A-C347-E831FFF4ECB8}"/>
-              </a:ext>
-            </a:extLst>
-          </p:cNvPr>
-          <p:cNvSpPr>
-            <a:spLocks noGrp="1"/>
-          </p:cNvSpPr>
-          <p:nvPr>
-            <p:ph type="title"/>
-          </p:nvPr>
-        </p:nvSpPr>
-        <p:spPr/>
-        <p:txBody>
-          <a:bodyPr/>
-          <a:lstStyle/>
-          <a:p>
-            <a:r>
-              <a:rPr lang="en-US" dirty="0"/>
-              <a:t>Approach: Data</a:t>
-            </a:r>
-          </a:p>
-        </p:txBody>
-      </p:sp>
-      <p:sp>
-        <p:nvSpPr>
-          <p:cNvPr id="4" name="Content Placeholder 3">
-            <a:extLst>
-              <a:ext uri="{FF2B5EF4-FFF2-40B4-BE49-F238E27FC236}">
-                <a16:creationId xmlns:a16="http://schemas.microsoft.com/office/drawing/2014/main" id="{4B1BF1AC-C624-2AD2-DA0F-335AB7BA2CA8}"/>
-              </a:ext>
-            </a:extLst>
-          </p:cNvPr>
-          <p:cNvSpPr>
-            <a:spLocks noGrp="1"/>
-          </p:cNvSpPr>
-          <p:nvPr>
-            <p:ph sz="quarter" idx="17"/>
-          </p:nvPr>
-        </p:nvSpPr>
-        <p:spPr>
-          <a:xfrm>
-            <a:off x="1535372" y="2590800"/>
-            <a:ext cx="10184840" cy="3718557"/>
-          </a:xfrm>
-        </p:spPr>
-        <p:txBody>
-          <a:bodyPr>
-            <a:normAutofit/>
-          </a:bodyPr>
-          <a:lstStyle/>
-          <a:p>
-            <a:r>
-              <a:rPr lang="en-US" sz="1800" dirty="0">
-                <a:solidFill>
-                  <a:srgbClr val="1F1F1F"/>
-                </a:solidFill>
-                <a:effectLst/>
-                <a:ea typeface="Times New Roman" panose="02020603050405020304" pitchFamily="18" charset="0"/>
-              </a:rPr>
-              <a:t>We will use the 2023 U.S. Consumer Product Safety Commission dataset</a:t>
-            </a:r>
-          </a:p>
-          <a:p>
-            <a:r>
-              <a:rPr lang="en-US" dirty="0">
-                <a:solidFill>
-                  <a:srgbClr val="1F1F1F"/>
-                </a:solidFill>
-              </a:rPr>
-              <a:t>Includes emergency room visits from over 100 hospitals</a:t>
-            </a:r>
-          </a:p>
-          <a:p>
-            <a:r>
-              <a:rPr lang="en-US" dirty="0">
-                <a:solidFill>
-                  <a:srgbClr val="1F1F1F"/>
-                </a:solidFill>
-              </a:rPr>
-              <a:t>Specifically, we will look at sprain/strain injuries to the knee, ankle, or shoulder for men aged 15-65 (our target demographic)</a:t>
-            </a:r>
-          </a:p>
-        </p:txBody>
-      </p:sp>
-      <p:pic>
-        <p:nvPicPr>
-          <p:cNvPr id="7" name="Picture 6">
-            <a:extLst>
-              <a:ext uri="{FF2B5EF4-FFF2-40B4-BE49-F238E27FC236}">
-                <a16:creationId xmlns:a16="http://schemas.microsoft.com/office/drawing/2014/main" id="{F5F855BC-1508-CCE2-A9A8-8C51555E4907}"/>
-              </a:ext>
-            </a:extLst>
-          </p:cNvPr>
-          <p:cNvPicPr>
-            <a:picLocks noChangeAspect="1"/>
-          </p:cNvPicPr>
-          <p:nvPr/>
-        </p:nvPicPr>
-        <p:blipFill>
-          <a:blip r:embed="rId3"/>
-          <a:stretch>
-            <a:fillRect/>
-          </a:stretch>
-        </p:blipFill>
-        <p:spPr>
-          <a:xfrm>
-            <a:off x="1535371" y="4450078"/>
-            <a:ext cx="3685869" cy="2407922"/>
+      <p:sp>
+        <p:nvSpPr>
+          <p:cNvPr id="22" name="Rectangle 21">
+            <a:extLst>
+              <a:ext uri="{FF2B5EF4-FFF2-40B4-BE49-F238E27FC236}">
+                <a16:creationId xmlns:a16="http://schemas.microsoft.com/office/drawing/2014/main" id="{BCF4857D-F003-4CA1-82AB-00900B1008BA}"/>
+              </a:ext>
+              <a:ext uri="{C183D7F6-B498-43B3-948B-1728B52AA6E4}">
+                <adec:decorative xmlns:adec="http://schemas.microsoft.com/office/drawing/2017/decorative" val="1"/>
+              </a:ext>
+            </a:extLst>
+          </p:cNvPr>
+          <p:cNvSpPr>
+            <a:spLocks noGrp="1" noRot="1" noChangeAspect="1" noMove="1" noResize="1" noEditPoints="1" noAdjustHandles="1" noChangeArrowheads="1" noChangeShapeType="1" noTextEdit="1"/>
+          </p:cNvSpPr>
+          <p:nvPr>
+            <p:extLst>
+              <p:ext uri="{386F3935-93C4-4BCD-93E2-E3B085C9AB24}">
+                <p16:designElem xmlns:p16="http://schemas.microsoft.com/office/powerpoint/2015/main" val="1"/>
+              </p:ext>
+            </p:extLst>
+          </p:nvPr>
+        </p:nvSpPr>
+        <p:spPr>
+          <a:xfrm flipH="1">
+            <a:off x="0" y="6146359"/>
+            <a:ext cx="4426072" cy="711642"/>
           </a:xfrm>
           <a:prstGeom prst="rect">
             <a:avLst/>
           </a:prstGeom>
-        </p:spPr>
-      </p:pic>
-      <p:graphicFrame>
-        <p:nvGraphicFramePr>
-          <p:cNvPr id="8" name="Table 7">
-            <a:extLst>
-              <a:ext uri="{FF2B5EF4-FFF2-40B4-BE49-F238E27FC236}">
-                <a16:creationId xmlns:a16="http://schemas.microsoft.com/office/drawing/2014/main" id="{2B0F36E0-D1F3-C63E-FDA1-61B3EE70F980}"/>
-              </a:ext>
-            </a:extLst>
-          </p:cNvPr>
-          <p:cNvGraphicFramePr>
-            <a:graphicFrameLocks noGrp="1"/>
-          </p:cNvGraphicFramePr>
+          <a:solidFill>
+            <a:schemeClr val="bg2">
+              <a:lumMod val="90000"/>
+            </a:schemeClr>
+          </a:solidFill>
+          <a:ln>
+            <a:noFill/>
+          </a:ln>
+        </p:spPr>
+        <p:style>
+          <a:lnRef idx="2">
+            <a:schemeClr val="accent1">
+              <a:shade val="50000"/>
+            </a:schemeClr>
+          </a:lnRef>
+          <a:fillRef idx="1">
+            <a:schemeClr val="accent1"/>
+          </a:fillRef>
+          <a:effectRef idx="0">
+            <a:schemeClr val="accent1"/>
+          </a:effectRef>
+          <a:fontRef idx="minor">
+            <a:schemeClr val="lt1"/>
+          </a:fontRef>
+        </p:style>
+        <p:txBody>
+          <a:bodyPr rtlCol="0" anchor="ctr"/>
+          <a:lstStyle/>
+          <a:p>
+            <a:pPr algn="ctr"/>
+            <a:endParaRPr lang="en-US"/>
+          </a:p>
+        </p:txBody>
+      </p:sp>
+      <p:sp>
+        <p:nvSpPr>
+          <p:cNvPr id="24" name="Rectangle 23">
+            <a:extLst>
+              <a:ext uri="{FF2B5EF4-FFF2-40B4-BE49-F238E27FC236}">
+                <a16:creationId xmlns:a16="http://schemas.microsoft.com/office/drawing/2014/main" id="{79855050-A75B-4DD0-9B56-8B1C7722D884}"/>
+              </a:ext>
+              <a:ext uri="{C183D7F6-B498-43B3-948B-1728B52AA6E4}">
+                <adec:decorative xmlns:adec="http://schemas.microsoft.com/office/drawing/2017/decorative" val="1"/>
+              </a:ext>
+            </a:extLst>
+          </p:cNvPr>
+          <p:cNvSpPr>
+            <a:spLocks noGrp="1" noRot="1" noChangeAspect="1" noMove="1" noResize="1" noEditPoints="1" noAdjustHandles="1" noChangeArrowheads="1" noChangeShapeType="1" noTextEdit="1"/>
+          </p:cNvSpPr>
           <p:nvPr>
             <p:extLst>
-              <p:ext uri="{D42A27DB-BD31-4B8C-83A1-F6EECF244321}">
-                <p14:modId xmlns:p14="http://schemas.microsoft.com/office/powerpoint/2010/main" val="4015451216"/>
+              <p:ext uri="{386F3935-93C4-4BCD-93E2-E3B085C9AB24}">
+                <p16:designElem xmlns:p16="http://schemas.microsoft.com/office/powerpoint/2015/main" val="1"/>
               </p:ext>
             </p:extLst>
           </p:nvPr>
-        </p:nvGraphicFramePr>
-        <p:xfrm>
-          <a:off x="5742126" y="4811843"/>
-          <a:ext cx="4676038" cy="1677117"/>
-        </p:xfrm>
-        <a:graphic>
-          <a:graphicData uri="http://schemas.openxmlformats.org/drawingml/2006/table">
-            <a:tbl>
-              <a:tblPr>
-                <a:tableStyleId>{8A107856-5554-42FB-B03E-39F5DBC370BA}</a:tableStyleId>
-              </a:tblPr>
-              <a:tblGrid>
-                <a:gridCol w="1892159">
-                  <a:extLst>
-                    <a:ext uri="{9D8B030D-6E8A-4147-A177-3AD203B41FA5}">
-                      <a16:colId xmlns:a16="http://schemas.microsoft.com/office/drawing/2014/main" val="1724465839"/>
-                    </a:ext>
-                  </a:extLst>
-                </a:gridCol>
-                <a:gridCol w="961096">
-                  <a:extLst>
-                    <a:ext uri="{9D8B030D-6E8A-4147-A177-3AD203B41FA5}">
-                      <a16:colId xmlns:a16="http://schemas.microsoft.com/office/drawing/2014/main" val="4157553391"/>
-                    </a:ext>
-                  </a:extLst>
-                </a:gridCol>
-                <a:gridCol w="739455">
-                  <a:extLst>
-                    <a:ext uri="{9D8B030D-6E8A-4147-A177-3AD203B41FA5}">
-                      <a16:colId xmlns:a16="http://schemas.microsoft.com/office/drawing/2014/main" val="615904658"/>
-                    </a:ext>
-                  </a:extLst>
-                </a:gridCol>
-                <a:gridCol w="1083328">
-                  <a:extLst>
-                    <a:ext uri="{9D8B030D-6E8A-4147-A177-3AD203B41FA5}">
-                      <a16:colId xmlns:a16="http://schemas.microsoft.com/office/drawing/2014/main" val="3848891954"/>
-                    </a:ext>
-                  </a:extLst>
-                </a:gridCol>
-              </a:tblGrid>
-              <a:tr h="361723">
-                <a:tc>
-                  <a:txBody>
-                    <a:bodyPr/>
-                    <a:lstStyle/>
-                    <a:p>
-                      <a:pPr algn="l" fontAlgn="b"/>
-                      <a:endParaRPr lang="en-US" sz="1800" b="0" i="0" u="none" strike="noStrike">
-                        <a:solidFill>
-                          <a:srgbClr val="000000"/>
-                        </a:solidFill>
-                        <a:effectLst/>
-                        <a:latin typeface="+mn-lt"/>
-                      </a:endParaRPr>
-                    </a:p>
-                  </a:txBody>
-                  <a:tcPr marL="9525" marR="9525" marT="9525" marB="0" anchor="b"/>
-                </a:tc>
-                <a:tc>
-                  <a:txBody>
-                    <a:bodyPr/>
-                    <a:lstStyle/>
-                    <a:p>
-                      <a:pPr algn="r" fontAlgn="b"/>
-                      <a:r>
-                        <a:rPr lang="en-US" sz="1800" b="1" u="none" strike="noStrike" dirty="0">
-                          <a:effectLst/>
-                          <a:latin typeface="+mn-lt"/>
-                        </a:rPr>
-                        <a:t>Min</a:t>
-                      </a:r>
-                      <a:endParaRPr lang="en-US" sz="1800" b="1" i="0" u="none" strike="noStrike" dirty="0">
-                        <a:solidFill>
-                          <a:srgbClr val="000000"/>
-                        </a:solidFill>
-                        <a:effectLst/>
-                        <a:latin typeface="+mn-lt"/>
-                      </a:endParaRPr>
-                    </a:p>
-                  </a:txBody>
-                  <a:tcPr marL="9525" marR="9525" marT="9525" marB="0" anchor="b"/>
-                </a:tc>
-                <a:tc>
-                  <a:txBody>
-                    <a:bodyPr/>
-                    <a:lstStyle/>
-                    <a:p>
-                      <a:pPr algn="r" fontAlgn="b"/>
-                      <a:r>
-                        <a:rPr lang="en-US" sz="1800" b="1" u="none" strike="noStrike">
-                          <a:effectLst/>
-                          <a:latin typeface="+mn-lt"/>
-                        </a:rPr>
-                        <a:t>Max</a:t>
-                      </a:r>
-                      <a:endParaRPr lang="en-US" sz="1800" b="1" i="0" u="none" strike="noStrike">
-                        <a:solidFill>
-                          <a:srgbClr val="000000"/>
-                        </a:solidFill>
-                        <a:effectLst/>
-                        <a:latin typeface="+mn-lt"/>
-                      </a:endParaRPr>
-                    </a:p>
-                  </a:txBody>
-                  <a:tcPr marL="9525" marR="9525" marT="9525" marB="0" anchor="b"/>
-                </a:tc>
-                <a:tc>
-                  <a:txBody>
-                    <a:bodyPr/>
-                    <a:lstStyle/>
-                    <a:p>
-                      <a:pPr algn="r" fontAlgn="b"/>
-                      <a:r>
-                        <a:rPr lang="en-US" sz="1800" b="1" u="none" strike="noStrike" dirty="0">
-                          <a:effectLst/>
-                          <a:latin typeface="+mn-lt"/>
-                        </a:rPr>
-                        <a:t>Avg</a:t>
-                      </a:r>
-                      <a:endParaRPr lang="en-US" sz="1800" b="1" i="0" u="none" strike="noStrike" dirty="0">
-                        <a:solidFill>
-                          <a:srgbClr val="000000"/>
-                        </a:solidFill>
-                        <a:effectLst/>
-                        <a:latin typeface="+mn-lt"/>
-                      </a:endParaRPr>
-                    </a:p>
-                  </a:txBody>
-                  <a:tcPr marL="9525" marR="9525" marT="9525" marB="0" anchor="b"/>
-                </a:tc>
-                <a:extLst>
-                  <a:ext uri="{0D108BD9-81ED-4DB2-BD59-A6C34878D82A}">
-                    <a16:rowId xmlns:a16="http://schemas.microsoft.com/office/drawing/2014/main" val="3751218373"/>
-                  </a:ext>
-                </a:extLst>
-              </a:tr>
-              <a:tr h="447745">
-                <a:tc>
-                  <a:txBody>
-                    <a:bodyPr/>
-                    <a:lstStyle/>
-                    <a:p>
-                      <a:pPr algn="l" fontAlgn="b"/>
-                      <a:r>
-                        <a:rPr lang="en-US" sz="1800" b="1" u="none" strike="noStrike">
-                          <a:effectLst/>
-                          <a:latin typeface="+mn-lt"/>
-                        </a:rPr>
-                        <a:t>Ankle</a:t>
-                      </a:r>
-                      <a:endParaRPr lang="en-US" sz="1800" b="1" i="0" u="none" strike="noStrike">
-                        <a:solidFill>
-                          <a:srgbClr val="000000"/>
-                        </a:solidFill>
-                        <a:effectLst/>
-                        <a:latin typeface="+mn-lt"/>
-                      </a:endParaRPr>
-                    </a:p>
-                  </a:txBody>
-                  <a:tcPr marL="9525" marR="9525" marT="9525" marB="0" anchor="b"/>
-                </a:tc>
-                <a:tc>
-                  <a:txBody>
-                    <a:bodyPr/>
-                    <a:lstStyle/>
-                    <a:p>
-                      <a:pPr algn="r" fontAlgn="b"/>
-                      <a:r>
-                        <a:rPr lang="en-US" sz="1800" u="none" strike="noStrike" dirty="0">
-                          <a:effectLst/>
-                          <a:latin typeface="+mn-lt"/>
-                        </a:rPr>
-                        <a:t>15</a:t>
-                      </a:r>
-                      <a:endParaRPr lang="en-US" sz="1800" b="0" i="0" u="none" strike="noStrike" dirty="0">
-                        <a:solidFill>
-                          <a:srgbClr val="000000"/>
-                        </a:solidFill>
-                        <a:effectLst/>
-                        <a:latin typeface="+mn-lt"/>
-                      </a:endParaRPr>
-                    </a:p>
-                  </a:txBody>
-                  <a:tcPr marL="9525" marR="9525" marT="9525" marB="0" anchor="b"/>
-                </a:tc>
-                <a:tc>
-                  <a:txBody>
-                    <a:bodyPr/>
-                    <a:lstStyle/>
-                    <a:p>
-                      <a:pPr algn="r" fontAlgn="b"/>
-                      <a:r>
-                        <a:rPr lang="en-US" sz="1800" u="none" strike="noStrike" dirty="0">
-                          <a:effectLst/>
-                          <a:latin typeface="+mn-lt"/>
-                        </a:rPr>
-                        <a:t>65</a:t>
-                      </a:r>
-                      <a:endParaRPr lang="en-US" sz="1800" b="0" i="0" u="none" strike="noStrike" dirty="0">
-                        <a:solidFill>
-                          <a:srgbClr val="000000"/>
-                        </a:solidFill>
-                        <a:effectLst/>
-                        <a:latin typeface="+mn-lt"/>
-                      </a:endParaRPr>
-                    </a:p>
-                  </a:txBody>
-                  <a:tcPr marL="9525" marR="9525" marT="9525" marB="0" anchor="b"/>
-                </a:tc>
-                <a:tc>
-                  <a:txBody>
-                    <a:bodyPr/>
-                    <a:lstStyle/>
-                    <a:p>
-                      <a:pPr algn="r" fontAlgn="b"/>
-                      <a:r>
-                        <a:rPr lang="en-US" sz="1800" u="none" strike="noStrike">
-                          <a:effectLst/>
-                          <a:latin typeface="+mn-lt"/>
-                        </a:rPr>
-                        <a:t>25.44</a:t>
-                      </a:r>
-                      <a:endParaRPr lang="en-US" sz="1800" b="0" i="0" u="none" strike="noStrike">
-                        <a:solidFill>
-                          <a:srgbClr val="000000"/>
-                        </a:solidFill>
-                        <a:effectLst/>
-                        <a:latin typeface="+mn-lt"/>
-                      </a:endParaRPr>
-                    </a:p>
-                  </a:txBody>
-                  <a:tcPr marL="9525" marR="9525" marT="9525" marB="0" anchor="b"/>
-                </a:tc>
-                <a:extLst>
-                  <a:ext uri="{0D108BD9-81ED-4DB2-BD59-A6C34878D82A}">
-                    <a16:rowId xmlns:a16="http://schemas.microsoft.com/office/drawing/2014/main" val="2915321399"/>
-                  </a:ext>
-                </a:extLst>
-              </a:tr>
-              <a:tr h="434715">
-                <a:tc>
-                  <a:txBody>
-                    <a:bodyPr/>
-                    <a:lstStyle/>
-                    <a:p>
-                      <a:pPr algn="l" fontAlgn="b"/>
-                      <a:r>
-                        <a:rPr lang="en-US" sz="1800" b="1" u="none" strike="noStrike">
-                          <a:effectLst/>
-                          <a:latin typeface="+mn-lt"/>
-                        </a:rPr>
-                        <a:t>Knee</a:t>
-                      </a:r>
-                      <a:endParaRPr lang="en-US" sz="1800" b="1" i="0" u="none" strike="noStrike">
-                        <a:solidFill>
-                          <a:srgbClr val="000000"/>
-                        </a:solidFill>
-                        <a:effectLst/>
-                        <a:latin typeface="+mn-lt"/>
-                      </a:endParaRPr>
-                    </a:p>
-                  </a:txBody>
-                  <a:tcPr marL="9525" marR="9525" marT="9525" marB="0" anchor="b"/>
-                </a:tc>
-                <a:tc>
-                  <a:txBody>
-                    <a:bodyPr/>
-                    <a:lstStyle/>
-                    <a:p>
-                      <a:pPr algn="r" fontAlgn="b"/>
-                      <a:r>
-                        <a:rPr lang="en-US" sz="1800" u="none" strike="noStrike">
-                          <a:effectLst/>
-                          <a:latin typeface="+mn-lt"/>
-                        </a:rPr>
-                        <a:t>15</a:t>
-                      </a:r>
-                      <a:endParaRPr lang="en-US" sz="1800" b="0" i="0" u="none" strike="noStrike">
-                        <a:solidFill>
-                          <a:srgbClr val="000000"/>
-                        </a:solidFill>
-                        <a:effectLst/>
-                        <a:latin typeface="+mn-lt"/>
-                      </a:endParaRPr>
-                    </a:p>
-                  </a:txBody>
-                  <a:tcPr marL="9525" marR="9525" marT="9525" marB="0" anchor="b"/>
-                </a:tc>
-                <a:tc>
-                  <a:txBody>
-                    <a:bodyPr/>
-                    <a:lstStyle/>
-                    <a:p>
-                      <a:pPr algn="r" fontAlgn="b"/>
-                      <a:r>
-                        <a:rPr lang="en-US" sz="1800" u="none" strike="noStrike" dirty="0">
-                          <a:effectLst/>
-                          <a:latin typeface="+mn-lt"/>
-                        </a:rPr>
-                        <a:t>65</a:t>
-                      </a:r>
-                      <a:endParaRPr lang="en-US" sz="1800" b="0" i="0" u="none" strike="noStrike" dirty="0">
-                        <a:solidFill>
-                          <a:srgbClr val="000000"/>
-                        </a:solidFill>
-                        <a:effectLst/>
-                        <a:latin typeface="+mn-lt"/>
-                      </a:endParaRPr>
-                    </a:p>
-                  </a:txBody>
-                  <a:tcPr marL="9525" marR="9525" marT="9525" marB="0" anchor="b"/>
-                </a:tc>
-                <a:tc>
-                  <a:txBody>
-                    <a:bodyPr/>
-                    <a:lstStyle/>
-                    <a:p>
-                      <a:pPr algn="r" fontAlgn="b"/>
-                      <a:r>
-                        <a:rPr lang="en-US" sz="1800" u="none" strike="noStrike" dirty="0">
-                          <a:effectLst/>
-                          <a:latin typeface="+mn-lt"/>
-                        </a:rPr>
-                        <a:t>30.94</a:t>
-                      </a:r>
-                      <a:endParaRPr lang="en-US" sz="1800" b="0" i="0" u="none" strike="noStrike" dirty="0">
-                        <a:solidFill>
-                          <a:srgbClr val="000000"/>
-                        </a:solidFill>
-                        <a:effectLst/>
-                        <a:latin typeface="+mn-lt"/>
-                      </a:endParaRPr>
-                    </a:p>
-                  </a:txBody>
-                  <a:tcPr marL="9525" marR="9525" marT="9525" marB="0" anchor="b"/>
-                </a:tc>
-                <a:extLst>
-                  <a:ext uri="{0D108BD9-81ED-4DB2-BD59-A6C34878D82A}">
-                    <a16:rowId xmlns:a16="http://schemas.microsoft.com/office/drawing/2014/main" val="3777206381"/>
-                  </a:ext>
-                </a:extLst>
-              </a:tr>
-              <a:tr h="432934">
-                <a:tc>
-                  <a:txBody>
-                    <a:bodyPr/>
-                    <a:lstStyle/>
-                    <a:p>
-                      <a:pPr algn="l" fontAlgn="b"/>
-                      <a:r>
-                        <a:rPr lang="en-US" sz="1800" b="1" u="none" strike="noStrike" dirty="0">
-                          <a:effectLst/>
-                          <a:latin typeface="+mn-lt"/>
-                        </a:rPr>
-                        <a:t>Shoulder</a:t>
-                      </a:r>
-                      <a:endParaRPr lang="en-US" sz="1800" b="1" i="0" u="none" strike="noStrike" dirty="0">
-                        <a:solidFill>
-                          <a:srgbClr val="000000"/>
-                        </a:solidFill>
-                        <a:effectLst/>
-                        <a:latin typeface="+mn-lt"/>
-                      </a:endParaRPr>
-                    </a:p>
-                  </a:txBody>
-                  <a:tcPr marL="9525" marR="9525" marT="9525" marB="0" anchor="b"/>
-                </a:tc>
-                <a:tc>
-                  <a:txBody>
-                    <a:bodyPr/>
-                    <a:lstStyle/>
-                    <a:p>
-                      <a:pPr algn="r" fontAlgn="b"/>
-                      <a:r>
-                        <a:rPr lang="en-US" sz="1800" u="none" strike="noStrike">
-                          <a:effectLst/>
-                          <a:latin typeface="+mn-lt"/>
-                        </a:rPr>
-                        <a:t>15</a:t>
-                      </a:r>
-                      <a:endParaRPr lang="en-US" sz="1800" b="0" i="0" u="none" strike="noStrike">
-                        <a:solidFill>
-                          <a:srgbClr val="000000"/>
-                        </a:solidFill>
-                        <a:effectLst/>
-                        <a:latin typeface="+mn-lt"/>
-                      </a:endParaRPr>
-                    </a:p>
-                  </a:txBody>
-                  <a:tcPr marL="9525" marR="9525" marT="9525" marB="0" anchor="b"/>
-                </a:tc>
-                <a:tc>
-                  <a:txBody>
-                    <a:bodyPr/>
-                    <a:lstStyle/>
-                    <a:p>
-                      <a:pPr algn="r" fontAlgn="b"/>
-                      <a:r>
-                        <a:rPr lang="en-US" sz="1800" u="none" strike="noStrike">
-                          <a:effectLst/>
-                          <a:latin typeface="+mn-lt"/>
-                        </a:rPr>
-                        <a:t>65</a:t>
-                      </a:r>
-                      <a:endParaRPr lang="en-US" sz="1800" b="0" i="0" u="none" strike="noStrike">
-                        <a:solidFill>
-                          <a:srgbClr val="000000"/>
-                        </a:solidFill>
-                        <a:effectLst/>
-                        <a:latin typeface="+mn-lt"/>
-                      </a:endParaRPr>
-                    </a:p>
-                  </a:txBody>
-                  <a:tcPr marL="9525" marR="9525" marT="9525" marB="0" anchor="b"/>
-                </a:tc>
-                <a:tc>
-                  <a:txBody>
-                    <a:bodyPr/>
-                    <a:lstStyle/>
-                    <a:p>
-                      <a:pPr algn="r" fontAlgn="b"/>
-                      <a:r>
-                        <a:rPr lang="en-US" sz="1800" u="none" strike="noStrike" dirty="0">
-                          <a:effectLst/>
-                          <a:latin typeface="+mn-lt"/>
-                        </a:rPr>
-                        <a:t>34.53</a:t>
-                      </a:r>
-                      <a:endParaRPr lang="en-US" sz="1800" b="0" i="0" u="none" strike="noStrike" dirty="0">
-                        <a:solidFill>
-                          <a:srgbClr val="000000"/>
-                        </a:solidFill>
-                        <a:effectLst/>
-                        <a:latin typeface="+mn-lt"/>
-                      </a:endParaRPr>
-                    </a:p>
-                  </a:txBody>
-                  <a:tcPr marL="9525" marR="9525" marT="9525" marB="0" anchor="b"/>
-                </a:tc>
-                <a:extLst>
-                  <a:ext uri="{0D108BD9-81ED-4DB2-BD59-A6C34878D82A}">
-                    <a16:rowId xmlns:a16="http://schemas.microsoft.com/office/drawing/2014/main" val="769913986"/>
-                  </a:ext>
-                </a:extLst>
-              </a:tr>
-            </a:tbl>
-          </a:graphicData>
-        </a:graphic>
-      </p:graphicFrame>
-    </p:spTree>
-    <p:extLst>
-      <p:ext uri="{BB962C8B-B14F-4D97-AF65-F5344CB8AC3E}">
-        <p14:creationId xmlns:p14="http://schemas.microsoft.com/office/powerpoint/2010/main" val="3378916420"/>
-      </p:ext>
-    </p:extLst>
-  </p:cSld>
-  <p:clrMapOvr>
-    <a:masterClrMapping/>
-  </p:clrMapOvr>
-</p:sld>
-</file>
-
-<file path=ppt/slides/slide5.xml><?xml version="1.0" encoding="utf-8"?>
-<p:sld xmlns:a="http://schemas.openxmlformats.org/drawingml/2006/main" xmlns:r="http://schemas.openxmlformats.org/officeDocument/2006/relationships" xmlns:p="http://schemas.openxmlformats.org/presentationml/2006/main">
-  <p:cSld>
-    <p:spTree>
-      <p:nvGrpSpPr>
-        <p:cNvPr id="1" name=""/>
-        <p:cNvGrpSpPr/>
-        <p:nvPr/>
-      </p:nvGrpSpPr>
-      <p:grpSpPr>
-        <a:xfrm>
-          <a:off x="0" y="0"/>
-          <a:ext cx="0" cy="0"/>
-          <a:chOff x="0" y="0"/>
-          <a:chExt cx="0" cy="0"/>
-        </a:xfrm>
-      </p:grpSpPr>
-      <p:sp>
-        <p:nvSpPr>
-          <p:cNvPr id="2" name="Title 1">
-            <a:extLst>
-              <a:ext uri="{FF2B5EF4-FFF2-40B4-BE49-F238E27FC236}">
-                <a16:creationId xmlns:a16="http://schemas.microsoft.com/office/drawing/2014/main" id="{E2D30E0F-10C6-298A-C347-E831FFF4ECB8}"/>
-              </a:ext>
-            </a:extLst>
-          </p:cNvPr>
-          <p:cNvSpPr>
-            <a:spLocks noGrp="1"/>
-          </p:cNvSpPr>
-          <p:nvPr>
-            <p:ph type="title"/>
-          </p:nvPr>
-        </p:nvSpPr>
-        <p:spPr/>
-        <p:txBody>
-          <a:bodyPr/>
-          <a:lstStyle/>
-          <a:p>
-            <a:r>
-              <a:rPr lang="en-US" dirty="0"/>
-              <a:t>Approach: Analysis</a:t>
-            </a:r>
-          </a:p>
-        </p:txBody>
-      </p:sp>
-      <p:sp>
-        <p:nvSpPr>
-          <p:cNvPr id="4" name="Content Placeholder 3">
-            <a:extLst>
-              <a:ext uri="{FF2B5EF4-FFF2-40B4-BE49-F238E27FC236}">
-                <a16:creationId xmlns:a16="http://schemas.microsoft.com/office/drawing/2014/main" id="{4B1BF1AC-C624-2AD2-DA0F-335AB7BA2CA8}"/>
-              </a:ext>
-            </a:extLst>
-          </p:cNvPr>
-          <p:cNvSpPr>
-            <a:spLocks noGrp="1"/>
-          </p:cNvSpPr>
-          <p:nvPr>
-            <p:ph sz="quarter" idx="17"/>
-          </p:nvPr>
-        </p:nvSpPr>
-        <p:spPr>
-          <a:xfrm>
-            <a:off x="1535372" y="2590800"/>
-            <a:ext cx="10184840" cy="3718557"/>
-          </a:xfrm>
-        </p:spPr>
-        <p:txBody>
-          <a:bodyPr>
-            <a:normAutofit/>
-          </a:bodyPr>
-          <a:lstStyle/>
-          <a:p>
-            <a:r>
-              <a:rPr lang="en-US" dirty="0"/>
-              <a:t>The data was broken out by body part and then the ages within those groups were compared statistically</a:t>
-            </a:r>
-          </a:p>
-          <a:p>
-            <a:endParaRPr lang="en-US" dirty="0"/>
-          </a:p>
-        </p:txBody>
-      </p:sp>
-      <p:pic>
-        <p:nvPicPr>
-          <p:cNvPr id="5" name="Picture 4">
-            <a:extLst>
-              <a:ext uri="{FF2B5EF4-FFF2-40B4-BE49-F238E27FC236}">
-                <a16:creationId xmlns:a16="http://schemas.microsoft.com/office/drawing/2014/main" id="{E23F3D86-E45F-2A85-17CD-C8E106A840AE}"/>
-              </a:ext>
-            </a:extLst>
-          </p:cNvPr>
-          <p:cNvPicPr>
-            <a:picLocks noChangeAspect="1"/>
-          </p:cNvPicPr>
-          <p:nvPr/>
-        </p:nvPicPr>
-        <p:blipFill>
-          <a:blip r:embed="rId3"/>
-          <a:stretch>
-            <a:fillRect/>
-          </a:stretch>
-        </p:blipFill>
-        <p:spPr>
-          <a:xfrm>
-            <a:off x="1535371" y="3650582"/>
-            <a:ext cx="6011114" cy="2057687"/>
+        </p:nvSpPr>
+        <p:spPr>
+          <a:xfrm flipH="1">
+            <a:off x="4426076" y="748578"/>
+            <a:ext cx="7765922" cy="5419038"/>
           </a:xfrm>
           <a:prstGeom prst="rect">
             <a:avLst/>
           </a:prstGeom>
-        </p:spPr>
-      </p:pic>
-      <p:pic>
-        <p:nvPicPr>
-          <p:cNvPr id="9" name="Picture 8">
-            <a:extLst>
-              <a:ext uri="{FF2B5EF4-FFF2-40B4-BE49-F238E27FC236}">
-                <a16:creationId xmlns:a16="http://schemas.microsoft.com/office/drawing/2014/main" id="{6CF38857-FF9F-F788-774D-555F2585684C}"/>
-              </a:ext>
-            </a:extLst>
-          </p:cNvPr>
-          <p:cNvPicPr>
-            <a:picLocks noChangeAspect="1"/>
-          </p:cNvPicPr>
-          <p:nvPr/>
-        </p:nvPicPr>
-        <p:blipFill>
-          <a:blip r:embed="rId4"/>
-          <a:stretch>
-            <a:fillRect/>
-          </a:stretch>
-        </p:blipFill>
+          <a:solidFill>
+            <a:schemeClr val="bg1">
+              <a:alpha val="75000"/>
+            </a:schemeClr>
+          </a:solidFill>
+          <a:ln>
+            <a:noFill/>
+          </a:ln>
+        </p:spPr>
+        <p:style>
+          <a:lnRef idx="2">
+            <a:schemeClr val="accent1">
+              <a:shade val="50000"/>
+            </a:schemeClr>
+          </a:lnRef>
+          <a:fillRef idx="1">
+            <a:schemeClr val="accent1"/>
+          </a:fillRef>
+          <a:effectRef idx="0">
+            <a:schemeClr val="accent1"/>
+          </a:effectRef>
+          <a:fontRef idx="minor">
+            <a:schemeClr val="lt1"/>
+          </a:fontRef>
+        </p:style>
+        <p:txBody>
+          <a:bodyPr rtlCol="0" anchor="ctr"/>
+          <a:lstStyle/>
+          <a:p>
+            <a:pPr algn="ctr"/>
+            <a:endParaRPr lang="en-US"/>
+          </a:p>
+        </p:txBody>
+      </p:sp>
+      <p:sp>
+        <p:nvSpPr>
+          <p:cNvPr id="2" name="Title 1">
+            <a:extLst>
+              <a:ext uri="{FF2B5EF4-FFF2-40B4-BE49-F238E27FC236}">
+                <a16:creationId xmlns:a16="http://schemas.microsoft.com/office/drawing/2014/main" id="{E2D30E0F-10C6-298A-C347-E831FFF4ECB8}"/>
+              </a:ext>
+            </a:extLst>
+          </p:cNvPr>
+          <p:cNvSpPr>
+            <a:spLocks noGrp="1"/>
+          </p:cNvSpPr>
+          <p:nvPr>
+            <p:ph type="title"/>
+          </p:nvPr>
+        </p:nvSpPr>
         <p:spPr>
           <a:xfrm>
-            <a:off x="7193105" y="3660108"/>
-            <a:ext cx="3172268" cy="2048161"/>
+            <a:off x="4919472" y="1056362"/>
+            <a:ext cx="6627226" cy="1154102"/>
+          </a:xfrm>
+        </p:spPr>
+        <p:txBody>
+          <a:bodyPr vert="horz" lIns="109728" tIns="109728" rIns="109728" bIns="91440" rtlCol="0" anchor="ctr">
+            <a:normAutofit/>
+          </a:bodyPr>
+          <a:lstStyle/>
+          <a:p>
+            <a:pPr>
+              <a:lnSpc>
+                <a:spcPct val="150000"/>
+              </a:lnSpc>
+            </a:pPr>
+            <a:r>
+              <a:rPr lang="en-US" sz="3600">
+                <a:solidFill>
+                  <a:schemeClr val="tx1">
+                    <a:lumMod val="75000"/>
+                    <a:lumOff val="25000"/>
+                  </a:schemeClr>
+                </a:solidFill>
+              </a:rPr>
+              <a:t>Results</a:t>
+            </a:r>
+          </a:p>
+        </p:txBody>
+      </p:sp>
+      <p:sp>
+        <p:nvSpPr>
+          <p:cNvPr id="26" name="Rectangle 25">
+            <a:extLst>
+              <a:ext uri="{FF2B5EF4-FFF2-40B4-BE49-F238E27FC236}">
+                <a16:creationId xmlns:a16="http://schemas.microsoft.com/office/drawing/2014/main" id="{5E6738EB-6FF0-4AF9-8462-57F4494B88B2}"/>
+              </a:ext>
+              <a:ext uri="{C183D7F6-B498-43B3-948B-1728B52AA6E4}">
+                <adec:decorative xmlns:adec="http://schemas.microsoft.com/office/drawing/2017/decorative" val="1"/>
+              </a:ext>
+            </a:extLst>
+          </p:cNvPr>
+          <p:cNvSpPr>
+            <a:spLocks noGrp="1" noRot="1" noChangeAspect="1" noMove="1" noResize="1" noEditPoints="1" noAdjustHandles="1" noChangeArrowheads="1" noChangeShapeType="1" noTextEdit="1"/>
+          </p:cNvSpPr>
+          <p:nvPr>
+            <p:extLst>
+              <p:ext uri="{386F3935-93C4-4BCD-93E2-E3B085C9AB24}">
+                <p16:designElem xmlns:p16="http://schemas.microsoft.com/office/powerpoint/2015/main" val="1"/>
+              </p:ext>
+            </p:extLst>
+          </p:nvPr>
+        </p:nvSpPr>
+        <p:spPr>
+          <a:xfrm>
+            <a:off x="1525" y="687743"/>
+            <a:ext cx="12188951" cy="64008"/>
           </a:xfrm>
           <a:prstGeom prst="rect">
             <a:avLst/>
           </a:prstGeom>
-        </p:spPr>
-      </p:pic>
-    </p:spTree>
-    <p:extLst>
-      <p:ext uri="{BB962C8B-B14F-4D97-AF65-F5344CB8AC3E}">
-        <p14:creationId xmlns:p14="http://schemas.microsoft.com/office/powerpoint/2010/main" val="284503839"/>
-      </p:ext>
-    </p:extLst>
-  </p:cSld>
-  <p:clrMapOvr>
-    <a:masterClrMapping/>
-  </p:clrMapOvr>
-</p:sld>
-</file>
-
-<file path=ppt/slides/slide6.xml><?xml version="1.0" encoding="utf-8"?>
-<p:sld xmlns:a="http://schemas.openxmlformats.org/drawingml/2006/main" xmlns:r="http://schemas.openxmlformats.org/officeDocument/2006/relationships" xmlns:p="http://schemas.openxmlformats.org/presentationml/2006/main">
-  <p:cSld>
-    <p:spTree>
-      <p:nvGrpSpPr>
-        <p:cNvPr id="1" name=""/>
-        <p:cNvGrpSpPr/>
-        <p:nvPr/>
-      </p:nvGrpSpPr>
-      <p:grpSpPr>
-        <a:xfrm>
-          <a:off x="0" y="0"/>
-          <a:ext cx="0" cy="0"/>
-          <a:chOff x="0" y="0"/>
-          <a:chExt cx="0" cy="0"/>
-        </a:xfrm>
-      </p:grpSpPr>
-      <p:sp>
-        <p:nvSpPr>
-          <p:cNvPr id="2" name="Title 1">
-            <a:extLst>
-              <a:ext uri="{FF2B5EF4-FFF2-40B4-BE49-F238E27FC236}">
-                <a16:creationId xmlns:a16="http://schemas.microsoft.com/office/drawing/2014/main" id="{E2D30E0F-10C6-298A-C347-E831FFF4ECB8}"/>
-              </a:ext>
-            </a:extLst>
-          </p:cNvPr>
-          <p:cNvSpPr>
-            <a:spLocks noGrp="1"/>
-          </p:cNvSpPr>
-          <p:nvPr>
-            <p:ph type="title"/>
-          </p:nvPr>
-        </p:nvSpPr>
-        <p:spPr/>
-        <p:txBody>
-          <a:bodyPr/>
-          <a:lstStyle/>
-          <a:p>
-            <a:r>
-              <a:rPr lang="en-US" dirty="0"/>
-              <a:t>Approach: Analysis</a:t>
-            </a:r>
-          </a:p>
-        </p:txBody>
-      </p:sp>
-      <p:sp>
-        <p:nvSpPr>
-          <p:cNvPr id="4" name="Content Placeholder 3">
-            <a:extLst>
-              <a:ext uri="{FF2B5EF4-FFF2-40B4-BE49-F238E27FC236}">
-                <a16:creationId xmlns:a16="http://schemas.microsoft.com/office/drawing/2014/main" id="{4B1BF1AC-C624-2AD2-DA0F-335AB7BA2CA8}"/>
-              </a:ext>
-            </a:extLst>
-          </p:cNvPr>
-          <p:cNvSpPr>
-            <a:spLocks noGrp="1"/>
-          </p:cNvSpPr>
-          <p:nvPr>
-            <p:ph sz="quarter" idx="17"/>
-          </p:nvPr>
+          <a:solidFill>
+            <a:schemeClr val="tx2"/>
+          </a:solidFill>
+          <a:ln>
+            <a:noFill/>
+          </a:ln>
+        </p:spPr>
+        <p:style>
+          <a:lnRef idx="2">
+            <a:schemeClr val="accent1">
+              <a:shade val="50000"/>
+            </a:schemeClr>
+          </a:lnRef>
+          <a:fillRef idx="1">
+            <a:schemeClr val="accent1"/>
+          </a:fillRef>
+          <a:effectRef idx="0">
+            <a:schemeClr val="accent1"/>
+          </a:effectRef>
+          <a:fontRef idx="minor">
+            <a:schemeClr val="lt1"/>
+          </a:fontRef>
+        </p:style>
+        <p:txBody>
+          <a:bodyPr rtlCol="0" anchor="ctr"/>
+          <a:lstStyle/>
+          <a:p>
+            <a:pPr algn="ctr"/>
+            <a:endParaRPr lang="en-US"/>
+          </a:p>
+        </p:txBody>
+      </p:sp>
+      <p:sp>
+        <p:nvSpPr>
+          <p:cNvPr id="5" name="Content Placeholder 3">
+            <a:extLst>
+              <a:ext uri="{FF2B5EF4-FFF2-40B4-BE49-F238E27FC236}">
+                <a16:creationId xmlns:a16="http://schemas.microsoft.com/office/drawing/2014/main" id="{22856233-3D5D-D465-EFC3-775E5796586F}"/>
+              </a:ext>
+            </a:extLst>
+          </p:cNvPr>
+          <p:cNvSpPr txBox="1">
+            <a:spLocks/>
+          </p:cNvSpPr>
+          <p:nvPr/>
         </p:nvSpPr>
         <p:spPr>
           <a:xfrm>
-            <a:off x="1535372" y="2590800"/>
-            <a:ext cx="10184840" cy="3718557"/>
-          </a:xfrm>
-        </p:spPr>
-        <p:txBody>
-          <a:bodyPr>
-            <a:normAutofit/>
-          </a:bodyPr>
-          <a:lstStyle/>
-          <a:p>
-            <a:r>
-              <a:rPr lang="en-US" dirty="0"/>
-              <a:t>Normality testing, Kruskal-Wallis, and Dunn’s testing were all executed using python</a:t>
-            </a:r>
-          </a:p>
-          <a:p>
-            <a:r>
-              <a:rPr lang="en-US" dirty="0"/>
-              <a:t>Bootstrap sampling was used to calculate medians and confidence intervals</a:t>
-            </a:r>
-          </a:p>
-          <a:p>
-            <a:endParaRPr lang="en-US" dirty="0"/>
-          </a:p>
-          <a:p>
-            <a:endParaRPr lang="en-US" dirty="0"/>
-          </a:p>
-        </p:txBody>
-      </p:sp>
-      <p:pic>
-        <p:nvPicPr>
-          <p:cNvPr id="6" name="Picture 5">
-            <a:extLst>
-              <a:ext uri="{FF2B5EF4-FFF2-40B4-BE49-F238E27FC236}">
-                <a16:creationId xmlns:a16="http://schemas.microsoft.com/office/drawing/2014/main" id="{CA37BC92-00BD-49A9-4763-2A1705A25E56}"/>
-              </a:ext>
-            </a:extLst>
-          </p:cNvPr>
-          <p:cNvPicPr>
-            <a:picLocks noChangeAspect="1"/>
-          </p:cNvPicPr>
-          <p:nvPr/>
-        </p:nvPicPr>
-        <p:blipFill>
-          <a:blip r:embed="rId3"/>
-          <a:stretch>
-            <a:fillRect/>
-          </a:stretch>
-        </p:blipFill>
-        <p:spPr>
-          <a:xfrm>
-            <a:off x="3123569" y="4461249"/>
-            <a:ext cx="1762371" cy="1848108"/>
+            <a:off x="4921857" y="2268656"/>
+            <a:ext cx="6627226" cy="3505938"/>
           </a:xfrm>
           <a:prstGeom prst="rect">
             <a:avLst/>
           </a:prstGeom>
         </p:spPr>
-      </p:pic>
-      <p:pic>
-        <p:nvPicPr>
-          <p:cNvPr id="8" name="Picture 7">
-            <a:extLst>
-              <a:ext uri="{FF2B5EF4-FFF2-40B4-BE49-F238E27FC236}">
-                <a16:creationId xmlns:a16="http://schemas.microsoft.com/office/drawing/2014/main" id="{FFA5DE4A-535D-D155-B339-5AC0DD30F350}"/>
-              </a:ext>
-            </a:extLst>
-          </p:cNvPr>
-          <p:cNvPicPr>
-            <a:picLocks noChangeAspect="1"/>
-          </p:cNvPicPr>
-          <p:nvPr/>
-        </p:nvPicPr>
-        <p:blipFill>
-          <a:blip r:embed="rId4"/>
-          <a:stretch>
-            <a:fillRect/>
-          </a:stretch>
-        </p:blipFill>
-        <p:spPr>
-          <a:xfrm>
-            <a:off x="5238289" y="4495207"/>
-            <a:ext cx="1715422" cy="1814150"/>
-          </a:xfrm>
-          <a:prstGeom prst="rect">
-            <a:avLst/>
-          </a:prstGeom>
-        </p:spPr>
-      </p:pic>
-      <p:pic>
-        <p:nvPicPr>
-          <p:cNvPr id="11" name="Picture 10">
-            <a:extLst>
-              <a:ext uri="{FF2B5EF4-FFF2-40B4-BE49-F238E27FC236}">
-                <a16:creationId xmlns:a16="http://schemas.microsoft.com/office/drawing/2014/main" id="{7C475F23-1000-1A6E-FA24-852CD428BF11}"/>
-              </a:ext>
-            </a:extLst>
-          </p:cNvPr>
-          <p:cNvPicPr>
-            <a:picLocks noChangeAspect="1"/>
-          </p:cNvPicPr>
-          <p:nvPr/>
-        </p:nvPicPr>
-        <p:blipFill>
-          <a:blip r:embed="rId5"/>
-          <a:stretch>
-            <a:fillRect/>
-          </a:stretch>
-        </p:blipFill>
-        <p:spPr>
-          <a:xfrm>
-            <a:off x="7306060" y="4495207"/>
-            <a:ext cx="2564832" cy="1814149"/>
-          </a:xfrm>
-          <a:prstGeom prst="rect">
-            <a:avLst/>
-          </a:prstGeom>
-        </p:spPr>
-      </p:pic>
-    </p:spTree>
-    <p:extLst>
-      <p:ext uri="{BB962C8B-B14F-4D97-AF65-F5344CB8AC3E}">
-        <p14:creationId xmlns:p14="http://schemas.microsoft.com/office/powerpoint/2010/main" val="2193660846"/>
-      </p:ext>
-    </p:extLst>
-  </p:cSld>
-  <p:clrMapOvr>
-    <a:masterClrMapping/>
-  </p:clrMapOvr>
-</p:sld>
-</file>
-
-<file path=ppt/slides/slide7.xml><?xml version="1.0" encoding="utf-8"?>
-<p:sld xmlns:a="http://schemas.openxmlformats.org/drawingml/2006/main" xmlns:r="http://schemas.openxmlformats.org/officeDocument/2006/relationships" xmlns:p="http://schemas.openxmlformats.org/presentationml/2006/main">
-  <p:cSld>
-    <p:spTree>
-      <p:nvGrpSpPr>
-        <p:cNvPr id="1" name=""/>
-        <p:cNvGrpSpPr/>
-        <p:nvPr/>
-      </p:nvGrpSpPr>
-      <p:grpSpPr>
-        <a:xfrm>
-          <a:off x="0" y="0"/>
-          <a:ext cx="0" cy="0"/>
-          <a:chOff x="0" y="0"/>
-          <a:chExt cx="0" cy="0"/>
-        </a:xfrm>
-      </p:grpSpPr>
-      <p:sp>
-        <p:nvSpPr>
-          <p:cNvPr id="2" name="Title 1">
-            <a:extLst>
-              <a:ext uri="{FF2B5EF4-FFF2-40B4-BE49-F238E27FC236}">
-                <a16:creationId xmlns:a16="http://schemas.microsoft.com/office/drawing/2014/main" id="{E2D30E0F-10C6-298A-C347-E831FFF4ECB8}"/>
-              </a:ext>
-            </a:extLst>
-          </p:cNvPr>
-          <p:cNvSpPr>
-            <a:spLocks noGrp="1"/>
-          </p:cNvSpPr>
-          <p:nvPr>
-            <p:ph type="title"/>
-          </p:nvPr>
-        </p:nvSpPr>
-        <p:spPr/>
-        <p:txBody>
-          <a:bodyPr/>
-          <a:lstStyle/>
-          <a:p>
-            <a:r>
-              <a:rPr lang="en-US"/>
-              <a:t>Results</a:t>
-            </a:r>
-            <a:endParaRPr lang="en-US" dirty="0"/>
-          </a:p>
-        </p:txBody>
-      </p:sp>
-      <p:sp>
-        <p:nvSpPr>
-          <p:cNvPr id="4" name="Content Placeholder 3">
-            <a:extLst>
-              <a:ext uri="{FF2B5EF4-FFF2-40B4-BE49-F238E27FC236}">
-                <a16:creationId xmlns:a16="http://schemas.microsoft.com/office/drawing/2014/main" id="{4B1BF1AC-C624-2AD2-DA0F-335AB7BA2CA8}"/>
-              </a:ext>
-            </a:extLst>
-          </p:cNvPr>
-          <p:cNvSpPr>
-            <a:spLocks noGrp="1"/>
-          </p:cNvSpPr>
-          <p:nvPr>
-            <p:ph sz="quarter" idx="17"/>
-          </p:nvPr>
-        </p:nvSpPr>
-        <p:spPr>
-          <a:xfrm>
-            <a:off x="1535371" y="2201057"/>
-            <a:ext cx="10184840" cy="1381593"/>
-          </a:xfrm>
-        </p:spPr>
-        <p:txBody>
-          <a:bodyPr>
+        <p:txBody>
+          <a:bodyPr vert="horz" lIns="109728" tIns="109728" rIns="109728" bIns="91440" rtlCol="0" anchor="t">
             <a:normAutofit/>
-          </a:bodyPr>
-          <a:lstStyle/>
-          <a:p>
-            <a:r>
-              <a:rPr lang="en-US" dirty="0"/>
-              <a:t>A p-value of .05 / Confidence Interval of 95% was used and each body part was found to have statistically separate affected age range</a:t>
-            </a:r>
-          </a:p>
-          <a:p>
-            <a:endParaRPr lang="en-US" dirty="0"/>
-          </a:p>
-          <a:p>
-            <a:endParaRPr lang="en-US" dirty="0"/>
-          </a:p>
-        </p:txBody>
-      </p:sp>
-      <p:graphicFrame>
-        <p:nvGraphicFramePr>
-          <p:cNvPr id="3" name="Table 2">
-            <a:extLst>
-              <a:ext uri="{FF2B5EF4-FFF2-40B4-BE49-F238E27FC236}">
-                <a16:creationId xmlns:a16="http://schemas.microsoft.com/office/drawing/2014/main" id="{225CB1FA-9D04-B833-1B3D-EF81515FE07A}"/>
-              </a:ext>
-            </a:extLst>
-          </p:cNvPr>
-          <p:cNvGraphicFramePr>
-            <a:graphicFrameLocks noGrp="1"/>
-          </p:cNvGraphicFramePr>
-          <p:nvPr>
-            <p:extLst>
-              <p:ext uri="{D42A27DB-BD31-4B8C-83A1-F6EECF244321}">
-                <p14:modId xmlns:p14="http://schemas.microsoft.com/office/powerpoint/2010/main" val="3730002342"/>
-              </p:ext>
-            </p:extLst>
-          </p:nvPr>
-        </p:nvGraphicFramePr>
-        <p:xfrm>
-          <a:off x="1535371" y="3013024"/>
-          <a:ext cx="5914739" cy="1691463"/>
-        </p:xfrm>
-        <a:graphic>
-          <a:graphicData uri="http://schemas.openxmlformats.org/drawingml/2006/table">
-            <a:tbl>
-              <a:tblPr>
-                <a:tableStyleId>{69CF1AB2-1976-4502-BF36-3FF5EA218861}</a:tableStyleId>
-              </a:tblPr>
-              <a:tblGrid>
-                <a:gridCol w="1424059">
-                  <a:extLst>
-                    <a:ext uri="{9D8B030D-6E8A-4147-A177-3AD203B41FA5}">
-                      <a16:colId xmlns:a16="http://schemas.microsoft.com/office/drawing/2014/main" val="685698286"/>
-                    </a:ext>
-                  </a:extLst>
-                </a:gridCol>
-                <a:gridCol w="1235692">
-                  <a:extLst>
-                    <a:ext uri="{9D8B030D-6E8A-4147-A177-3AD203B41FA5}">
-                      <a16:colId xmlns:a16="http://schemas.microsoft.com/office/drawing/2014/main" val="3292551147"/>
-                    </a:ext>
-                  </a:extLst>
-                </a:gridCol>
-                <a:gridCol w="1627494">
-                  <a:extLst>
-                    <a:ext uri="{9D8B030D-6E8A-4147-A177-3AD203B41FA5}">
-                      <a16:colId xmlns:a16="http://schemas.microsoft.com/office/drawing/2014/main" val="4020974782"/>
-                    </a:ext>
-                  </a:extLst>
-                </a:gridCol>
-                <a:gridCol w="1627494">
-                  <a:extLst>
-                    <a:ext uri="{9D8B030D-6E8A-4147-A177-3AD203B41FA5}">
-                      <a16:colId xmlns:a16="http://schemas.microsoft.com/office/drawing/2014/main" val="2776258417"/>
-                    </a:ext>
-                  </a:extLst>
-                </a:gridCol>
-              </a:tblGrid>
-              <a:tr h="473035">
-                <a:tc>
-                  <a:txBody>
-                    <a:bodyPr/>
-                    <a:lstStyle/>
-                    <a:p>
-                      <a:pPr algn="l" fontAlgn="b"/>
-                      <a:endParaRPr lang="en-US" sz="1800" b="1" i="0" u="none" strike="noStrike" dirty="0">
-                        <a:solidFill>
-                          <a:srgbClr val="000000"/>
-                        </a:solidFill>
-                        <a:effectLst/>
-                        <a:latin typeface="+mn-lt"/>
-                      </a:endParaRPr>
-                    </a:p>
-                  </a:txBody>
-                  <a:tcPr marL="9525" marR="9525" marT="9525" marB="0" anchor="b"/>
-                </a:tc>
-                <a:tc>
-                  <a:txBody>
-                    <a:bodyPr/>
-                    <a:lstStyle/>
-                    <a:p>
-                      <a:pPr algn="r" fontAlgn="b"/>
-                      <a:r>
-                        <a:rPr lang="en-US" sz="1800" b="1" u="none" strike="noStrike" dirty="0">
-                          <a:effectLst/>
-                        </a:rPr>
-                        <a:t>Median</a:t>
-                      </a:r>
-                      <a:endParaRPr lang="en-US" sz="1800" b="1" i="0" u="none" strike="noStrike" dirty="0">
-                        <a:solidFill>
-                          <a:srgbClr val="000000"/>
-                        </a:solidFill>
-                        <a:effectLst/>
-                        <a:latin typeface="+mn-lt"/>
-                      </a:endParaRPr>
-                    </a:p>
-                  </a:txBody>
-                  <a:tcPr marL="9525" marR="9525" marT="9525" marB="0" anchor="b"/>
-                </a:tc>
-                <a:tc>
-                  <a:txBody>
-                    <a:bodyPr/>
-                    <a:lstStyle/>
-                    <a:p>
-                      <a:pPr algn="r" fontAlgn="b"/>
-                      <a:r>
-                        <a:rPr lang="en-US" sz="1800" b="1" u="none" strike="noStrike" dirty="0">
-                          <a:effectLst/>
-                        </a:rPr>
-                        <a:t>Lower Age</a:t>
-                      </a:r>
-                      <a:endParaRPr lang="en-US" sz="1800" b="1" i="0" u="none" strike="noStrike" dirty="0">
-                        <a:solidFill>
-                          <a:srgbClr val="000000"/>
-                        </a:solidFill>
-                        <a:effectLst/>
-                        <a:latin typeface="+mn-lt"/>
-                      </a:endParaRPr>
-                    </a:p>
-                  </a:txBody>
-                  <a:tcPr marL="9525" marR="9525" marT="9525" marB="0" anchor="b"/>
-                </a:tc>
-                <a:tc>
-                  <a:txBody>
-                    <a:bodyPr/>
-                    <a:lstStyle/>
-                    <a:p>
-                      <a:pPr algn="r" fontAlgn="b"/>
-                      <a:r>
-                        <a:rPr lang="en-US" sz="1800" b="1" u="none" strike="noStrike" dirty="0">
-                          <a:effectLst/>
-                        </a:rPr>
-                        <a:t>Upper Age</a:t>
-                      </a:r>
-                      <a:endParaRPr lang="en-US" sz="1800" b="1" i="0" u="none" strike="noStrike" dirty="0">
-                        <a:solidFill>
-                          <a:srgbClr val="000000"/>
-                        </a:solidFill>
-                        <a:effectLst/>
-                        <a:latin typeface="+mn-lt"/>
-                      </a:endParaRPr>
-                    </a:p>
-                  </a:txBody>
-                  <a:tcPr marL="9525" marR="9525" marT="9525" marB="0" anchor="b"/>
-                </a:tc>
-                <a:extLst>
-                  <a:ext uri="{0D108BD9-81ED-4DB2-BD59-A6C34878D82A}">
-                    <a16:rowId xmlns:a16="http://schemas.microsoft.com/office/drawing/2014/main" val="1247349586"/>
-                  </a:ext>
-                </a:extLst>
-              </a:tr>
-              <a:tr h="387319">
-                <a:tc>
-                  <a:txBody>
-                    <a:bodyPr/>
-                    <a:lstStyle/>
-                    <a:p>
-                      <a:pPr algn="l" fontAlgn="b"/>
-                      <a:r>
-                        <a:rPr lang="en-US" sz="1800" b="1" u="none" strike="noStrike" dirty="0">
-                          <a:effectLst/>
-                        </a:rPr>
-                        <a:t>Knee</a:t>
-                      </a:r>
-                      <a:endParaRPr lang="en-US" sz="1800" b="1" i="0" u="none" strike="noStrike" dirty="0">
-                        <a:solidFill>
-                          <a:srgbClr val="000000"/>
-                        </a:solidFill>
-                        <a:effectLst/>
-                        <a:latin typeface="+mn-lt"/>
-                      </a:endParaRPr>
-                    </a:p>
-                  </a:txBody>
-                  <a:tcPr marL="9525" marR="9525" marT="9525" marB="0" anchor="b"/>
-                </a:tc>
-                <a:tc>
-                  <a:txBody>
-                    <a:bodyPr/>
-                    <a:lstStyle/>
-                    <a:p>
-                      <a:pPr algn="r" fontAlgn="b"/>
-                      <a:r>
-                        <a:rPr lang="en-US" sz="1800" u="none" strike="noStrike" dirty="0">
-                          <a:effectLst/>
-                        </a:rPr>
-                        <a:t>28</a:t>
-                      </a:r>
-                      <a:endParaRPr lang="en-US" sz="1800" b="0" i="0" u="none" strike="noStrike" dirty="0">
-                        <a:solidFill>
-                          <a:srgbClr val="000000"/>
-                        </a:solidFill>
-                        <a:effectLst/>
-                        <a:latin typeface="+mn-lt"/>
-                      </a:endParaRPr>
-                    </a:p>
-                  </a:txBody>
-                  <a:tcPr marL="9525" marR="9525" marT="9525" marB="0" anchor="b"/>
-                </a:tc>
-                <a:tc>
-                  <a:txBody>
-                    <a:bodyPr/>
-                    <a:lstStyle/>
-                    <a:p>
-                      <a:pPr algn="r" fontAlgn="b"/>
-                      <a:r>
-                        <a:rPr lang="en-US" sz="1800" u="none" strike="noStrike" dirty="0">
-                          <a:effectLst/>
-                        </a:rPr>
-                        <a:t>26</a:t>
-                      </a:r>
-                      <a:endParaRPr lang="en-US" sz="1800" b="0" i="0" u="none" strike="noStrike" dirty="0">
-                        <a:solidFill>
-                          <a:srgbClr val="000000"/>
-                        </a:solidFill>
-                        <a:effectLst/>
-                        <a:latin typeface="+mn-lt"/>
-                      </a:endParaRPr>
-                    </a:p>
-                  </a:txBody>
-                  <a:tcPr marL="9525" marR="9525" marT="9525" marB="0" anchor="b"/>
-                </a:tc>
-                <a:tc>
-                  <a:txBody>
-                    <a:bodyPr/>
-                    <a:lstStyle/>
-                    <a:p>
-                      <a:pPr algn="r" fontAlgn="b"/>
-                      <a:r>
-                        <a:rPr lang="en-US" sz="1800" u="none" strike="noStrike" dirty="0">
-                          <a:effectLst/>
-                        </a:rPr>
-                        <a:t>29</a:t>
-                      </a:r>
-                      <a:endParaRPr lang="en-US" sz="1800" b="0" i="0" u="none" strike="noStrike" dirty="0">
-                        <a:solidFill>
-                          <a:srgbClr val="000000"/>
-                        </a:solidFill>
-                        <a:effectLst/>
-                        <a:latin typeface="+mn-lt"/>
-                      </a:endParaRPr>
-                    </a:p>
-                  </a:txBody>
-                  <a:tcPr marL="9525" marR="9525" marT="9525" marB="0" anchor="b"/>
-                </a:tc>
-                <a:extLst>
-                  <a:ext uri="{0D108BD9-81ED-4DB2-BD59-A6C34878D82A}">
-                    <a16:rowId xmlns:a16="http://schemas.microsoft.com/office/drawing/2014/main" val="2946454268"/>
-                  </a:ext>
-                </a:extLst>
-              </a:tr>
-              <a:tr h="443790">
-                <a:tc>
-                  <a:txBody>
-                    <a:bodyPr/>
-                    <a:lstStyle/>
-                    <a:p>
-                      <a:pPr algn="l" fontAlgn="b"/>
-                      <a:r>
-                        <a:rPr lang="en-US" sz="1800" b="1" u="none" strike="noStrike" dirty="0">
-                          <a:effectLst/>
-                        </a:rPr>
-                        <a:t>Shoulder</a:t>
-                      </a:r>
-                      <a:endParaRPr lang="en-US" sz="1800" b="1" i="0" u="none" strike="noStrike" dirty="0">
-                        <a:solidFill>
-                          <a:srgbClr val="000000"/>
-                        </a:solidFill>
-                        <a:effectLst/>
-                        <a:latin typeface="+mn-lt"/>
-                      </a:endParaRPr>
-                    </a:p>
-                  </a:txBody>
-                  <a:tcPr marL="9525" marR="9525" marT="9525" marB="0" anchor="b"/>
-                </a:tc>
-                <a:tc>
-                  <a:txBody>
-                    <a:bodyPr/>
-                    <a:lstStyle/>
-                    <a:p>
-                      <a:pPr algn="r" fontAlgn="b"/>
-                      <a:r>
-                        <a:rPr lang="en-US" sz="1800" u="none" strike="noStrike">
-                          <a:effectLst/>
-                        </a:rPr>
-                        <a:t>32</a:t>
-                      </a:r>
-                      <a:endParaRPr lang="en-US" sz="1800" b="0" i="0" u="none" strike="noStrike">
-                        <a:solidFill>
-                          <a:srgbClr val="000000"/>
-                        </a:solidFill>
-                        <a:effectLst/>
-                        <a:latin typeface="+mn-lt"/>
-                      </a:endParaRPr>
-                    </a:p>
-                  </a:txBody>
-                  <a:tcPr marL="9525" marR="9525" marT="9525" marB="0" anchor="b"/>
-                </a:tc>
-                <a:tc>
-                  <a:txBody>
-                    <a:bodyPr/>
-                    <a:lstStyle/>
-                    <a:p>
-                      <a:pPr algn="r" fontAlgn="b"/>
-                      <a:r>
-                        <a:rPr lang="en-US" sz="1800" u="none" strike="noStrike" dirty="0">
-                          <a:effectLst/>
-                        </a:rPr>
-                        <a:t>30</a:t>
-                      </a:r>
-                      <a:endParaRPr lang="en-US" sz="1800" b="0" i="0" u="none" strike="noStrike" dirty="0">
-                        <a:solidFill>
-                          <a:srgbClr val="000000"/>
-                        </a:solidFill>
-                        <a:effectLst/>
-                        <a:latin typeface="+mn-lt"/>
-                      </a:endParaRPr>
-                    </a:p>
-                  </a:txBody>
-                  <a:tcPr marL="9525" marR="9525" marT="9525" marB="0" anchor="b"/>
-                </a:tc>
-                <a:tc>
-                  <a:txBody>
-                    <a:bodyPr/>
-                    <a:lstStyle/>
-                    <a:p>
-                      <a:pPr algn="r" fontAlgn="b"/>
-                      <a:r>
-                        <a:rPr lang="en-US" sz="1800" u="none" strike="noStrike" dirty="0">
-                          <a:effectLst/>
-                        </a:rPr>
-                        <a:t>33</a:t>
-                      </a:r>
-                      <a:endParaRPr lang="en-US" sz="1800" b="0" i="0" u="none" strike="noStrike" dirty="0">
-                        <a:solidFill>
-                          <a:srgbClr val="000000"/>
-                        </a:solidFill>
-                        <a:effectLst/>
-                        <a:latin typeface="+mn-lt"/>
-                      </a:endParaRPr>
-                    </a:p>
-                  </a:txBody>
-                  <a:tcPr marL="9525" marR="9525" marT="9525" marB="0" anchor="b"/>
-                </a:tc>
-                <a:extLst>
-                  <a:ext uri="{0D108BD9-81ED-4DB2-BD59-A6C34878D82A}">
-                    <a16:rowId xmlns:a16="http://schemas.microsoft.com/office/drawing/2014/main" val="4109246256"/>
-                  </a:ext>
-                </a:extLst>
-              </a:tr>
-              <a:tr h="387319">
-                <a:tc>
-                  <a:txBody>
-                    <a:bodyPr/>
-                    <a:lstStyle/>
-                    <a:p>
-                      <a:pPr algn="l" fontAlgn="b"/>
-                      <a:r>
-                        <a:rPr lang="en-US" sz="1800" b="1" u="none" strike="noStrike" dirty="0">
-                          <a:effectLst/>
-                        </a:rPr>
-                        <a:t>Ankle</a:t>
-                      </a:r>
-                      <a:endParaRPr lang="en-US" sz="1800" b="1" i="0" u="none" strike="noStrike" dirty="0">
-                        <a:solidFill>
-                          <a:srgbClr val="000000"/>
-                        </a:solidFill>
-                        <a:effectLst/>
-                        <a:latin typeface="+mn-lt"/>
-                      </a:endParaRPr>
-                    </a:p>
-                  </a:txBody>
-                  <a:tcPr marL="9525" marR="9525" marT="9525" marB="0" anchor="b"/>
-                </a:tc>
-                <a:tc>
-                  <a:txBody>
-                    <a:bodyPr/>
-                    <a:lstStyle/>
-                    <a:p>
-                      <a:pPr algn="r" fontAlgn="b"/>
-                      <a:r>
-                        <a:rPr lang="en-US" sz="1800" u="none" strike="noStrike" dirty="0">
-                          <a:effectLst/>
-                        </a:rPr>
-                        <a:t>20</a:t>
-                      </a:r>
-                      <a:endParaRPr lang="en-US" sz="1800" b="0" i="0" u="none" strike="noStrike" dirty="0">
-                        <a:solidFill>
-                          <a:srgbClr val="000000"/>
-                        </a:solidFill>
-                        <a:effectLst/>
-                        <a:latin typeface="+mn-lt"/>
-                      </a:endParaRPr>
-                    </a:p>
-                  </a:txBody>
-                  <a:tcPr marL="9525" marR="9525" marT="9525" marB="0" anchor="b"/>
-                </a:tc>
-                <a:tc>
-                  <a:txBody>
-                    <a:bodyPr/>
-                    <a:lstStyle/>
-                    <a:p>
-                      <a:pPr algn="r" fontAlgn="b"/>
-                      <a:r>
-                        <a:rPr lang="en-US" sz="1800" u="none" strike="noStrike">
-                          <a:effectLst/>
-                        </a:rPr>
-                        <a:t>20</a:t>
-                      </a:r>
-                      <a:endParaRPr lang="en-US" sz="1800" b="0" i="0" u="none" strike="noStrike">
-                        <a:solidFill>
-                          <a:srgbClr val="000000"/>
-                        </a:solidFill>
-                        <a:effectLst/>
-                        <a:latin typeface="+mn-lt"/>
-                      </a:endParaRPr>
-                    </a:p>
-                  </a:txBody>
-                  <a:tcPr marL="9525" marR="9525" marT="9525" marB="0" anchor="b"/>
-                </a:tc>
-                <a:tc>
-                  <a:txBody>
-                    <a:bodyPr/>
-                    <a:lstStyle/>
-                    <a:p>
-                      <a:pPr algn="r" fontAlgn="b"/>
-                      <a:r>
-                        <a:rPr lang="en-US" sz="1800" u="none" strike="noStrike" dirty="0">
-                          <a:effectLst/>
-                        </a:rPr>
-                        <a:t>21</a:t>
-                      </a:r>
-                      <a:endParaRPr lang="en-US" sz="1800" b="0" i="0" u="none" strike="noStrike" dirty="0">
-                        <a:solidFill>
-                          <a:srgbClr val="000000"/>
-                        </a:solidFill>
-                        <a:effectLst/>
-                        <a:latin typeface="+mn-lt"/>
-                      </a:endParaRPr>
-                    </a:p>
-                  </a:txBody>
-                  <a:tcPr marL="9525" marR="9525" marT="9525" marB="0" anchor="b"/>
-                </a:tc>
-                <a:extLst>
-                  <a:ext uri="{0D108BD9-81ED-4DB2-BD59-A6C34878D82A}">
-                    <a16:rowId xmlns:a16="http://schemas.microsoft.com/office/drawing/2014/main" val="2344979277"/>
-                  </a:ext>
-                </a:extLst>
-              </a:tr>
-            </a:tbl>
-          </a:graphicData>
-        </a:graphic>
-      </p:graphicFrame>
-      <p:sp>
-        <p:nvSpPr>
-          <p:cNvPr id="5" name="Content Placeholder 3">
-            <a:extLst>
-              <a:ext uri="{FF2B5EF4-FFF2-40B4-BE49-F238E27FC236}">
-                <a16:creationId xmlns:a16="http://schemas.microsoft.com/office/drawing/2014/main" id="{22856233-3D5D-D465-EFC3-775E5796586F}"/>
-              </a:ext>
-            </a:extLst>
-          </p:cNvPr>
-          <p:cNvSpPr txBox="1">
-            <a:spLocks/>
-          </p:cNvSpPr>
-          <p:nvPr/>
-        </p:nvSpPr>
-        <p:spPr>
-          <a:xfrm>
-            <a:off x="1535371" y="4704487"/>
-            <a:ext cx="10831514" cy="1381593"/>
-          </a:xfrm>
-          <a:prstGeom prst="rect">
-            <a:avLst/>
-          </a:prstGeom>
-        </p:spPr>
-        <p:txBody>
-          <a:bodyPr vert="horz" lIns="109728" tIns="109728" rIns="109728" bIns="91440" rtlCol="0" anchor="t">
-            <a:noAutofit/>
           </a:bodyPr>
           <a:lstStyle>
             <a:lvl1pPr marL="285750" indent="-285750" algn="l" defTabSz="914400" rtl="0" eaLnBrk="1" latinLnBrk="0" hangingPunct="1">
@@ -10215,20 +9083,28 @@
             </a:lvl9pPr>
           </a:lstStyle>
           <a:p>
+            <a:pPr marL="0">
+              <a:lnSpc>
+                <a:spcPct val="130000"/>
+              </a:lnSpc>
+              <a:buFont typeface="Corbel" panose="020B0503020204020204" pitchFamily="34" charset="0"/>
+            </a:pPr>
             <a:r>
               <a:rPr lang="en-US" b="1" dirty="0"/>
               <a:t>Conclusion:</a:t>
             </a:r>
+            <a:endParaRPr lang="en-US" b="1"/>
           </a:p>
           <a:p>
             <a:pPr lvl="4" indent="0">
+              <a:lnSpc>
+                <a:spcPct val="130000"/>
+              </a:lnSpc>
+              <a:buFont typeface="Corbel" panose="020B0503020204020204" pitchFamily="34" charset="0"/>
               <a:buNone/>
             </a:pPr>
             <a:r>
-              <a:rPr lang="en-US" i="0" dirty="0">
-                <a:solidFill>
-                  <a:srgbClr val="212121"/>
-                </a:solidFill>
+              <a:rPr lang="en-US" i="0">
                 <a:highlight>
                   <a:srgbClr val="FFFFFF"/>
                 </a:highlight>
@@ -10236,10 +9112,7 @@
               <a:t>	</a:t>
             </a:r>
             <a:r>
-              <a:rPr lang="en-US" b="0" i="0" dirty="0">
-                <a:solidFill>
-                  <a:srgbClr val="212121"/>
-                </a:solidFill>
+              <a:rPr lang="en-US" b="0" i="0">
                 <a:effectLst/>
                 <a:highlight>
                   <a:srgbClr val="FFFFFF"/>
@@ -10249,14 +9122,15 @@
             </a:r>
           </a:p>
           <a:p>
-            <a:pPr marL="0" indent="0" algn="l">
+            <a:pPr marL="0" indent="0">
+              <a:lnSpc>
+                <a:spcPct val="130000"/>
+              </a:lnSpc>
+              <a:buFont typeface="Corbel" panose="020B0503020204020204" pitchFamily="34" charset="0"/>
               <a:buNone/>
             </a:pPr>
             <a:r>
-              <a:rPr lang="en-US" b="0" i="0" dirty="0">
-                <a:solidFill>
-                  <a:srgbClr val="212121"/>
-                </a:solidFill>
+              <a:rPr lang="en-US" b="0" i="0">
                 <a:effectLst/>
                 <a:highlight>
                   <a:srgbClr val="FFFFFF"/>
@@ -10266,14 +9140,15 @@
             </a:r>
           </a:p>
           <a:p>
-            <a:pPr marL="0" indent="0" algn="l">
+            <a:pPr marL="0" indent="0">
+              <a:lnSpc>
+                <a:spcPct val="130000"/>
+              </a:lnSpc>
+              <a:buFont typeface="Corbel" panose="020B0503020204020204" pitchFamily="34" charset="0"/>
               <a:buNone/>
             </a:pPr>
             <a:r>
-              <a:rPr lang="en-US" b="0" i="0" dirty="0">
-                <a:solidFill>
-                  <a:srgbClr val="212121"/>
-                </a:solidFill>
+              <a:rPr lang="en-US" b="0" i="0">
                 <a:effectLst/>
                 <a:highlight>
                   <a:srgbClr val="FFFFFF"/>
@@ -10283,20 +9158,4662 @@
             </a:r>
           </a:p>
           <a:p>
-            <a:endParaRPr lang="en-US" dirty="0"/>
-          </a:p>
-          <a:p>
-            <a:endParaRPr lang="en-US" dirty="0"/>
-          </a:p>
-          <a:p>
-            <a:endParaRPr lang="en-US" dirty="0"/>
+            <a:pPr marL="0">
+              <a:lnSpc>
+                <a:spcPct val="130000"/>
+              </a:lnSpc>
+              <a:buFont typeface="Corbel" panose="020B0503020204020204" pitchFamily="34" charset="0"/>
+            </a:pPr>
+            <a:endParaRPr lang="en-US"/>
+          </a:p>
+          <a:p>
+            <a:pPr marL="0">
+              <a:lnSpc>
+                <a:spcPct val="130000"/>
+              </a:lnSpc>
+              <a:buFont typeface="Corbel" panose="020B0503020204020204" pitchFamily="34" charset="0"/>
+            </a:pPr>
+            <a:endParaRPr lang="en-US"/>
+          </a:p>
+          <a:p>
+            <a:pPr marL="0">
+              <a:lnSpc>
+                <a:spcPct val="130000"/>
+              </a:lnSpc>
+              <a:buFont typeface="Corbel" panose="020B0503020204020204" pitchFamily="34" charset="0"/>
+            </a:pPr>
+            <a:endParaRPr lang="en-US"/>
+          </a:p>
+        </p:txBody>
+      </p:sp>
+      <p:sp>
+        <p:nvSpPr>
+          <p:cNvPr id="28" name="Rectangle 27">
+            <a:extLst>
+              <a:ext uri="{FF2B5EF4-FFF2-40B4-BE49-F238E27FC236}">
+                <a16:creationId xmlns:a16="http://schemas.microsoft.com/office/drawing/2014/main" id="{DB791336-FCAA-4174-9303-B3F374861110}"/>
+              </a:ext>
+              <a:ext uri="{C183D7F6-B498-43B3-948B-1728B52AA6E4}">
+                <adec:decorative xmlns:adec="http://schemas.microsoft.com/office/drawing/2017/decorative" val="1"/>
+              </a:ext>
+            </a:extLst>
+          </p:cNvPr>
+          <p:cNvSpPr>
+            <a:spLocks noGrp="1" noRot="1" noChangeAspect="1" noMove="1" noResize="1" noEditPoints="1" noAdjustHandles="1" noChangeArrowheads="1" noChangeShapeType="1" noTextEdit="1"/>
+          </p:cNvSpPr>
+          <p:nvPr>
+            <p:extLst>
+              <p:ext uri="{386F3935-93C4-4BCD-93E2-E3B085C9AB24}">
+                <p16:designElem xmlns:p16="http://schemas.microsoft.com/office/powerpoint/2015/main" val="1"/>
+              </p:ext>
+            </p:extLst>
+          </p:nvPr>
+        </p:nvSpPr>
+        <p:spPr>
+          <a:xfrm flipH="1">
+            <a:off x="4394069" y="6167615"/>
+            <a:ext cx="7794882" cy="690385"/>
+          </a:xfrm>
+          <a:prstGeom prst="rect">
+            <a:avLst/>
+          </a:prstGeom>
+          <a:solidFill>
+            <a:schemeClr val="bg1">
+              <a:alpha val="75000"/>
+            </a:schemeClr>
+          </a:solidFill>
+          <a:ln>
+            <a:noFill/>
+          </a:ln>
+        </p:spPr>
+        <p:style>
+          <a:lnRef idx="2">
+            <a:schemeClr val="accent1">
+              <a:shade val="50000"/>
+            </a:schemeClr>
+          </a:lnRef>
+          <a:fillRef idx="1">
+            <a:schemeClr val="accent1"/>
+          </a:fillRef>
+          <a:effectRef idx="0">
+            <a:schemeClr val="accent1"/>
+          </a:effectRef>
+          <a:fontRef idx="minor">
+            <a:schemeClr val="lt1"/>
+          </a:fontRef>
+        </p:style>
+        <p:txBody>
+          <a:bodyPr rtlCol="0" anchor="ctr"/>
+          <a:lstStyle/>
+          <a:p>
+            <a:pPr algn="ctr"/>
+            <a:endParaRPr lang="en-US"/>
+          </a:p>
+        </p:txBody>
+      </p:sp>
+      <p:sp>
+        <p:nvSpPr>
+          <p:cNvPr id="30" name="Rectangle 29">
+            <a:extLst>
+              <a:ext uri="{FF2B5EF4-FFF2-40B4-BE49-F238E27FC236}">
+                <a16:creationId xmlns:a16="http://schemas.microsoft.com/office/drawing/2014/main" id="{CA212158-300D-44D0-9CCE-472C3F669EE1}"/>
+              </a:ext>
+              <a:ext uri="{C183D7F6-B498-43B3-948B-1728B52AA6E4}">
+                <adec:decorative xmlns:adec="http://schemas.microsoft.com/office/drawing/2017/decorative" val="1"/>
+              </a:ext>
+            </a:extLst>
+          </p:cNvPr>
+          <p:cNvSpPr>
+            <a:spLocks noGrp="1" noRot="1" noChangeAspect="1" noMove="1" noResize="1" noEditPoints="1" noAdjustHandles="1" noChangeArrowheads="1" noChangeShapeType="1" noTextEdit="1"/>
+          </p:cNvSpPr>
+          <p:nvPr>
+            <p:extLst>
+              <p:ext uri="{386F3935-93C4-4BCD-93E2-E3B085C9AB24}">
+                <p16:designElem xmlns:p16="http://schemas.microsoft.com/office/powerpoint/2015/main" val="1"/>
+              </p:ext>
+            </p:extLst>
+          </p:nvPr>
+        </p:nvSpPr>
+        <p:spPr>
+          <a:xfrm>
+            <a:off x="1525" y="6109423"/>
+            <a:ext cx="12188951" cy="64008"/>
+          </a:xfrm>
+          <a:prstGeom prst="rect">
+            <a:avLst/>
+          </a:prstGeom>
+          <a:solidFill>
+            <a:schemeClr val="tx2"/>
+          </a:solidFill>
+          <a:ln>
+            <a:noFill/>
+          </a:ln>
+        </p:spPr>
+        <p:style>
+          <a:lnRef idx="2">
+            <a:schemeClr val="accent1">
+              <a:shade val="50000"/>
+            </a:schemeClr>
+          </a:lnRef>
+          <a:fillRef idx="1">
+            <a:schemeClr val="accent1"/>
+          </a:fillRef>
+          <a:effectRef idx="0">
+            <a:schemeClr val="accent1"/>
+          </a:effectRef>
+          <a:fontRef idx="minor">
+            <a:schemeClr val="lt1"/>
+          </a:fontRef>
+        </p:style>
+        <p:txBody>
+          <a:bodyPr rtlCol="0" anchor="ctr"/>
+          <a:lstStyle/>
+          <a:p>
+            <a:pPr algn="ctr"/>
+            <a:endParaRPr lang="en-US"/>
+          </a:p>
+        </p:txBody>
+      </p:sp>
+      <p:sp>
+        <p:nvSpPr>
+          <p:cNvPr id="32" name="Rectangle 31">
+            <a:extLst>
+              <a:ext uri="{FF2B5EF4-FFF2-40B4-BE49-F238E27FC236}">
+                <a16:creationId xmlns:a16="http://schemas.microsoft.com/office/drawing/2014/main" id="{988521F4-D44A-42C5-9BDB-5CA25554098B}"/>
+              </a:ext>
+              <a:ext uri="{C183D7F6-B498-43B3-948B-1728B52AA6E4}">
+                <adec:decorative xmlns:adec="http://schemas.microsoft.com/office/drawing/2017/decorative" val="1"/>
+              </a:ext>
+            </a:extLst>
+          </p:cNvPr>
+          <p:cNvSpPr>
+            <a:spLocks noGrp="1" noRot="1" noChangeAspect="1" noMove="1" noResize="1" noEditPoints="1" noAdjustHandles="1" noChangeArrowheads="1" noChangeShapeType="1" noTextEdit="1"/>
+          </p:cNvSpPr>
+          <p:nvPr>
+            <p:extLst>
+              <p:ext uri="{386F3935-93C4-4BCD-93E2-E3B085C9AB24}">
+                <p16:designElem xmlns:p16="http://schemas.microsoft.com/office/powerpoint/2015/main" val="1"/>
+              </p:ext>
+            </p:extLst>
+          </p:nvPr>
+        </p:nvSpPr>
+        <p:spPr>
+          <a:xfrm>
+            <a:off x="4394070" y="0"/>
+            <a:ext cx="64008" cy="6858000"/>
+          </a:xfrm>
+          <a:prstGeom prst="rect">
+            <a:avLst/>
+          </a:prstGeom>
+          <a:solidFill>
+            <a:schemeClr val="tx2"/>
+          </a:solidFill>
+          <a:ln>
+            <a:noFill/>
+          </a:ln>
+        </p:spPr>
+        <p:style>
+          <a:lnRef idx="2">
+            <a:schemeClr val="accent1">
+              <a:shade val="50000"/>
+            </a:schemeClr>
+          </a:lnRef>
+          <a:fillRef idx="1">
+            <a:schemeClr val="accent1"/>
+          </a:fillRef>
+          <a:effectRef idx="0">
+            <a:schemeClr val="accent1"/>
+          </a:effectRef>
+          <a:fontRef idx="minor">
+            <a:schemeClr val="lt1"/>
+          </a:fontRef>
+        </p:style>
+        <p:txBody>
+          <a:bodyPr rtlCol="0" anchor="ctr"/>
+          <a:lstStyle/>
+          <a:p>
+            <a:pPr algn="ctr"/>
+            <a:endParaRPr lang="en-US"/>
           </a:p>
         </p:txBody>
       </p:sp>
     </p:spTree>
     <p:extLst>
       <p:ext uri="{BB962C8B-B14F-4D97-AF65-F5344CB8AC3E}">
-        <p14:creationId xmlns:p14="http://schemas.microsoft.com/office/powerpoint/2010/main" val="3796334014"/>
+        <p14:creationId xmlns:p14="http://schemas.microsoft.com/office/powerpoint/2010/main" val="2391468630"/>
+      </p:ext>
+    </p:extLst>
+  </p:cSld>
+  <p:clrMapOvr>
+    <a:masterClrMapping/>
+  </p:clrMapOvr>
+</p:sld>
+</file>
+
+<file path=ppt/slides/slide11.xml><?xml version="1.0" encoding="utf-8"?>
+<p:sld xmlns:a="http://schemas.openxmlformats.org/drawingml/2006/main" xmlns:r="http://schemas.openxmlformats.org/officeDocument/2006/relationships" xmlns:p="http://schemas.openxmlformats.org/presentationml/2006/main">
+  <p:cSld>
+    <p:bg>
+      <p:bgPr>
+        <a:solidFill>
+          <a:schemeClr val="bg2"/>
+        </a:solidFill>
+        <a:effectLst/>
+      </p:bgPr>
+    </p:bg>
+    <p:spTree>
+      <p:nvGrpSpPr>
+        <p:cNvPr id="1" name=""/>
+        <p:cNvGrpSpPr/>
+        <p:nvPr/>
+      </p:nvGrpSpPr>
+      <p:grpSpPr>
+        <a:xfrm>
+          <a:off x="0" y="0"/>
+          <a:ext cx="0" cy="0"/>
+          <a:chOff x="0" y="0"/>
+          <a:chExt cx="0" cy="0"/>
+        </a:xfrm>
+      </p:grpSpPr>
+      <p:sp>
+        <p:nvSpPr>
+          <p:cNvPr id="10" name="Rectangle 9">
+            <a:extLst>
+              <a:ext uri="{FF2B5EF4-FFF2-40B4-BE49-F238E27FC236}">
+                <a16:creationId xmlns:a16="http://schemas.microsoft.com/office/drawing/2014/main" id="{0786F82F-1B47-46ED-8EAE-53EF71E59E9A}"/>
+              </a:ext>
+              <a:ext uri="{C183D7F6-B498-43B3-948B-1728B52AA6E4}">
+                <adec:decorative xmlns:adec="http://schemas.microsoft.com/office/drawing/2017/decorative" val="1"/>
+              </a:ext>
+            </a:extLst>
+          </p:cNvPr>
+          <p:cNvSpPr>
+            <a:spLocks noGrp="1" noRot="1" noChangeAspect="1" noMove="1" noResize="1" noEditPoints="1" noAdjustHandles="1" noChangeArrowheads="1" noChangeShapeType="1" noTextEdit="1"/>
+          </p:cNvSpPr>
+          <p:nvPr>
+            <p:extLst>
+              <p:ext uri="{386F3935-93C4-4BCD-93E2-E3B085C9AB24}">
+                <p16:designElem xmlns:p16="http://schemas.microsoft.com/office/powerpoint/2015/main" val="1"/>
+              </p:ext>
+            </p:extLst>
+          </p:nvPr>
+        </p:nvSpPr>
+        <p:spPr>
+          <a:xfrm>
+            <a:off x="4718302" y="0"/>
+            <a:ext cx="7473698" cy="6858000"/>
+          </a:xfrm>
+          <a:prstGeom prst="rect">
+            <a:avLst/>
+          </a:prstGeom>
+          <a:solidFill>
+            <a:schemeClr val="bg1">
+              <a:alpha val="75000"/>
+            </a:schemeClr>
+          </a:solidFill>
+          <a:ln>
+            <a:noFill/>
+          </a:ln>
+        </p:spPr>
+        <p:style>
+          <a:lnRef idx="2">
+            <a:schemeClr val="accent1">
+              <a:shade val="50000"/>
+            </a:schemeClr>
+          </a:lnRef>
+          <a:fillRef idx="1">
+            <a:schemeClr val="accent1"/>
+          </a:fillRef>
+          <a:effectRef idx="0">
+            <a:schemeClr val="accent1"/>
+          </a:effectRef>
+          <a:fontRef idx="minor">
+            <a:schemeClr val="lt1"/>
+          </a:fontRef>
+        </p:style>
+        <p:txBody>
+          <a:bodyPr rtlCol="0" anchor="ctr"/>
+          <a:lstStyle/>
+          <a:p>
+            <a:pPr algn="ctr"/>
+            <a:endParaRPr lang="en-US"/>
+          </a:p>
+        </p:txBody>
+      </p:sp>
+      <p:sp>
+        <p:nvSpPr>
+          <p:cNvPr id="12" name="Rectangle 11">
+            <a:extLst>
+              <a:ext uri="{FF2B5EF4-FFF2-40B4-BE49-F238E27FC236}">
+                <a16:creationId xmlns:a16="http://schemas.microsoft.com/office/drawing/2014/main" id="{EF1BAF6F-6275-4646-9C59-331B29B9550F}"/>
+              </a:ext>
+              <a:ext uri="{C183D7F6-B498-43B3-948B-1728B52AA6E4}">
+                <adec:decorative xmlns:adec="http://schemas.microsoft.com/office/drawing/2017/decorative" val="1"/>
+              </a:ext>
+            </a:extLst>
+          </p:cNvPr>
+          <p:cNvSpPr>
+            <a:spLocks noGrp="1" noRot="1" noChangeAspect="1" noMove="1" noResize="1" noEditPoints="1" noAdjustHandles="1" noChangeArrowheads="1" noChangeShapeType="1" noTextEdit="1"/>
+          </p:cNvSpPr>
+          <p:nvPr>
+            <p:extLst>
+              <p:ext uri="{386F3935-93C4-4BCD-93E2-E3B085C9AB24}">
+                <p16:designElem xmlns:p16="http://schemas.microsoft.com/office/powerpoint/2015/main" val="1"/>
+              </p:ext>
+            </p:extLst>
+          </p:nvPr>
+        </p:nvSpPr>
+        <p:spPr>
+          <a:xfrm rot="5400000">
+            <a:off x="1257298" y="3396997"/>
+            <a:ext cx="6858002" cy="64008"/>
+          </a:xfrm>
+          <a:prstGeom prst="rect">
+            <a:avLst/>
+          </a:prstGeom>
+          <a:solidFill>
+            <a:schemeClr val="tx2"/>
+          </a:solidFill>
+          <a:ln>
+            <a:noFill/>
+          </a:ln>
+        </p:spPr>
+        <p:style>
+          <a:lnRef idx="2">
+            <a:schemeClr val="accent1">
+              <a:shade val="50000"/>
+            </a:schemeClr>
+          </a:lnRef>
+          <a:fillRef idx="1">
+            <a:schemeClr val="accent1"/>
+          </a:fillRef>
+          <a:effectRef idx="0">
+            <a:schemeClr val="accent1"/>
+          </a:effectRef>
+          <a:fontRef idx="minor">
+            <a:schemeClr val="lt1"/>
+          </a:fontRef>
+        </p:style>
+        <p:txBody>
+          <a:bodyPr rtlCol="0" anchor="ctr"/>
+          <a:lstStyle/>
+          <a:p>
+            <a:pPr algn="ctr"/>
+            <a:endParaRPr lang="en-US"/>
+          </a:p>
+        </p:txBody>
+      </p:sp>
+      <p:sp useBgFill="1">
+        <p:nvSpPr>
+          <p:cNvPr id="14" name="Rectangle 13">
+            <a:extLst>
+              <a:ext uri="{FF2B5EF4-FFF2-40B4-BE49-F238E27FC236}">
+                <a16:creationId xmlns:a16="http://schemas.microsoft.com/office/drawing/2014/main" id="{099405E2-1A96-4DBA-A9DC-4C2A1B421CA9}"/>
+              </a:ext>
+              <a:ext uri="{C183D7F6-B498-43B3-948B-1728B52AA6E4}">
+                <adec:decorative xmlns:adec="http://schemas.microsoft.com/office/drawing/2017/decorative" val="1"/>
+              </a:ext>
+            </a:extLst>
+          </p:cNvPr>
+          <p:cNvSpPr>
+            <a:spLocks noGrp="1" noRot="1" noChangeAspect="1" noMove="1" noResize="1" noEditPoints="1" noAdjustHandles="1" noChangeArrowheads="1" noChangeShapeType="1" noTextEdit="1"/>
+          </p:cNvSpPr>
+          <p:nvPr>
+            <p:extLst>
+              <p:ext uri="{386F3935-93C4-4BCD-93E2-E3B085C9AB24}">
+                <p16:designElem xmlns:p16="http://schemas.microsoft.com/office/powerpoint/2015/main" val="1"/>
+              </p:ext>
+            </p:extLst>
+          </p:nvPr>
+        </p:nvSpPr>
+        <p:spPr>
+          <a:xfrm flipH="1">
+            <a:off x="0" y="0"/>
+            <a:ext cx="12192001" cy="6858000"/>
+          </a:xfrm>
+          <a:prstGeom prst="rect">
+            <a:avLst/>
+          </a:prstGeom>
+          <a:ln>
+            <a:noFill/>
+          </a:ln>
+        </p:spPr>
+        <p:style>
+          <a:lnRef idx="2">
+            <a:schemeClr val="accent1">
+              <a:shade val="50000"/>
+            </a:schemeClr>
+          </a:lnRef>
+          <a:fillRef idx="1">
+            <a:schemeClr val="accent1"/>
+          </a:fillRef>
+          <a:effectRef idx="0">
+            <a:schemeClr val="accent1"/>
+          </a:effectRef>
+          <a:fontRef idx="minor">
+            <a:schemeClr val="lt1"/>
+          </a:fontRef>
+        </p:style>
+        <p:txBody>
+          <a:bodyPr rtlCol="0" anchor="ctr"/>
+          <a:lstStyle/>
+          <a:p>
+            <a:pPr algn="ctr"/>
+            <a:endParaRPr lang="en-US" dirty="0"/>
+          </a:p>
+        </p:txBody>
+      </p:sp>
+      <p:sp>
+        <p:nvSpPr>
+          <p:cNvPr id="16" name="Rectangle 15">
+            <a:extLst>
+              <a:ext uri="{FF2B5EF4-FFF2-40B4-BE49-F238E27FC236}">
+                <a16:creationId xmlns:a16="http://schemas.microsoft.com/office/drawing/2014/main" id="{932FF329-3A87-4F66-BA01-91CD63C8119F}"/>
+              </a:ext>
+              <a:ext uri="{C183D7F6-B498-43B3-948B-1728B52AA6E4}">
+                <adec:decorative xmlns:adec="http://schemas.microsoft.com/office/drawing/2017/decorative" val="1"/>
+              </a:ext>
+            </a:extLst>
+          </p:cNvPr>
+          <p:cNvSpPr>
+            <a:spLocks noGrp="1" noRot="1" noChangeAspect="1" noMove="1" noResize="1" noEditPoints="1" noAdjustHandles="1" noChangeArrowheads="1" noChangeShapeType="1" noTextEdit="1"/>
+          </p:cNvSpPr>
+          <p:nvPr>
+            <p:extLst>
+              <p:ext uri="{386F3935-93C4-4BCD-93E2-E3B085C9AB24}">
+                <p16:designElem xmlns:p16="http://schemas.microsoft.com/office/powerpoint/2015/main" val="1"/>
+              </p:ext>
+            </p:extLst>
+          </p:nvPr>
+        </p:nvSpPr>
+        <p:spPr>
+          <a:xfrm flipH="1">
+            <a:off x="-2" y="0"/>
+            <a:ext cx="4420926" cy="683812"/>
+          </a:xfrm>
+          <a:prstGeom prst="rect">
+            <a:avLst/>
+          </a:prstGeom>
+          <a:solidFill>
+            <a:schemeClr val="bg1">
+              <a:alpha val="75000"/>
+            </a:schemeClr>
+          </a:solidFill>
+          <a:ln>
+            <a:noFill/>
+          </a:ln>
+        </p:spPr>
+        <p:style>
+          <a:lnRef idx="2">
+            <a:schemeClr val="accent1">
+              <a:shade val="50000"/>
+            </a:schemeClr>
+          </a:lnRef>
+          <a:fillRef idx="1">
+            <a:schemeClr val="accent1"/>
+          </a:fillRef>
+          <a:effectRef idx="0">
+            <a:schemeClr val="accent1"/>
+          </a:effectRef>
+          <a:fontRef idx="minor">
+            <a:schemeClr val="lt1"/>
+          </a:fontRef>
+        </p:style>
+        <p:txBody>
+          <a:bodyPr rtlCol="0" anchor="ctr"/>
+          <a:lstStyle/>
+          <a:p>
+            <a:pPr algn="ctr"/>
+            <a:endParaRPr lang="en-US"/>
+          </a:p>
+        </p:txBody>
+      </p:sp>
+      <p:pic>
+        <p:nvPicPr>
+          <p:cNvPr id="5" name="Picture 4">
+            <a:extLst>
+              <a:ext uri="{FF2B5EF4-FFF2-40B4-BE49-F238E27FC236}">
+                <a16:creationId xmlns:a16="http://schemas.microsoft.com/office/drawing/2014/main" id="{2D2B9EE4-B6D3-BC9E-E843-280DC141835A}"/>
+              </a:ext>
+            </a:extLst>
+          </p:cNvPr>
+          <p:cNvPicPr>
+            <a:picLocks noChangeAspect="1"/>
+          </p:cNvPicPr>
+          <p:nvPr/>
+        </p:nvPicPr>
+        <p:blipFill>
+          <a:blip r:embed="rId3"/>
+          <a:stretch>
+            <a:fillRect/>
+          </a:stretch>
+        </p:blipFill>
+        <p:spPr>
+          <a:xfrm>
+            <a:off x="114226" y="2248603"/>
+            <a:ext cx="4210073" cy="2074528"/>
+          </a:xfrm>
+          <a:prstGeom prst="rect">
+            <a:avLst/>
+          </a:prstGeom>
+        </p:spPr>
+      </p:pic>
+      <p:sp>
+        <p:nvSpPr>
+          <p:cNvPr id="18" name="Rectangle 17">
+            <a:extLst>
+              <a:ext uri="{FF2B5EF4-FFF2-40B4-BE49-F238E27FC236}">
+                <a16:creationId xmlns:a16="http://schemas.microsoft.com/office/drawing/2014/main" id="{BCF4857D-F003-4CA1-82AB-00900B1008BA}"/>
+              </a:ext>
+              <a:ext uri="{C183D7F6-B498-43B3-948B-1728B52AA6E4}">
+                <adec:decorative xmlns:adec="http://schemas.microsoft.com/office/drawing/2017/decorative" val="1"/>
+              </a:ext>
+            </a:extLst>
+          </p:cNvPr>
+          <p:cNvSpPr>
+            <a:spLocks noGrp="1" noRot="1" noChangeAspect="1" noMove="1" noResize="1" noEditPoints="1" noAdjustHandles="1" noChangeArrowheads="1" noChangeShapeType="1" noTextEdit="1"/>
+          </p:cNvSpPr>
+          <p:nvPr>
+            <p:extLst>
+              <p:ext uri="{386F3935-93C4-4BCD-93E2-E3B085C9AB24}">
+                <p16:designElem xmlns:p16="http://schemas.microsoft.com/office/powerpoint/2015/main" val="1"/>
+              </p:ext>
+            </p:extLst>
+          </p:nvPr>
+        </p:nvSpPr>
+        <p:spPr>
+          <a:xfrm flipH="1">
+            <a:off x="0" y="6146359"/>
+            <a:ext cx="4426072" cy="711642"/>
+          </a:xfrm>
+          <a:prstGeom prst="rect">
+            <a:avLst/>
+          </a:prstGeom>
+          <a:solidFill>
+            <a:schemeClr val="bg2">
+              <a:lumMod val="90000"/>
+            </a:schemeClr>
+          </a:solidFill>
+          <a:ln>
+            <a:noFill/>
+          </a:ln>
+        </p:spPr>
+        <p:style>
+          <a:lnRef idx="2">
+            <a:schemeClr val="accent1">
+              <a:shade val="50000"/>
+            </a:schemeClr>
+          </a:lnRef>
+          <a:fillRef idx="1">
+            <a:schemeClr val="accent1"/>
+          </a:fillRef>
+          <a:effectRef idx="0">
+            <a:schemeClr val="accent1"/>
+          </a:effectRef>
+          <a:fontRef idx="minor">
+            <a:schemeClr val="lt1"/>
+          </a:fontRef>
+        </p:style>
+        <p:txBody>
+          <a:bodyPr rtlCol="0" anchor="ctr"/>
+          <a:lstStyle/>
+          <a:p>
+            <a:pPr algn="ctr"/>
+            <a:endParaRPr lang="en-US"/>
+          </a:p>
+        </p:txBody>
+      </p:sp>
+      <p:sp>
+        <p:nvSpPr>
+          <p:cNvPr id="20" name="Rectangle 19">
+            <a:extLst>
+              <a:ext uri="{FF2B5EF4-FFF2-40B4-BE49-F238E27FC236}">
+                <a16:creationId xmlns:a16="http://schemas.microsoft.com/office/drawing/2014/main" id="{79855050-A75B-4DD0-9B56-8B1C7722D884}"/>
+              </a:ext>
+              <a:ext uri="{C183D7F6-B498-43B3-948B-1728B52AA6E4}">
+                <adec:decorative xmlns:adec="http://schemas.microsoft.com/office/drawing/2017/decorative" val="1"/>
+              </a:ext>
+            </a:extLst>
+          </p:cNvPr>
+          <p:cNvSpPr>
+            <a:spLocks noGrp="1" noRot="1" noChangeAspect="1" noMove="1" noResize="1" noEditPoints="1" noAdjustHandles="1" noChangeArrowheads="1" noChangeShapeType="1" noTextEdit="1"/>
+          </p:cNvSpPr>
+          <p:nvPr>
+            <p:extLst>
+              <p:ext uri="{386F3935-93C4-4BCD-93E2-E3B085C9AB24}">
+                <p16:designElem xmlns:p16="http://schemas.microsoft.com/office/powerpoint/2015/main" val="1"/>
+              </p:ext>
+            </p:extLst>
+          </p:nvPr>
+        </p:nvSpPr>
+        <p:spPr>
+          <a:xfrm flipH="1">
+            <a:off x="4426076" y="748578"/>
+            <a:ext cx="7765922" cy="5419038"/>
+          </a:xfrm>
+          <a:prstGeom prst="rect">
+            <a:avLst/>
+          </a:prstGeom>
+          <a:solidFill>
+            <a:schemeClr val="bg1">
+              <a:alpha val="75000"/>
+            </a:schemeClr>
+          </a:solidFill>
+          <a:ln>
+            <a:noFill/>
+          </a:ln>
+        </p:spPr>
+        <p:style>
+          <a:lnRef idx="2">
+            <a:schemeClr val="accent1">
+              <a:shade val="50000"/>
+            </a:schemeClr>
+          </a:lnRef>
+          <a:fillRef idx="1">
+            <a:schemeClr val="accent1"/>
+          </a:fillRef>
+          <a:effectRef idx="0">
+            <a:schemeClr val="accent1"/>
+          </a:effectRef>
+          <a:fontRef idx="minor">
+            <a:schemeClr val="lt1"/>
+          </a:fontRef>
+        </p:style>
+        <p:txBody>
+          <a:bodyPr rtlCol="0" anchor="ctr"/>
+          <a:lstStyle/>
+          <a:p>
+            <a:pPr algn="ctr"/>
+            <a:endParaRPr lang="en-US"/>
+          </a:p>
+        </p:txBody>
+      </p:sp>
+      <p:sp>
+        <p:nvSpPr>
+          <p:cNvPr id="2" name="Title 1">
+            <a:extLst>
+              <a:ext uri="{FF2B5EF4-FFF2-40B4-BE49-F238E27FC236}">
+                <a16:creationId xmlns:a16="http://schemas.microsoft.com/office/drawing/2014/main" id="{E2D30E0F-10C6-298A-C347-E831FFF4ECB8}"/>
+              </a:ext>
+            </a:extLst>
+          </p:cNvPr>
+          <p:cNvSpPr>
+            <a:spLocks noGrp="1"/>
+          </p:cNvSpPr>
+          <p:nvPr>
+            <p:ph type="title"/>
+          </p:nvPr>
+        </p:nvSpPr>
+        <p:spPr>
+          <a:xfrm>
+            <a:off x="4919472" y="1056362"/>
+            <a:ext cx="6627226" cy="1154102"/>
+          </a:xfrm>
+        </p:spPr>
+        <p:txBody>
+          <a:bodyPr vert="horz" lIns="109728" tIns="109728" rIns="109728" bIns="91440" rtlCol="0" anchor="ctr">
+            <a:normAutofit/>
+          </a:bodyPr>
+          <a:lstStyle/>
+          <a:p>
+            <a:pPr>
+              <a:lnSpc>
+                <a:spcPct val="150000"/>
+              </a:lnSpc>
+            </a:pPr>
+            <a:r>
+              <a:rPr lang="en-US" sz="3600">
+                <a:solidFill>
+                  <a:schemeClr val="tx1">
+                    <a:lumMod val="75000"/>
+                    <a:lumOff val="25000"/>
+                  </a:schemeClr>
+                </a:solidFill>
+              </a:rPr>
+              <a:t>Next Steps</a:t>
+            </a:r>
+          </a:p>
+        </p:txBody>
+      </p:sp>
+      <p:sp>
+        <p:nvSpPr>
+          <p:cNvPr id="22" name="Rectangle 21">
+            <a:extLst>
+              <a:ext uri="{FF2B5EF4-FFF2-40B4-BE49-F238E27FC236}">
+                <a16:creationId xmlns:a16="http://schemas.microsoft.com/office/drawing/2014/main" id="{5E6738EB-6FF0-4AF9-8462-57F4494B88B2}"/>
+              </a:ext>
+              <a:ext uri="{C183D7F6-B498-43B3-948B-1728B52AA6E4}">
+                <adec:decorative xmlns:adec="http://schemas.microsoft.com/office/drawing/2017/decorative" val="1"/>
+              </a:ext>
+            </a:extLst>
+          </p:cNvPr>
+          <p:cNvSpPr>
+            <a:spLocks noGrp="1" noRot="1" noChangeAspect="1" noMove="1" noResize="1" noEditPoints="1" noAdjustHandles="1" noChangeArrowheads="1" noChangeShapeType="1" noTextEdit="1"/>
+          </p:cNvSpPr>
+          <p:nvPr>
+            <p:extLst>
+              <p:ext uri="{386F3935-93C4-4BCD-93E2-E3B085C9AB24}">
+                <p16:designElem xmlns:p16="http://schemas.microsoft.com/office/powerpoint/2015/main" val="1"/>
+              </p:ext>
+            </p:extLst>
+          </p:nvPr>
+        </p:nvSpPr>
+        <p:spPr>
+          <a:xfrm>
+            <a:off x="1525" y="687743"/>
+            <a:ext cx="12188951" cy="64008"/>
+          </a:xfrm>
+          <a:prstGeom prst="rect">
+            <a:avLst/>
+          </a:prstGeom>
+          <a:solidFill>
+            <a:schemeClr val="tx2"/>
+          </a:solidFill>
+          <a:ln>
+            <a:noFill/>
+          </a:ln>
+        </p:spPr>
+        <p:style>
+          <a:lnRef idx="2">
+            <a:schemeClr val="accent1">
+              <a:shade val="50000"/>
+            </a:schemeClr>
+          </a:lnRef>
+          <a:fillRef idx="1">
+            <a:schemeClr val="accent1"/>
+          </a:fillRef>
+          <a:effectRef idx="0">
+            <a:schemeClr val="accent1"/>
+          </a:effectRef>
+          <a:fontRef idx="minor">
+            <a:schemeClr val="lt1"/>
+          </a:fontRef>
+        </p:style>
+        <p:txBody>
+          <a:bodyPr rtlCol="0" anchor="ctr"/>
+          <a:lstStyle/>
+          <a:p>
+            <a:pPr algn="ctr"/>
+            <a:endParaRPr lang="en-US"/>
+          </a:p>
+        </p:txBody>
+      </p:sp>
+      <p:sp>
+        <p:nvSpPr>
+          <p:cNvPr id="4" name="Content Placeholder 3">
+            <a:extLst>
+              <a:ext uri="{FF2B5EF4-FFF2-40B4-BE49-F238E27FC236}">
+                <a16:creationId xmlns:a16="http://schemas.microsoft.com/office/drawing/2014/main" id="{4B1BF1AC-C624-2AD2-DA0F-335AB7BA2CA8}"/>
+              </a:ext>
+            </a:extLst>
+          </p:cNvPr>
+          <p:cNvSpPr>
+            <a:spLocks noGrp="1"/>
+          </p:cNvSpPr>
+          <p:nvPr>
+            <p:ph sz="quarter" idx="17"/>
+          </p:nvPr>
+        </p:nvSpPr>
+        <p:spPr>
+          <a:xfrm>
+            <a:off x="4921857" y="2268656"/>
+            <a:ext cx="6627226" cy="3505938"/>
+          </a:xfrm>
+        </p:spPr>
+        <p:txBody>
+          <a:bodyPr vert="horz" lIns="109728" tIns="109728" rIns="109728" bIns="91440" rtlCol="0" anchor="t">
+            <a:normAutofit lnSpcReduction="10000"/>
+          </a:bodyPr>
+          <a:lstStyle/>
+          <a:p>
+            <a:pPr marL="0">
+              <a:lnSpc>
+                <a:spcPct val="130000"/>
+              </a:lnSpc>
+              <a:buFont typeface="Corbel" panose="020B0503020204020204" pitchFamily="34" charset="0"/>
+              <a:buChar char="•"/>
+            </a:pPr>
+            <a:r>
+              <a:rPr lang="en-US" sz="1400" b="0" i="0" dirty="0">
+                <a:effectLst/>
+                <a:highlight>
+                  <a:srgbClr val="FFFFFF"/>
+                </a:highlight>
+              </a:rPr>
+              <a:t>Complete the same exercise for females</a:t>
+            </a:r>
+          </a:p>
+          <a:p>
+            <a:pPr marL="0">
+              <a:lnSpc>
+                <a:spcPct val="130000"/>
+              </a:lnSpc>
+              <a:buFont typeface="Corbel" panose="020B0503020204020204" pitchFamily="34" charset="0"/>
+              <a:buChar char="•"/>
+            </a:pPr>
+            <a:r>
+              <a:rPr lang="en-US" sz="1400" b="0" i="0" dirty="0">
+                <a:effectLst/>
+                <a:highlight>
+                  <a:srgbClr val="FFFFFF"/>
+                </a:highlight>
+              </a:rPr>
+              <a:t>Research other parts of the body to see if there are stand-outs which we may wish to explore (e.g. R&amp;D into braces for new body parts)</a:t>
+            </a:r>
+          </a:p>
+          <a:p>
+            <a:pPr marL="0">
+              <a:lnSpc>
+                <a:spcPct val="130000"/>
+              </a:lnSpc>
+              <a:buFont typeface="Corbel" panose="020B0503020204020204" pitchFamily="34" charset="0"/>
+              <a:buChar char="•"/>
+            </a:pPr>
+            <a:r>
+              <a:rPr lang="en-US" sz="1400" b="0" i="0" dirty="0">
+                <a:effectLst/>
+                <a:highlight>
+                  <a:srgbClr val="FFFFFF"/>
+                </a:highlight>
+              </a:rPr>
+              <a:t>Explore trends over multiple years of the available data. For example, if the median age for Ankle injuries is trending downwards then we may wish to explore partnerships with High School sports programs.</a:t>
+            </a:r>
+          </a:p>
+          <a:p>
+            <a:pPr marL="0" indent="0">
+              <a:lnSpc>
+                <a:spcPct val="130000"/>
+              </a:lnSpc>
+              <a:buFont typeface="Corbel" panose="020B0503020204020204" pitchFamily="34" charset="0"/>
+              <a:buNone/>
+            </a:pPr>
+            <a:r>
+              <a:rPr lang="en-US" sz="1300" b="1" i="0" dirty="0">
+                <a:effectLst/>
+                <a:highlight>
+                  <a:srgbClr val="FFFFFF"/>
+                </a:highlight>
+              </a:rPr>
+              <a:t>This dataset is rich. Given time to explore, we believe we can continue to extract useful insights.</a:t>
+            </a:r>
+          </a:p>
+          <a:p>
+            <a:pPr marL="0">
+              <a:lnSpc>
+                <a:spcPct val="130000"/>
+              </a:lnSpc>
+              <a:buFont typeface="Corbel" panose="020B0503020204020204" pitchFamily="34" charset="0"/>
+            </a:pPr>
+            <a:endParaRPr lang="en-US" sz="1300" dirty="0"/>
+          </a:p>
+        </p:txBody>
+      </p:sp>
+      <p:sp>
+        <p:nvSpPr>
+          <p:cNvPr id="24" name="Rectangle 23">
+            <a:extLst>
+              <a:ext uri="{FF2B5EF4-FFF2-40B4-BE49-F238E27FC236}">
+                <a16:creationId xmlns:a16="http://schemas.microsoft.com/office/drawing/2014/main" id="{DB791336-FCAA-4174-9303-B3F374861110}"/>
+              </a:ext>
+              <a:ext uri="{C183D7F6-B498-43B3-948B-1728B52AA6E4}">
+                <adec:decorative xmlns:adec="http://schemas.microsoft.com/office/drawing/2017/decorative" val="1"/>
+              </a:ext>
+            </a:extLst>
+          </p:cNvPr>
+          <p:cNvSpPr>
+            <a:spLocks noGrp="1" noRot="1" noChangeAspect="1" noMove="1" noResize="1" noEditPoints="1" noAdjustHandles="1" noChangeArrowheads="1" noChangeShapeType="1" noTextEdit="1"/>
+          </p:cNvSpPr>
+          <p:nvPr>
+            <p:extLst>
+              <p:ext uri="{386F3935-93C4-4BCD-93E2-E3B085C9AB24}">
+                <p16:designElem xmlns:p16="http://schemas.microsoft.com/office/powerpoint/2015/main" val="1"/>
+              </p:ext>
+            </p:extLst>
+          </p:nvPr>
+        </p:nvSpPr>
+        <p:spPr>
+          <a:xfrm flipH="1">
+            <a:off x="4394069" y="6167615"/>
+            <a:ext cx="7794882" cy="690385"/>
+          </a:xfrm>
+          <a:prstGeom prst="rect">
+            <a:avLst/>
+          </a:prstGeom>
+          <a:solidFill>
+            <a:schemeClr val="bg1">
+              <a:alpha val="75000"/>
+            </a:schemeClr>
+          </a:solidFill>
+          <a:ln>
+            <a:noFill/>
+          </a:ln>
+        </p:spPr>
+        <p:style>
+          <a:lnRef idx="2">
+            <a:schemeClr val="accent1">
+              <a:shade val="50000"/>
+            </a:schemeClr>
+          </a:lnRef>
+          <a:fillRef idx="1">
+            <a:schemeClr val="accent1"/>
+          </a:fillRef>
+          <a:effectRef idx="0">
+            <a:schemeClr val="accent1"/>
+          </a:effectRef>
+          <a:fontRef idx="minor">
+            <a:schemeClr val="lt1"/>
+          </a:fontRef>
+        </p:style>
+        <p:txBody>
+          <a:bodyPr rtlCol="0" anchor="ctr"/>
+          <a:lstStyle/>
+          <a:p>
+            <a:pPr algn="ctr"/>
+            <a:endParaRPr lang="en-US"/>
+          </a:p>
+        </p:txBody>
+      </p:sp>
+      <p:sp>
+        <p:nvSpPr>
+          <p:cNvPr id="26" name="Rectangle 25">
+            <a:extLst>
+              <a:ext uri="{FF2B5EF4-FFF2-40B4-BE49-F238E27FC236}">
+                <a16:creationId xmlns:a16="http://schemas.microsoft.com/office/drawing/2014/main" id="{CA212158-300D-44D0-9CCE-472C3F669EE1}"/>
+              </a:ext>
+              <a:ext uri="{C183D7F6-B498-43B3-948B-1728B52AA6E4}">
+                <adec:decorative xmlns:adec="http://schemas.microsoft.com/office/drawing/2017/decorative" val="1"/>
+              </a:ext>
+            </a:extLst>
+          </p:cNvPr>
+          <p:cNvSpPr>
+            <a:spLocks noGrp="1" noRot="1" noChangeAspect="1" noMove="1" noResize="1" noEditPoints="1" noAdjustHandles="1" noChangeArrowheads="1" noChangeShapeType="1" noTextEdit="1"/>
+          </p:cNvSpPr>
+          <p:nvPr>
+            <p:extLst>
+              <p:ext uri="{386F3935-93C4-4BCD-93E2-E3B085C9AB24}">
+                <p16:designElem xmlns:p16="http://schemas.microsoft.com/office/powerpoint/2015/main" val="1"/>
+              </p:ext>
+            </p:extLst>
+          </p:nvPr>
+        </p:nvSpPr>
+        <p:spPr>
+          <a:xfrm>
+            <a:off x="1525" y="6109423"/>
+            <a:ext cx="12188951" cy="64008"/>
+          </a:xfrm>
+          <a:prstGeom prst="rect">
+            <a:avLst/>
+          </a:prstGeom>
+          <a:solidFill>
+            <a:schemeClr val="tx2"/>
+          </a:solidFill>
+          <a:ln>
+            <a:noFill/>
+          </a:ln>
+        </p:spPr>
+        <p:style>
+          <a:lnRef idx="2">
+            <a:schemeClr val="accent1">
+              <a:shade val="50000"/>
+            </a:schemeClr>
+          </a:lnRef>
+          <a:fillRef idx="1">
+            <a:schemeClr val="accent1"/>
+          </a:fillRef>
+          <a:effectRef idx="0">
+            <a:schemeClr val="accent1"/>
+          </a:effectRef>
+          <a:fontRef idx="minor">
+            <a:schemeClr val="lt1"/>
+          </a:fontRef>
+        </p:style>
+        <p:txBody>
+          <a:bodyPr rtlCol="0" anchor="ctr"/>
+          <a:lstStyle/>
+          <a:p>
+            <a:pPr algn="ctr"/>
+            <a:endParaRPr lang="en-US"/>
+          </a:p>
+        </p:txBody>
+      </p:sp>
+      <p:sp>
+        <p:nvSpPr>
+          <p:cNvPr id="28" name="Rectangle 27">
+            <a:extLst>
+              <a:ext uri="{FF2B5EF4-FFF2-40B4-BE49-F238E27FC236}">
+                <a16:creationId xmlns:a16="http://schemas.microsoft.com/office/drawing/2014/main" id="{988521F4-D44A-42C5-9BDB-5CA25554098B}"/>
+              </a:ext>
+              <a:ext uri="{C183D7F6-B498-43B3-948B-1728B52AA6E4}">
+                <adec:decorative xmlns:adec="http://schemas.microsoft.com/office/drawing/2017/decorative" val="1"/>
+              </a:ext>
+            </a:extLst>
+          </p:cNvPr>
+          <p:cNvSpPr>
+            <a:spLocks noGrp="1" noRot="1" noChangeAspect="1" noMove="1" noResize="1" noEditPoints="1" noAdjustHandles="1" noChangeArrowheads="1" noChangeShapeType="1" noTextEdit="1"/>
+          </p:cNvSpPr>
+          <p:nvPr>
+            <p:extLst>
+              <p:ext uri="{386F3935-93C4-4BCD-93E2-E3B085C9AB24}">
+                <p16:designElem xmlns:p16="http://schemas.microsoft.com/office/powerpoint/2015/main" val="1"/>
+              </p:ext>
+            </p:extLst>
+          </p:nvPr>
+        </p:nvSpPr>
+        <p:spPr>
+          <a:xfrm>
+            <a:off x="4394070" y="0"/>
+            <a:ext cx="64008" cy="6858000"/>
+          </a:xfrm>
+          <a:prstGeom prst="rect">
+            <a:avLst/>
+          </a:prstGeom>
+          <a:solidFill>
+            <a:schemeClr val="tx2"/>
+          </a:solidFill>
+          <a:ln>
+            <a:noFill/>
+          </a:ln>
+        </p:spPr>
+        <p:style>
+          <a:lnRef idx="2">
+            <a:schemeClr val="accent1">
+              <a:shade val="50000"/>
+            </a:schemeClr>
+          </a:lnRef>
+          <a:fillRef idx="1">
+            <a:schemeClr val="accent1"/>
+          </a:fillRef>
+          <a:effectRef idx="0">
+            <a:schemeClr val="accent1"/>
+          </a:effectRef>
+          <a:fontRef idx="minor">
+            <a:schemeClr val="lt1"/>
+          </a:fontRef>
+        </p:style>
+        <p:txBody>
+          <a:bodyPr rtlCol="0" anchor="ctr"/>
+          <a:lstStyle/>
+          <a:p>
+            <a:pPr algn="ctr"/>
+            <a:endParaRPr lang="en-US"/>
+          </a:p>
+        </p:txBody>
+      </p:sp>
+    </p:spTree>
+    <p:extLst>
+      <p:ext uri="{BB962C8B-B14F-4D97-AF65-F5344CB8AC3E}">
+        <p14:creationId xmlns:p14="http://schemas.microsoft.com/office/powerpoint/2010/main" val="1539378494"/>
+      </p:ext>
+    </p:extLst>
+  </p:cSld>
+  <p:clrMapOvr>
+    <a:masterClrMapping/>
+  </p:clrMapOvr>
+</p:sld>
+</file>
+
+<file path=ppt/slides/slide12.xml><?xml version="1.0" encoding="utf-8"?>
+<p:sld xmlns:a="http://schemas.openxmlformats.org/drawingml/2006/main" xmlns:r="http://schemas.openxmlformats.org/officeDocument/2006/relationships" xmlns:p="http://schemas.openxmlformats.org/presentationml/2006/main">
+  <p:cSld>
+    <p:spTree>
+      <p:nvGrpSpPr>
+        <p:cNvPr id="1" name=""/>
+        <p:cNvGrpSpPr/>
+        <p:nvPr/>
+      </p:nvGrpSpPr>
+      <p:grpSpPr>
+        <a:xfrm>
+          <a:off x="0" y="0"/>
+          <a:ext cx="0" cy="0"/>
+          <a:chOff x="0" y="0"/>
+          <a:chExt cx="0" cy="0"/>
+        </a:xfrm>
+      </p:grpSpPr>
+      <p:sp>
+        <p:nvSpPr>
+          <p:cNvPr id="2" name="Title 1">
+            <a:extLst>
+              <a:ext uri="{FF2B5EF4-FFF2-40B4-BE49-F238E27FC236}">
+                <a16:creationId xmlns:a16="http://schemas.microsoft.com/office/drawing/2014/main" id="{E2D30E0F-10C6-298A-C347-E831FFF4ECB8}"/>
+              </a:ext>
+            </a:extLst>
+          </p:cNvPr>
+          <p:cNvSpPr>
+            <a:spLocks noGrp="1"/>
+          </p:cNvSpPr>
+          <p:nvPr>
+            <p:ph type="title"/>
+          </p:nvPr>
+        </p:nvSpPr>
+        <p:spPr/>
+        <p:txBody>
+          <a:bodyPr/>
+          <a:lstStyle/>
+          <a:p>
+            <a:r>
+              <a:rPr lang="en-US" dirty="0"/>
+              <a:t>Discussion/Questions</a:t>
+            </a:r>
+          </a:p>
+        </p:txBody>
+      </p:sp>
+    </p:spTree>
+    <p:extLst>
+      <p:ext uri="{BB962C8B-B14F-4D97-AF65-F5344CB8AC3E}">
+        <p14:creationId xmlns:p14="http://schemas.microsoft.com/office/powerpoint/2010/main" val="3564348352"/>
+      </p:ext>
+    </p:extLst>
+  </p:cSld>
+  <p:clrMapOvr>
+    <a:masterClrMapping/>
+  </p:clrMapOvr>
+</p:sld>
+</file>
+
+<file path=ppt/slides/slide13.xml><?xml version="1.0" encoding="utf-8"?>
+<p:sld xmlns:a="http://schemas.openxmlformats.org/drawingml/2006/main" xmlns:r="http://schemas.openxmlformats.org/officeDocument/2006/relationships" xmlns:p="http://schemas.openxmlformats.org/presentationml/2006/main">
+  <p:cSld>
+    <p:spTree>
+      <p:nvGrpSpPr>
+        <p:cNvPr id="1" name=""/>
+        <p:cNvGrpSpPr/>
+        <p:nvPr/>
+      </p:nvGrpSpPr>
+      <p:grpSpPr>
+        <a:xfrm>
+          <a:off x="0" y="0"/>
+          <a:ext cx="0" cy="0"/>
+          <a:chOff x="0" y="0"/>
+          <a:chExt cx="0" cy="0"/>
+        </a:xfrm>
+      </p:grpSpPr>
+      <p:sp>
+        <p:nvSpPr>
+          <p:cNvPr id="2" name="Title 1">
+            <a:extLst>
+              <a:ext uri="{FF2B5EF4-FFF2-40B4-BE49-F238E27FC236}">
+                <a16:creationId xmlns:a16="http://schemas.microsoft.com/office/drawing/2014/main" id="{E2D30E0F-10C6-298A-C347-E831FFF4ECB8}"/>
+              </a:ext>
+            </a:extLst>
+          </p:cNvPr>
+          <p:cNvSpPr>
+            <a:spLocks noGrp="1"/>
+          </p:cNvSpPr>
+          <p:nvPr>
+            <p:ph type="title"/>
+          </p:nvPr>
+        </p:nvSpPr>
+        <p:spPr/>
+        <p:txBody>
+          <a:bodyPr/>
+          <a:lstStyle/>
+          <a:p>
+            <a:r>
+              <a:rPr lang="en-US" dirty="0"/>
+              <a:t>Appendix</a:t>
+            </a:r>
+          </a:p>
+        </p:txBody>
+      </p:sp>
+      <p:sp>
+        <p:nvSpPr>
+          <p:cNvPr id="4" name="Content Placeholder 3">
+            <a:extLst>
+              <a:ext uri="{FF2B5EF4-FFF2-40B4-BE49-F238E27FC236}">
+                <a16:creationId xmlns:a16="http://schemas.microsoft.com/office/drawing/2014/main" id="{4B1BF1AC-C624-2AD2-DA0F-335AB7BA2CA8}"/>
+              </a:ext>
+            </a:extLst>
+          </p:cNvPr>
+          <p:cNvSpPr>
+            <a:spLocks noGrp="1"/>
+          </p:cNvSpPr>
+          <p:nvPr>
+            <p:ph sz="quarter" idx="17"/>
+          </p:nvPr>
+        </p:nvSpPr>
+        <p:spPr>
+          <a:xfrm>
+            <a:off x="1535372" y="2590800"/>
+            <a:ext cx="10184840" cy="3718557"/>
+          </a:xfrm>
+        </p:spPr>
+        <p:txBody>
+          <a:bodyPr>
+            <a:normAutofit fontScale="92500" lnSpcReduction="20000"/>
+          </a:bodyPr>
+          <a:lstStyle/>
+          <a:p>
+            <a:r>
+              <a:rPr lang="en-US" dirty="0"/>
+              <a:t>Original Project Proposal:</a:t>
+            </a:r>
+          </a:p>
+          <a:p>
+            <a:pPr marL="0" indent="0">
+              <a:buNone/>
+            </a:pPr>
+            <a:r>
+              <a:rPr lang="en-US" dirty="0">
+                <a:hlinkClick r:id="rId3"/>
+              </a:rPr>
+              <a:t>https://docs.google.com/document/d/1k2g4J-F4umvCZMWVh3dYZQ_-RDpdbpxI/edit?usp=drive_link</a:t>
+            </a:r>
+            <a:endParaRPr lang="en-US" dirty="0"/>
+          </a:p>
+          <a:p>
+            <a:r>
+              <a:rPr lang="en-US" dirty="0"/>
+              <a:t>Dataset:</a:t>
+            </a:r>
+          </a:p>
+          <a:p>
+            <a:pPr marL="0" indent="0">
+              <a:buNone/>
+            </a:pPr>
+            <a:r>
+              <a:rPr lang="en-US" b="0" dirty="0">
+                <a:solidFill>
+                  <a:srgbClr val="A31515"/>
+                </a:solidFill>
+                <a:effectLst/>
+                <a:highlight>
+                  <a:srgbClr val="F7F7F7"/>
+                </a:highlight>
+                <a:hlinkClick r:id="rId4"/>
+              </a:rPr>
+              <a:t>https://www.cpsc.gov/cgibin/NEISSQuery/Data/Archived%20Data/2023/neiss2023.xlsx</a:t>
+            </a:r>
+            <a:endParaRPr lang="en-US" dirty="0"/>
+          </a:p>
+          <a:p>
+            <a:r>
+              <a:rPr lang="en-US" dirty="0" err="1"/>
+              <a:t>Jupyter</a:t>
+            </a:r>
+            <a:r>
+              <a:rPr lang="en-US" dirty="0"/>
+              <a:t> Notebook: </a:t>
+            </a:r>
+          </a:p>
+          <a:p>
+            <a:pPr marL="0" indent="0">
+              <a:buNone/>
+            </a:pPr>
+            <a:r>
+              <a:rPr lang="en-US" dirty="0">
+                <a:hlinkClick r:id="rId5"/>
+              </a:rPr>
+              <a:t>https://colab.research.google.com/drive/1YLZUa1pkBMRX88fcmQ2uIEpTBkimjFQb?usp=drive_link</a:t>
+            </a:r>
+            <a:endParaRPr lang="en-US" dirty="0"/>
+          </a:p>
+          <a:p>
+            <a:endParaRPr lang="en-US" dirty="0"/>
+          </a:p>
+        </p:txBody>
+      </p:sp>
+    </p:spTree>
+    <p:extLst>
+      <p:ext uri="{BB962C8B-B14F-4D97-AF65-F5344CB8AC3E}">
+        <p14:creationId xmlns:p14="http://schemas.microsoft.com/office/powerpoint/2010/main" val="3750415529"/>
+      </p:ext>
+    </p:extLst>
+  </p:cSld>
+  <p:clrMapOvr>
+    <a:masterClrMapping/>
+  </p:clrMapOvr>
+</p:sld>
+</file>
+
+<file path=ppt/slides/slide2.xml><?xml version="1.0" encoding="utf-8"?>
+<p:sld xmlns:a="http://schemas.openxmlformats.org/drawingml/2006/main" xmlns:r="http://schemas.openxmlformats.org/officeDocument/2006/relationships" xmlns:p="http://schemas.openxmlformats.org/presentationml/2006/main">
+  <p:cSld>
+    <p:spTree>
+      <p:nvGrpSpPr>
+        <p:cNvPr id="1" name=""/>
+        <p:cNvGrpSpPr/>
+        <p:nvPr/>
+      </p:nvGrpSpPr>
+      <p:grpSpPr>
+        <a:xfrm>
+          <a:off x="0" y="0"/>
+          <a:ext cx="0" cy="0"/>
+          <a:chOff x="0" y="0"/>
+          <a:chExt cx="0" cy="0"/>
+        </a:xfrm>
+      </p:grpSpPr>
+      <p:sp>
+        <p:nvSpPr>
+          <p:cNvPr id="4" name="Title 3">
+            <a:extLst>
+              <a:ext uri="{FF2B5EF4-FFF2-40B4-BE49-F238E27FC236}">
+                <a16:creationId xmlns:a16="http://schemas.microsoft.com/office/drawing/2014/main" id="{FFDE6B89-9484-4E50-8387-C55E031D8549}"/>
+              </a:ext>
+            </a:extLst>
+          </p:cNvPr>
+          <p:cNvSpPr>
+            <a:spLocks noGrp="1"/>
+          </p:cNvSpPr>
+          <p:nvPr>
+            <p:ph type="title"/>
+          </p:nvPr>
+        </p:nvSpPr>
+        <p:spPr/>
+        <p:txBody>
+          <a:bodyPr>
+            <a:normAutofit/>
+          </a:bodyPr>
+          <a:lstStyle/>
+          <a:p>
+            <a:r>
+              <a:rPr lang="en-US" dirty="0"/>
+              <a:t>Outline</a:t>
+            </a:r>
+          </a:p>
+        </p:txBody>
+      </p:sp>
+      <p:sp>
+        <p:nvSpPr>
+          <p:cNvPr id="5" name="Content Placeholder 4">
+            <a:extLst>
+              <a:ext uri="{FF2B5EF4-FFF2-40B4-BE49-F238E27FC236}">
+                <a16:creationId xmlns:a16="http://schemas.microsoft.com/office/drawing/2014/main" id="{30EB58E2-A9A0-481A-8B5B-381B836CE40B}"/>
+              </a:ext>
+            </a:extLst>
+          </p:cNvPr>
+          <p:cNvSpPr>
+            <a:spLocks noGrp="1"/>
+          </p:cNvSpPr>
+          <p:nvPr>
+            <p:ph sz="quarter" idx="14"/>
+          </p:nvPr>
+        </p:nvSpPr>
+        <p:spPr/>
+        <p:txBody>
+          <a:bodyPr>
+            <a:normAutofit/>
+          </a:bodyPr>
+          <a:lstStyle/>
+          <a:p>
+            <a:r>
+              <a:rPr lang="en-US" dirty="0"/>
+              <a:t>Problem Statement</a:t>
+            </a:r>
+          </a:p>
+          <a:p>
+            <a:r>
+              <a:rPr lang="en-US" dirty="0"/>
+              <a:t>Approach</a:t>
+            </a:r>
+          </a:p>
+          <a:p>
+            <a:r>
+              <a:rPr lang="en-US" dirty="0"/>
+              <a:t>Results</a:t>
+            </a:r>
+          </a:p>
+          <a:p>
+            <a:r>
+              <a:rPr lang="en-US" dirty="0"/>
+              <a:t>Next Steps</a:t>
+            </a:r>
+          </a:p>
+          <a:p>
+            <a:r>
+              <a:rPr lang="en-US" dirty="0"/>
+              <a:t>Discussion/Questions</a:t>
+            </a:r>
+          </a:p>
+        </p:txBody>
+      </p:sp>
+    </p:spTree>
+    <p:extLst>
+      <p:ext uri="{BB962C8B-B14F-4D97-AF65-F5344CB8AC3E}">
+        <p14:creationId xmlns:p14="http://schemas.microsoft.com/office/powerpoint/2010/main" val="3318299500"/>
+      </p:ext>
+    </p:extLst>
+  </p:cSld>
+  <p:clrMapOvr>
+    <a:masterClrMapping/>
+  </p:clrMapOvr>
+</p:sld>
+</file>
+
+<file path=ppt/slides/slide3.xml><?xml version="1.0" encoding="utf-8"?>
+<p:sld xmlns:a="http://schemas.openxmlformats.org/drawingml/2006/main" xmlns:r="http://schemas.openxmlformats.org/officeDocument/2006/relationships" xmlns:p="http://schemas.openxmlformats.org/presentationml/2006/main">
+  <p:cSld>
+    <p:bg>
+      <p:bgPr>
+        <a:solidFill>
+          <a:schemeClr val="bg2"/>
+        </a:solidFill>
+        <a:effectLst/>
+      </p:bgPr>
+    </p:bg>
+    <p:spTree>
+      <p:nvGrpSpPr>
+        <p:cNvPr id="1" name=""/>
+        <p:cNvGrpSpPr/>
+        <p:nvPr/>
+      </p:nvGrpSpPr>
+      <p:grpSpPr>
+        <a:xfrm>
+          <a:off x="0" y="0"/>
+          <a:ext cx="0" cy="0"/>
+          <a:chOff x="0" y="0"/>
+          <a:chExt cx="0" cy="0"/>
+        </a:xfrm>
+      </p:grpSpPr>
+      <p:sp>
+        <p:nvSpPr>
+          <p:cNvPr id="13" name="Rectangle 12">
+            <a:extLst>
+              <a:ext uri="{FF2B5EF4-FFF2-40B4-BE49-F238E27FC236}">
+                <a16:creationId xmlns:a16="http://schemas.microsoft.com/office/drawing/2014/main" id="{0786F82F-1B47-46ED-8EAE-53EF71E59E9A}"/>
+              </a:ext>
+              <a:ext uri="{C183D7F6-B498-43B3-948B-1728B52AA6E4}">
+                <adec:decorative xmlns:adec="http://schemas.microsoft.com/office/drawing/2017/decorative" val="1"/>
+              </a:ext>
+            </a:extLst>
+          </p:cNvPr>
+          <p:cNvSpPr>
+            <a:spLocks noGrp="1" noRot="1" noChangeAspect="1" noMove="1" noResize="1" noEditPoints="1" noAdjustHandles="1" noChangeArrowheads="1" noChangeShapeType="1" noTextEdit="1"/>
+          </p:cNvSpPr>
+          <p:nvPr>
+            <p:extLst>
+              <p:ext uri="{386F3935-93C4-4BCD-93E2-E3B085C9AB24}">
+                <p16:designElem xmlns:p16="http://schemas.microsoft.com/office/powerpoint/2015/main" val="1"/>
+              </p:ext>
+            </p:extLst>
+          </p:nvPr>
+        </p:nvSpPr>
+        <p:spPr>
+          <a:xfrm>
+            <a:off x="4718302" y="0"/>
+            <a:ext cx="7473698" cy="6858000"/>
+          </a:xfrm>
+          <a:prstGeom prst="rect">
+            <a:avLst/>
+          </a:prstGeom>
+          <a:solidFill>
+            <a:schemeClr val="bg1">
+              <a:alpha val="75000"/>
+            </a:schemeClr>
+          </a:solidFill>
+          <a:ln>
+            <a:noFill/>
+          </a:ln>
+        </p:spPr>
+        <p:style>
+          <a:lnRef idx="2">
+            <a:schemeClr val="accent1">
+              <a:shade val="50000"/>
+            </a:schemeClr>
+          </a:lnRef>
+          <a:fillRef idx="1">
+            <a:schemeClr val="accent1"/>
+          </a:fillRef>
+          <a:effectRef idx="0">
+            <a:schemeClr val="accent1"/>
+          </a:effectRef>
+          <a:fontRef idx="minor">
+            <a:schemeClr val="lt1"/>
+          </a:fontRef>
+        </p:style>
+        <p:txBody>
+          <a:bodyPr rtlCol="0" anchor="ctr"/>
+          <a:lstStyle/>
+          <a:p>
+            <a:pPr algn="ctr"/>
+            <a:endParaRPr lang="en-US"/>
+          </a:p>
+        </p:txBody>
+      </p:sp>
+      <p:sp>
+        <p:nvSpPr>
+          <p:cNvPr id="15" name="Rectangle 14">
+            <a:extLst>
+              <a:ext uri="{FF2B5EF4-FFF2-40B4-BE49-F238E27FC236}">
+                <a16:creationId xmlns:a16="http://schemas.microsoft.com/office/drawing/2014/main" id="{EF1BAF6F-6275-4646-9C59-331B29B9550F}"/>
+              </a:ext>
+              <a:ext uri="{C183D7F6-B498-43B3-948B-1728B52AA6E4}">
+                <adec:decorative xmlns:adec="http://schemas.microsoft.com/office/drawing/2017/decorative" val="1"/>
+              </a:ext>
+            </a:extLst>
+          </p:cNvPr>
+          <p:cNvSpPr>
+            <a:spLocks noGrp="1" noRot="1" noChangeAspect="1" noMove="1" noResize="1" noEditPoints="1" noAdjustHandles="1" noChangeArrowheads="1" noChangeShapeType="1" noTextEdit="1"/>
+          </p:cNvSpPr>
+          <p:nvPr>
+            <p:extLst>
+              <p:ext uri="{386F3935-93C4-4BCD-93E2-E3B085C9AB24}">
+                <p16:designElem xmlns:p16="http://schemas.microsoft.com/office/powerpoint/2015/main" val="1"/>
+              </p:ext>
+            </p:extLst>
+          </p:nvPr>
+        </p:nvSpPr>
+        <p:spPr>
+          <a:xfrm rot="5400000">
+            <a:off x="1257298" y="3396997"/>
+            <a:ext cx="6858002" cy="64008"/>
+          </a:xfrm>
+          <a:prstGeom prst="rect">
+            <a:avLst/>
+          </a:prstGeom>
+          <a:solidFill>
+            <a:schemeClr val="tx2"/>
+          </a:solidFill>
+          <a:ln>
+            <a:noFill/>
+          </a:ln>
+        </p:spPr>
+        <p:style>
+          <a:lnRef idx="2">
+            <a:schemeClr val="accent1">
+              <a:shade val="50000"/>
+            </a:schemeClr>
+          </a:lnRef>
+          <a:fillRef idx="1">
+            <a:schemeClr val="accent1"/>
+          </a:fillRef>
+          <a:effectRef idx="0">
+            <a:schemeClr val="accent1"/>
+          </a:effectRef>
+          <a:fontRef idx="minor">
+            <a:schemeClr val="lt1"/>
+          </a:fontRef>
+        </p:style>
+        <p:txBody>
+          <a:bodyPr rtlCol="0" anchor="ctr"/>
+          <a:lstStyle/>
+          <a:p>
+            <a:pPr algn="ctr"/>
+            <a:endParaRPr lang="en-US"/>
+          </a:p>
+        </p:txBody>
+      </p:sp>
+      <p:sp useBgFill="1">
+        <p:nvSpPr>
+          <p:cNvPr id="17" name="Rectangle 16">
+            <a:extLst>
+              <a:ext uri="{FF2B5EF4-FFF2-40B4-BE49-F238E27FC236}">
+                <a16:creationId xmlns:a16="http://schemas.microsoft.com/office/drawing/2014/main" id="{099405E2-1A96-4DBA-A9DC-4C2A1B421CA9}"/>
+              </a:ext>
+              <a:ext uri="{C183D7F6-B498-43B3-948B-1728B52AA6E4}">
+                <adec:decorative xmlns:adec="http://schemas.microsoft.com/office/drawing/2017/decorative" val="1"/>
+              </a:ext>
+            </a:extLst>
+          </p:cNvPr>
+          <p:cNvSpPr>
+            <a:spLocks noGrp="1" noRot="1" noChangeAspect="1" noMove="1" noResize="1" noEditPoints="1" noAdjustHandles="1" noChangeArrowheads="1" noChangeShapeType="1" noTextEdit="1"/>
+          </p:cNvSpPr>
+          <p:nvPr>
+            <p:extLst>
+              <p:ext uri="{386F3935-93C4-4BCD-93E2-E3B085C9AB24}">
+                <p16:designElem xmlns:p16="http://schemas.microsoft.com/office/powerpoint/2015/main" val="1"/>
+              </p:ext>
+            </p:extLst>
+          </p:nvPr>
+        </p:nvSpPr>
+        <p:spPr>
+          <a:xfrm flipH="1">
+            <a:off x="0" y="0"/>
+            <a:ext cx="12192001" cy="6858000"/>
+          </a:xfrm>
+          <a:prstGeom prst="rect">
+            <a:avLst/>
+          </a:prstGeom>
+          <a:ln>
+            <a:noFill/>
+          </a:ln>
+        </p:spPr>
+        <p:style>
+          <a:lnRef idx="2">
+            <a:schemeClr val="accent1">
+              <a:shade val="50000"/>
+            </a:schemeClr>
+          </a:lnRef>
+          <a:fillRef idx="1">
+            <a:schemeClr val="accent1"/>
+          </a:fillRef>
+          <a:effectRef idx="0">
+            <a:schemeClr val="accent1"/>
+          </a:effectRef>
+          <a:fontRef idx="minor">
+            <a:schemeClr val="lt1"/>
+          </a:fontRef>
+        </p:style>
+        <p:txBody>
+          <a:bodyPr rtlCol="0" anchor="ctr"/>
+          <a:lstStyle/>
+          <a:p>
+            <a:pPr algn="ctr"/>
+            <a:endParaRPr lang="en-US" dirty="0"/>
+          </a:p>
+        </p:txBody>
+      </p:sp>
+      <p:sp>
+        <p:nvSpPr>
+          <p:cNvPr id="19" name="Rectangle 18">
+            <a:extLst>
+              <a:ext uri="{FF2B5EF4-FFF2-40B4-BE49-F238E27FC236}">
+                <a16:creationId xmlns:a16="http://schemas.microsoft.com/office/drawing/2014/main" id="{79855050-A75B-4DD0-9B56-8B1C7722D884}"/>
+              </a:ext>
+              <a:ext uri="{C183D7F6-B498-43B3-948B-1728B52AA6E4}">
+                <adec:decorative xmlns:adec="http://schemas.microsoft.com/office/drawing/2017/decorative" val="1"/>
+              </a:ext>
+            </a:extLst>
+          </p:cNvPr>
+          <p:cNvSpPr>
+            <a:spLocks noGrp="1" noRot="1" noChangeAspect="1" noMove="1" noResize="1" noEditPoints="1" noAdjustHandles="1" noChangeArrowheads="1" noChangeShapeType="1" noTextEdit="1"/>
+          </p:cNvSpPr>
+          <p:nvPr>
+            <p:extLst>
+              <p:ext uri="{386F3935-93C4-4BCD-93E2-E3B085C9AB24}">
+                <p16:designElem xmlns:p16="http://schemas.microsoft.com/office/powerpoint/2015/main" val="1"/>
+              </p:ext>
+            </p:extLst>
+          </p:nvPr>
+        </p:nvSpPr>
+        <p:spPr>
+          <a:xfrm flipH="1">
+            <a:off x="-7235" y="758246"/>
+            <a:ext cx="4658480" cy="5386318"/>
+          </a:xfrm>
+          <a:prstGeom prst="rect">
+            <a:avLst/>
+          </a:prstGeom>
+          <a:solidFill>
+            <a:schemeClr val="bg1">
+              <a:alpha val="75000"/>
+            </a:schemeClr>
+          </a:solidFill>
+          <a:ln>
+            <a:noFill/>
+          </a:ln>
+        </p:spPr>
+        <p:style>
+          <a:lnRef idx="2">
+            <a:schemeClr val="accent1">
+              <a:shade val="50000"/>
+            </a:schemeClr>
+          </a:lnRef>
+          <a:fillRef idx="1">
+            <a:schemeClr val="accent1"/>
+          </a:fillRef>
+          <a:effectRef idx="0">
+            <a:schemeClr val="accent1"/>
+          </a:effectRef>
+          <a:fontRef idx="minor">
+            <a:schemeClr val="lt1"/>
+          </a:fontRef>
+        </p:style>
+        <p:txBody>
+          <a:bodyPr rtlCol="0" anchor="ctr"/>
+          <a:lstStyle/>
+          <a:p>
+            <a:pPr algn="ctr"/>
+            <a:endParaRPr lang="en-US"/>
+          </a:p>
+        </p:txBody>
+      </p:sp>
+      <p:sp>
+        <p:nvSpPr>
+          <p:cNvPr id="2" name="Title 1">
+            <a:extLst>
+              <a:ext uri="{FF2B5EF4-FFF2-40B4-BE49-F238E27FC236}">
+                <a16:creationId xmlns:a16="http://schemas.microsoft.com/office/drawing/2014/main" id="{E2D30E0F-10C6-298A-C347-E831FFF4ECB8}"/>
+              </a:ext>
+            </a:extLst>
+          </p:cNvPr>
+          <p:cNvSpPr>
+            <a:spLocks noGrp="1"/>
+          </p:cNvSpPr>
+          <p:nvPr>
+            <p:ph type="title"/>
+          </p:nvPr>
+        </p:nvSpPr>
+        <p:spPr>
+          <a:xfrm>
+            <a:off x="642918" y="1072110"/>
+            <a:ext cx="3611029" cy="1862345"/>
+          </a:xfrm>
+        </p:spPr>
+        <p:txBody>
+          <a:bodyPr vert="horz" lIns="109728" tIns="109728" rIns="109728" bIns="91440" rtlCol="0" anchor="ctr">
+            <a:normAutofit/>
+          </a:bodyPr>
+          <a:lstStyle/>
+          <a:p>
+            <a:pPr>
+              <a:lnSpc>
+                <a:spcPct val="150000"/>
+              </a:lnSpc>
+            </a:pPr>
+            <a:r>
+              <a:rPr lang="en-US" sz="3600">
+                <a:solidFill>
+                  <a:schemeClr val="tx1">
+                    <a:lumMod val="75000"/>
+                    <a:lumOff val="25000"/>
+                  </a:schemeClr>
+                </a:solidFill>
+              </a:rPr>
+              <a:t>Problem Statement</a:t>
+            </a:r>
+          </a:p>
+        </p:txBody>
+      </p:sp>
+      <p:sp>
+        <p:nvSpPr>
+          <p:cNvPr id="21" name="Rectangle 20">
+            <a:extLst>
+              <a:ext uri="{FF2B5EF4-FFF2-40B4-BE49-F238E27FC236}">
+                <a16:creationId xmlns:a16="http://schemas.microsoft.com/office/drawing/2014/main" id="{2060C0F7-61A6-4E64-A77E-AFBD81127352}"/>
+              </a:ext>
+              <a:ext uri="{C183D7F6-B498-43B3-948B-1728B52AA6E4}">
+                <adec:decorative xmlns:adec="http://schemas.microsoft.com/office/drawing/2017/decorative" val="1"/>
+              </a:ext>
+            </a:extLst>
+          </p:cNvPr>
+          <p:cNvSpPr>
+            <a:spLocks noGrp="1" noRot="1" noChangeAspect="1" noMove="1" noResize="1" noEditPoints="1" noAdjustHandles="1" noChangeArrowheads="1" noChangeShapeType="1" noTextEdit="1"/>
+          </p:cNvSpPr>
+          <p:nvPr>
+            <p:extLst>
+              <p:ext uri="{386F3935-93C4-4BCD-93E2-E3B085C9AB24}">
+                <p16:designElem xmlns:p16="http://schemas.microsoft.com/office/powerpoint/2015/main" val="1"/>
+              </p:ext>
+            </p:extLst>
+          </p:nvPr>
+        </p:nvSpPr>
+        <p:spPr>
+          <a:xfrm flipH="1">
+            <a:off x="4684060" y="0"/>
+            <a:ext cx="7507940" cy="765228"/>
+          </a:xfrm>
+          <a:prstGeom prst="rect">
+            <a:avLst/>
+          </a:prstGeom>
+          <a:solidFill>
+            <a:schemeClr val="bg1">
+              <a:alpha val="75000"/>
+            </a:schemeClr>
+          </a:solidFill>
+          <a:ln>
+            <a:noFill/>
+          </a:ln>
+        </p:spPr>
+        <p:style>
+          <a:lnRef idx="2">
+            <a:schemeClr val="accent1">
+              <a:shade val="50000"/>
+            </a:schemeClr>
+          </a:lnRef>
+          <a:fillRef idx="1">
+            <a:schemeClr val="accent1"/>
+          </a:fillRef>
+          <a:effectRef idx="0">
+            <a:schemeClr val="accent1"/>
+          </a:effectRef>
+          <a:fontRef idx="minor">
+            <a:schemeClr val="lt1"/>
+          </a:fontRef>
+        </p:style>
+        <p:txBody>
+          <a:bodyPr rtlCol="0" anchor="ctr"/>
+          <a:lstStyle/>
+          <a:p>
+            <a:pPr algn="ctr"/>
+            <a:endParaRPr lang="en-US"/>
+          </a:p>
+        </p:txBody>
+      </p:sp>
+      <p:sp>
+        <p:nvSpPr>
+          <p:cNvPr id="4" name="Content Placeholder 3">
+            <a:extLst>
+              <a:ext uri="{FF2B5EF4-FFF2-40B4-BE49-F238E27FC236}">
+                <a16:creationId xmlns:a16="http://schemas.microsoft.com/office/drawing/2014/main" id="{4B1BF1AC-C624-2AD2-DA0F-335AB7BA2CA8}"/>
+              </a:ext>
+            </a:extLst>
+          </p:cNvPr>
+          <p:cNvSpPr>
+            <a:spLocks noGrp="1"/>
+          </p:cNvSpPr>
+          <p:nvPr>
+            <p:ph sz="quarter" idx="17"/>
+          </p:nvPr>
+        </p:nvSpPr>
+        <p:spPr>
+          <a:xfrm>
+            <a:off x="637874" y="2934455"/>
+            <a:ext cx="3616073" cy="2840139"/>
+          </a:xfrm>
+        </p:spPr>
+        <p:txBody>
+          <a:bodyPr vert="horz" lIns="109728" tIns="109728" rIns="109728" bIns="91440" rtlCol="0" anchor="t">
+            <a:normAutofit/>
+          </a:bodyPr>
+          <a:lstStyle/>
+          <a:p>
+            <a:pPr marL="0">
+              <a:lnSpc>
+                <a:spcPct val="130000"/>
+              </a:lnSpc>
+              <a:buFont typeface="Corbel" panose="020B0503020204020204" pitchFamily="34" charset="0"/>
+            </a:pPr>
+            <a:r>
+              <a:rPr lang="en-US" sz="1400"/>
+              <a:t>Our top three products (Knee Braces, Ankle Braces, and Shoulder Braces) account for 75% of our ad spend</a:t>
+            </a:r>
+          </a:p>
+          <a:p>
+            <a:pPr marL="0">
+              <a:lnSpc>
+                <a:spcPct val="130000"/>
+              </a:lnSpc>
+              <a:buFont typeface="Corbel" panose="020B0503020204020204" pitchFamily="34" charset="0"/>
+            </a:pPr>
+            <a:r>
+              <a:rPr lang="en-US" sz="1400"/>
+              <a:t>Advertising not targeted at the right audience through the right channels is wasted money</a:t>
+            </a:r>
+          </a:p>
+          <a:p>
+            <a:pPr marL="0">
+              <a:lnSpc>
+                <a:spcPct val="130000"/>
+              </a:lnSpc>
+              <a:buFont typeface="Corbel" panose="020B0503020204020204" pitchFamily="34" charset="0"/>
+            </a:pPr>
+            <a:endParaRPr lang="en-US" sz="1400"/>
+          </a:p>
+          <a:p>
+            <a:pPr marL="0">
+              <a:lnSpc>
+                <a:spcPct val="130000"/>
+              </a:lnSpc>
+              <a:buFont typeface="Corbel" panose="020B0503020204020204" pitchFamily="34" charset="0"/>
+            </a:pPr>
+            <a:endParaRPr lang="en-US" sz="1400"/>
+          </a:p>
+        </p:txBody>
+      </p:sp>
+      <p:pic>
+        <p:nvPicPr>
+          <p:cNvPr id="8" name="Picture 7">
+            <a:extLst>
+              <a:ext uri="{FF2B5EF4-FFF2-40B4-BE49-F238E27FC236}">
+                <a16:creationId xmlns:a16="http://schemas.microsoft.com/office/drawing/2014/main" id="{CEBAFCE4-6F0B-DFDD-14E2-2AF742FFAC1E}"/>
+              </a:ext>
+            </a:extLst>
+          </p:cNvPr>
+          <p:cNvPicPr>
+            <a:picLocks noChangeAspect="1"/>
+          </p:cNvPicPr>
+          <p:nvPr/>
+        </p:nvPicPr>
+        <p:blipFill>
+          <a:blip r:embed="rId3"/>
+          <a:stretch>
+            <a:fillRect/>
+          </a:stretch>
+        </p:blipFill>
+        <p:spPr>
+          <a:xfrm>
+            <a:off x="5188714" y="2191251"/>
+            <a:ext cx="6514470" cy="2475498"/>
+          </a:xfrm>
+          <a:prstGeom prst="rect">
+            <a:avLst/>
+          </a:prstGeom>
+        </p:spPr>
+      </p:pic>
+      <p:sp>
+        <p:nvSpPr>
+          <p:cNvPr id="23" name="Rectangle 22">
+            <a:extLst>
+              <a:ext uri="{FF2B5EF4-FFF2-40B4-BE49-F238E27FC236}">
+                <a16:creationId xmlns:a16="http://schemas.microsoft.com/office/drawing/2014/main" id="{BCF4857D-F003-4CA1-82AB-00900B1008BA}"/>
+              </a:ext>
+              <a:ext uri="{C183D7F6-B498-43B3-948B-1728B52AA6E4}">
+                <adec:decorative xmlns:adec="http://schemas.microsoft.com/office/drawing/2017/decorative" val="1"/>
+              </a:ext>
+            </a:extLst>
+          </p:cNvPr>
+          <p:cNvSpPr>
+            <a:spLocks noGrp="1" noRot="1" noChangeAspect="1" noMove="1" noResize="1" noEditPoints="1" noAdjustHandles="1" noChangeArrowheads="1" noChangeShapeType="1" noTextEdit="1"/>
+          </p:cNvSpPr>
+          <p:nvPr>
+            <p:extLst>
+              <p:ext uri="{386F3935-93C4-4BCD-93E2-E3B085C9AB24}">
+                <p16:designElem xmlns:p16="http://schemas.microsoft.com/office/powerpoint/2015/main" val="1"/>
+              </p:ext>
+            </p:extLst>
+          </p:nvPr>
+        </p:nvSpPr>
+        <p:spPr>
+          <a:xfrm flipH="1">
+            <a:off x="-6" y="6144564"/>
+            <a:ext cx="4656246" cy="713436"/>
+          </a:xfrm>
+          <a:prstGeom prst="rect">
+            <a:avLst/>
+          </a:prstGeom>
+          <a:solidFill>
+            <a:schemeClr val="accent1"/>
+          </a:solidFill>
+          <a:ln>
+            <a:noFill/>
+          </a:ln>
+        </p:spPr>
+        <p:style>
+          <a:lnRef idx="2">
+            <a:schemeClr val="accent1">
+              <a:shade val="50000"/>
+            </a:schemeClr>
+          </a:lnRef>
+          <a:fillRef idx="1">
+            <a:schemeClr val="accent1"/>
+          </a:fillRef>
+          <a:effectRef idx="0">
+            <a:schemeClr val="accent1"/>
+          </a:effectRef>
+          <a:fontRef idx="minor">
+            <a:schemeClr val="lt1"/>
+          </a:fontRef>
+        </p:style>
+        <p:txBody>
+          <a:bodyPr rtlCol="0" anchor="ctr"/>
+          <a:lstStyle/>
+          <a:p>
+            <a:pPr algn="ctr"/>
+            <a:endParaRPr lang="en-US"/>
+          </a:p>
+        </p:txBody>
+      </p:sp>
+      <p:sp>
+        <p:nvSpPr>
+          <p:cNvPr id="25" name="Rectangle 24">
+            <a:extLst>
+              <a:ext uri="{FF2B5EF4-FFF2-40B4-BE49-F238E27FC236}">
+                <a16:creationId xmlns:a16="http://schemas.microsoft.com/office/drawing/2014/main" id="{DB791336-FCAA-4174-9303-B3F374861110}"/>
+              </a:ext>
+              <a:ext uri="{C183D7F6-B498-43B3-948B-1728B52AA6E4}">
+                <adec:decorative xmlns:adec="http://schemas.microsoft.com/office/drawing/2017/decorative" val="1"/>
+              </a:ext>
+            </a:extLst>
+          </p:cNvPr>
+          <p:cNvSpPr>
+            <a:spLocks noGrp="1" noRot="1" noChangeAspect="1" noMove="1" noResize="1" noEditPoints="1" noAdjustHandles="1" noChangeArrowheads="1" noChangeShapeType="1" noTextEdit="1"/>
+          </p:cNvSpPr>
+          <p:nvPr>
+            <p:extLst>
+              <p:ext uri="{386F3935-93C4-4BCD-93E2-E3B085C9AB24}">
+                <p16:designElem xmlns:p16="http://schemas.microsoft.com/office/powerpoint/2015/main" val="1"/>
+              </p:ext>
+            </p:extLst>
+          </p:nvPr>
+        </p:nvSpPr>
+        <p:spPr>
+          <a:xfrm flipH="1">
+            <a:off x="4715122" y="6167615"/>
+            <a:ext cx="7473828" cy="690385"/>
+          </a:xfrm>
+          <a:prstGeom prst="rect">
+            <a:avLst/>
+          </a:prstGeom>
+          <a:solidFill>
+            <a:schemeClr val="bg1">
+              <a:alpha val="75000"/>
+            </a:schemeClr>
+          </a:solidFill>
+          <a:ln>
+            <a:noFill/>
+          </a:ln>
+        </p:spPr>
+        <p:style>
+          <a:lnRef idx="2">
+            <a:schemeClr val="accent1">
+              <a:shade val="50000"/>
+            </a:schemeClr>
+          </a:lnRef>
+          <a:fillRef idx="1">
+            <a:schemeClr val="accent1"/>
+          </a:fillRef>
+          <a:effectRef idx="0">
+            <a:schemeClr val="accent1"/>
+          </a:effectRef>
+          <a:fontRef idx="minor">
+            <a:schemeClr val="lt1"/>
+          </a:fontRef>
+        </p:style>
+        <p:txBody>
+          <a:bodyPr rtlCol="0" anchor="ctr"/>
+          <a:lstStyle/>
+          <a:p>
+            <a:pPr algn="ctr"/>
+            <a:endParaRPr lang="en-US"/>
+          </a:p>
+        </p:txBody>
+      </p:sp>
+      <p:sp>
+        <p:nvSpPr>
+          <p:cNvPr id="27" name="Rectangle 26">
+            <a:extLst>
+              <a:ext uri="{FF2B5EF4-FFF2-40B4-BE49-F238E27FC236}">
+                <a16:creationId xmlns:a16="http://schemas.microsoft.com/office/drawing/2014/main" id="{CA212158-300D-44D0-9CCE-472C3F669EE1}"/>
+              </a:ext>
+              <a:ext uri="{C183D7F6-B498-43B3-948B-1728B52AA6E4}">
+                <adec:decorative xmlns:adec="http://schemas.microsoft.com/office/drawing/2017/decorative" val="1"/>
+              </a:ext>
+            </a:extLst>
+          </p:cNvPr>
+          <p:cNvSpPr>
+            <a:spLocks noGrp="1" noRot="1" noChangeAspect="1" noMove="1" noResize="1" noEditPoints="1" noAdjustHandles="1" noChangeArrowheads="1" noChangeShapeType="1" noTextEdit="1"/>
+          </p:cNvSpPr>
+          <p:nvPr>
+            <p:extLst>
+              <p:ext uri="{386F3935-93C4-4BCD-93E2-E3B085C9AB24}">
+                <p16:designElem xmlns:p16="http://schemas.microsoft.com/office/powerpoint/2015/main" val="1"/>
+              </p:ext>
+            </p:extLst>
+          </p:nvPr>
+        </p:nvSpPr>
+        <p:spPr>
+          <a:xfrm>
+            <a:off x="1525" y="6109423"/>
+            <a:ext cx="12188951" cy="64008"/>
+          </a:xfrm>
+          <a:prstGeom prst="rect">
+            <a:avLst/>
+          </a:prstGeom>
+          <a:solidFill>
+            <a:schemeClr val="tx2"/>
+          </a:solidFill>
+          <a:ln>
+            <a:noFill/>
+          </a:ln>
+        </p:spPr>
+        <p:style>
+          <a:lnRef idx="2">
+            <a:schemeClr val="accent1">
+              <a:shade val="50000"/>
+            </a:schemeClr>
+          </a:lnRef>
+          <a:fillRef idx="1">
+            <a:schemeClr val="accent1"/>
+          </a:fillRef>
+          <a:effectRef idx="0">
+            <a:schemeClr val="accent1"/>
+          </a:effectRef>
+          <a:fontRef idx="minor">
+            <a:schemeClr val="lt1"/>
+          </a:fontRef>
+        </p:style>
+        <p:txBody>
+          <a:bodyPr rtlCol="0" anchor="ctr"/>
+          <a:lstStyle/>
+          <a:p>
+            <a:pPr algn="ctr"/>
+            <a:endParaRPr lang="en-US"/>
+          </a:p>
+        </p:txBody>
+      </p:sp>
+      <p:sp>
+        <p:nvSpPr>
+          <p:cNvPr id="29" name="Rectangle 28">
+            <a:extLst>
+              <a:ext uri="{FF2B5EF4-FFF2-40B4-BE49-F238E27FC236}">
+                <a16:creationId xmlns:a16="http://schemas.microsoft.com/office/drawing/2014/main" id="{988521F4-D44A-42C5-9BDB-5CA25554098B}"/>
+              </a:ext>
+              <a:ext uri="{C183D7F6-B498-43B3-948B-1728B52AA6E4}">
+                <adec:decorative xmlns:adec="http://schemas.microsoft.com/office/drawing/2017/decorative" val="1"/>
+              </a:ext>
+            </a:extLst>
+          </p:cNvPr>
+          <p:cNvSpPr>
+            <a:spLocks noGrp="1" noRot="1" noChangeAspect="1" noMove="1" noResize="1" noEditPoints="1" noAdjustHandles="1" noChangeArrowheads="1" noChangeShapeType="1" noTextEdit="1"/>
+          </p:cNvSpPr>
+          <p:nvPr>
+            <p:extLst>
+              <p:ext uri="{386F3935-93C4-4BCD-93E2-E3B085C9AB24}">
+                <p16:designElem xmlns:p16="http://schemas.microsoft.com/office/powerpoint/2015/main" val="1"/>
+              </p:ext>
+            </p:extLst>
+          </p:nvPr>
+        </p:nvSpPr>
+        <p:spPr>
+          <a:xfrm>
+            <a:off x="4656241" y="0"/>
+            <a:ext cx="64008" cy="6858000"/>
+          </a:xfrm>
+          <a:prstGeom prst="rect">
+            <a:avLst/>
+          </a:prstGeom>
+          <a:solidFill>
+            <a:schemeClr val="tx2"/>
+          </a:solidFill>
+          <a:ln>
+            <a:noFill/>
+          </a:ln>
+        </p:spPr>
+        <p:style>
+          <a:lnRef idx="2">
+            <a:schemeClr val="accent1">
+              <a:shade val="50000"/>
+            </a:schemeClr>
+          </a:lnRef>
+          <a:fillRef idx="1">
+            <a:schemeClr val="accent1"/>
+          </a:fillRef>
+          <a:effectRef idx="0">
+            <a:schemeClr val="accent1"/>
+          </a:effectRef>
+          <a:fontRef idx="minor">
+            <a:schemeClr val="lt1"/>
+          </a:fontRef>
+        </p:style>
+        <p:txBody>
+          <a:bodyPr rtlCol="0" anchor="ctr"/>
+          <a:lstStyle/>
+          <a:p>
+            <a:pPr algn="ctr"/>
+            <a:endParaRPr lang="en-US"/>
+          </a:p>
+        </p:txBody>
+      </p:sp>
+      <p:sp>
+        <p:nvSpPr>
+          <p:cNvPr id="31" name="Rectangle 30">
+            <a:extLst>
+              <a:ext uri="{FF2B5EF4-FFF2-40B4-BE49-F238E27FC236}">
+                <a16:creationId xmlns:a16="http://schemas.microsoft.com/office/drawing/2014/main" id="{5E6738EB-6FF0-4AF9-8462-57F4494B88B2}"/>
+              </a:ext>
+              <a:ext uri="{C183D7F6-B498-43B3-948B-1728B52AA6E4}">
+                <adec:decorative xmlns:adec="http://schemas.microsoft.com/office/drawing/2017/decorative" val="1"/>
+              </a:ext>
+            </a:extLst>
+          </p:cNvPr>
+          <p:cNvSpPr>
+            <a:spLocks noGrp="1" noRot="1" noChangeAspect="1" noMove="1" noResize="1" noEditPoints="1" noAdjustHandles="1" noChangeArrowheads="1" noChangeShapeType="1" noTextEdit="1"/>
+          </p:cNvSpPr>
+          <p:nvPr>
+            <p:extLst>
+              <p:ext uri="{386F3935-93C4-4BCD-93E2-E3B085C9AB24}">
+                <p16:designElem xmlns:p16="http://schemas.microsoft.com/office/powerpoint/2015/main" val="1"/>
+              </p:ext>
+            </p:extLst>
+          </p:nvPr>
+        </p:nvSpPr>
+        <p:spPr>
+          <a:xfrm>
+            <a:off x="1525" y="713436"/>
+            <a:ext cx="12188951" cy="64008"/>
+          </a:xfrm>
+          <a:prstGeom prst="rect">
+            <a:avLst/>
+          </a:prstGeom>
+          <a:solidFill>
+            <a:schemeClr val="tx2"/>
+          </a:solidFill>
+          <a:ln>
+            <a:noFill/>
+          </a:ln>
+        </p:spPr>
+        <p:style>
+          <a:lnRef idx="2">
+            <a:schemeClr val="accent1">
+              <a:shade val="50000"/>
+            </a:schemeClr>
+          </a:lnRef>
+          <a:fillRef idx="1">
+            <a:schemeClr val="accent1"/>
+          </a:fillRef>
+          <a:effectRef idx="0">
+            <a:schemeClr val="accent1"/>
+          </a:effectRef>
+          <a:fontRef idx="minor">
+            <a:schemeClr val="lt1"/>
+          </a:fontRef>
+        </p:style>
+        <p:txBody>
+          <a:bodyPr rtlCol="0" anchor="ctr"/>
+          <a:lstStyle/>
+          <a:p>
+            <a:pPr algn="ctr"/>
+            <a:endParaRPr lang="en-US"/>
+          </a:p>
+        </p:txBody>
+      </p:sp>
+    </p:spTree>
+    <p:extLst>
+      <p:ext uri="{BB962C8B-B14F-4D97-AF65-F5344CB8AC3E}">
+        <p14:creationId xmlns:p14="http://schemas.microsoft.com/office/powerpoint/2010/main" val="2225637236"/>
+      </p:ext>
+    </p:extLst>
+  </p:cSld>
+  <p:clrMapOvr>
+    <a:masterClrMapping/>
+  </p:clrMapOvr>
+</p:sld>
+</file>
+
+<file path=ppt/slides/slide4.xml><?xml version="1.0" encoding="utf-8"?>
+<p:sld xmlns:a="http://schemas.openxmlformats.org/drawingml/2006/main" xmlns:r="http://schemas.openxmlformats.org/officeDocument/2006/relationships" xmlns:p="http://schemas.openxmlformats.org/presentationml/2006/main">
+  <p:cSld>
+    <p:bg>
+      <p:bgPr>
+        <a:solidFill>
+          <a:schemeClr val="bg2"/>
+        </a:solidFill>
+        <a:effectLst/>
+      </p:bgPr>
+    </p:bg>
+    <p:spTree>
+      <p:nvGrpSpPr>
+        <p:cNvPr id="1" name=""/>
+        <p:cNvGrpSpPr/>
+        <p:nvPr/>
+      </p:nvGrpSpPr>
+      <p:grpSpPr>
+        <a:xfrm>
+          <a:off x="0" y="0"/>
+          <a:ext cx="0" cy="0"/>
+          <a:chOff x="0" y="0"/>
+          <a:chExt cx="0" cy="0"/>
+        </a:xfrm>
+      </p:grpSpPr>
+      <p:sp>
+        <p:nvSpPr>
+          <p:cNvPr id="35" name="Rectangle 34">
+            <a:extLst>
+              <a:ext uri="{FF2B5EF4-FFF2-40B4-BE49-F238E27FC236}">
+                <a16:creationId xmlns:a16="http://schemas.microsoft.com/office/drawing/2014/main" id="{0786F82F-1B47-46ED-8EAE-53EF71E59E9A}"/>
+              </a:ext>
+              <a:ext uri="{C183D7F6-B498-43B3-948B-1728B52AA6E4}">
+                <adec:decorative xmlns:adec="http://schemas.microsoft.com/office/drawing/2017/decorative" val="1"/>
+              </a:ext>
+            </a:extLst>
+          </p:cNvPr>
+          <p:cNvSpPr>
+            <a:spLocks noGrp="1" noRot="1" noChangeAspect="1" noMove="1" noResize="1" noEditPoints="1" noAdjustHandles="1" noChangeArrowheads="1" noChangeShapeType="1" noTextEdit="1"/>
+          </p:cNvSpPr>
+          <p:nvPr>
+            <p:extLst>
+              <p:ext uri="{386F3935-93C4-4BCD-93E2-E3B085C9AB24}">
+                <p16:designElem xmlns:p16="http://schemas.microsoft.com/office/powerpoint/2015/main" val="1"/>
+              </p:ext>
+            </p:extLst>
+          </p:nvPr>
+        </p:nvSpPr>
+        <p:spPr>
+          <a:xfrm>
+            <a:off x="4718302" y="0"/>
+            <a:ext cx="7473698" cy="6858000"/>
+          </a:xfrm>
+          <a:prstGeom prst="rect">
+            <a:avLst/>
+          </a:prstGeom>
+          <a:solidFill>
+            <a:schemeClr val="bg1">
+              <a:alpha val="75000"/>
+            </a:schemeClr>
+          </a:solidFill>
+          <a:ln>
+            <a:noFill/>
+          </a:ln>
+        </p:spPr>
+        <p:style>
+          <a:lnRef idx="2">
+            <a:schemeClr val="accent1">
+              <a:shade val="50000"/>
+            </a:schemeClr>
+          </a:lnRef>
+          <a:fillRef idx="1">
+            <a:schemeClr val="accent1"/>
+          </a:fillRef>
+          <a:effectRef idx="0">
+            <a:schemeClr val="accent1"/>
+          </a:effectRef>
+          <a:fontRef idx="minor">
+            <a:schemeClr val="lt1"/>
+          </a:fontRef>
+        </p:style>
+        <p:txBody>
+          <a:bodyPr rtlCol="0" anchor="ctr"/>
+          <a:lstStyle/>
+          <a:p>
+            <a:pPr algn="ctr"/>
+            <a:endParaRPr lang="en-US"/>
+          </a:p>
+        </p:txBody>
+      </p:sp>
+      <p:sp>
+        <p:nvSpPr>
+          <p:cNvPr id="37" name="Rectangle 36">
+            <a:extLst>
+              <a:ext uri="{FF2B5EF4-FFF2-40B4-BE49-F238E27FC236}">
+                <a16:creationId xmlns:a16="http://schemas.microsoft.com/office/drawing/2014/main" id="{EF1BAF6F-6275-4646-9C59-331B29B9550F}"/>
+              </a:ext>
+              <a:ext uri="{C183D7F6-B498-43B3-948B-1728B52AA6E4}">
+                <adec:decorative xmlns:adec="http://schemas.microsoft.com/office/drawing/2017/decorative" val="1"/>
+              </a:ext>
+            </a:extLst>
+          </p:cNvPr>
+          <p:cNvSpPr>
+            <a:spLocks noGrp="1" noRot="1" noChangeAspect="1" noMove="1" noResize="1" noEditPoints="1" noAdjustHandles="1" noChangeArrowheads="1" noChangeShapeType="1" noTextEdit="1"/>
+          </p:cNvSpPr>
+          <p:nvPr>
+            <p:extLst>
+              <p:ext uri="{386F3935-93C4-4BCD-93E2-E3B085C9AB24}">
+                <p16:designElem xmlns:p16="http://schemas.microsoft.com/office/powerpoint/2015/main" val="1"/>
+              </p:ext>
+            </p:extLst>
+          </p:nvPr>
+        </p:nvSpPr>
+        <p:spPr>
+          <a:xfrm rot="5400000">
+            <a:off x="1257298" y="3396997"/>
+            <a:ext cx="6858002" cy="64008"/>
+          </a:xfrm>
+          <a:prstGeom prst="rect">
+            <a:avLst/>
+          </a:prstGeom>
+          <a:solidFill>
+            <a:schemeClr val="tx2"/>
+          </a:solidFill>
+          <a:ln>
+            <a:noFill/>
+          </a:ln>
+        </p:spPr>
+        <p:style>
+          <a:lnRef idx="2">
+            <a:schemeClr val="accent1">
+              <a:shade val="50000"/>
+            </a:schemeClr>
+          </a:lnRef>
+          <a:fillRef idx="1">
+            <a:schemeClr val="accent1"/>
+          </a:fillRef>
+          <a:effectRef idx="0">
+            <a:schemeClr val="accent1"/>
+          </a:effectRef>
+          <a:fontRef idx="minor">
+            <a:schemeClr val="lt1"/>
+          </a:fontRef>
+        </p:style>
+        <p:txBody>
+          <a:bodyPr rtlCol="0" anchor="ctr"/>
+          <a:lstStyle/>
+          <a:p>
+            <a:pPr algn="ctr"/>
+            <a:endParaRPr lang="en-US"/>
+          </a:p>
+        </p:txBody>
+      </p:sp>
+      <p:sp useBgFill="1">
+        <p:nvSpPr>
+          <p:cNvPr id="39" name="Rectangle 38">
+            <a:extLst>
+              <a:ext uri="{FF2B5EF4-FFF2-40B4-BE49-F238E27FC236}">
+                <a16:creationId xmlns:a16="http://schemas.microsoft.com/office/drawing/2014/main" id="{2ECA4CB2-9071-41EB-AABB-2D8EB939D0F8}"/>
+              </a:ext>
+              <a:ext uri="{C183D7F6-B498-43B3-948B-1728B52AA6E4}">
+                <adec:decorative xmlns:adec="http://schemas.microsoft.com/office/drawing/2017/decorative" val="1"/>
+              </a:ext>
+            </a:extLst>
+          </p:cNvPr>
+          <p:cNvSpPr>
+            <a:spLocks noGrp="1" noRot="1" noChangeAspect="1" noMove="1" noResize="1" noEditPoints="1" noAdjustHandles="1" noChangeArrowheads="1" noChangeShapeType="1" noTextEdit="1"/>
+          </p:cNvSpPr>
+          <p:nvPr>
+            <p:extLst>
+              <p:ext uri="{386F3935-93C4-4BCD-93E2-E3B085C9AB24}">
+                <p16:designElem xmlns:p16="http://schemas.microsoft.com/office/powerpoint/2015/main" val="1"/>
+              </p:ext>
+            </p:extLst>
+          </p:nvPr>
+        </p:nvSpPr>
+        <p:spPr>
+          <a:xfrm>
+            <a:off x="0" y="0"/>
+            <a:ext cx="12188952" cy="6858000"/>
+          </a:xfrm>
+          <a:prstGeom prst="rect">
+            <a:avLst/>
+          </a:prstGeom>
+          <a:ln>
+            <a:noFill/>
+          </a:ln>
+        </p:spPr>
+        <p:style>
+          <a:lnRef idx="2">
+            <a:schemeClr val="accent1">
+              <a:shade val="50000"/>
+            </a:schemeClr>
+          </a:lnRef>
+          <a:fillRef idx="1">
+            <a:schemeClr val="accent1"/>
+          </a:fillRef>
+          <a:effectRef idx="0">
+            <a:schemeClr val="accent1"/>
+          </a:effectRef>
+          <a:fontRef idx="minor">
+            <a:schemeClr val="lt1"/>
+          </a:fontRef>
+        </p:style>
+        <p:txBody>
+          <a:bodyPr rtlCol="0" anchor="ctr"/>
+          <a:lstStyle/>
+          <a:p>
+            <a:pPr marL="0" marR="0" lvl="0" indent="0" algn="ctr" defTabSz="914400" rtl="0" eaLnBrk="1" fontAlgn="auto" latinLnBrk="0" hangingPunct="1">
+              <a:lnSpc>
+                <a:spcPct val="100000"/>
+              </a:lnSpc>
+              <a:spcBef>
+                <a:spcPts val="0"/>
+              </a:spcBef>
+              <a:spcAft>
+                <a:spcPts val="0"/>
+              </a:spcAft>
+              <a:buClrTx/>
+              <a:buSzTx/>
+              <a:buFontTx/>
+              <a:buNone/>
+              <a:tabLst/>
+              <a:defRPr/>
+            </a:pPr>
+            <a:endParaRPr kumimoji="0" lang="en-US" sz="1800" b="0" i="0" u="none" strike="noStrike" kern="1200" cap="none" spc="0" normalizeH="0" baseline="0" noProof="0">
+              <a:ln>
+                <a:noFill/>
+              </a:ln>
+              <a:solidFill>
+                <a:prstClr val="white"/>
+              </a:solidFill>
+              <a:effectLst/>
+              <a:uLnTx/>
+              <a:uFillTx/>
+              <a:latin typeface="Meiryo"/>
+              <a:ea typeface="+mn-ea"/>
+              <a:cs typeface="+mn-cs"/>
+            </a:endParaRPr>
+          </a:p>
+        </p:txBody>
+      </p:sp>
+      <p:pic>
+        <p:nvPicPr>
+          <p:cNvPr id="5" name="Picture 4">
+            <a:extLst>
+              <a:ext uri="{FF2B5EF4-FFF2-40B4-BE49-F238E27FC236}">
+                <a16:creationId xmlns:a16="http://schemas.microsoft.com/office/drawing/2014/main" id="{8183EACC-368A-6F68-C74E-FB767DFBC8B9}"/>
+              </a:ext>
+            </a:extLst>
+          </p:cNvPr>
+          <p:cNvPicPr>
+            <a:picLocks noChangeAspect="1"/>
+          </p:cNvPicPr>
+          <p:nvPr/>
+        </p:nvPicPr>
+        <p:blipFill rotWithShape="1">
+          <a:blip r:embed="rId3"/>
+          <a:srcRect l="7281" r="36812" b="1"/>
+          <a:stretch/>
+        </p:blipFill>
+        <p:spPr>
+          <a:xfrm>
+            <a:off x="481584" y="983635"/>
+            <a:ext cx="3691130" cy="3323252"/>
+          </a:xfrm>
+          <a:prstGeom prst="rect">
+            <a:avLst/>
+          </a:prstGeom>
+        </p:spPr>
+      </p:pic>
+      <p:sp>
+        <p:nvSpPr>
+          <p:cNvPr id="41" name="Rectangle 40">
+            <a:extLst>
+              <a:ext uri="{FF2B5EF4-FFF2-40B4-BE49-F238E27FC236}">
+                <a16:creationId xmlns:a16="http://schemas.microsoft.com/office/drawing/2014/main" id="{EB86F6BD-9C49-4F4F-99EA-9C5AA31835CD}"/>
+              </a:ext>
+              <a:ext uri="{C183D7F6-B498-43B3-948B-1728B52AA6E4}">
+                <adec:decorative xmlns:adec="http://schemas.microsoft.com/office/drawing/2017/decorative" val="1"/>
+              </a:ext>
+            </a:extLst>
+          </p:cNvPr>
+          <p:cNvSpPr>
+            <a:spLocks noGrp="1" noRot="1" noChangeAspect="1" noMove="1" noResize="1" noEditPoints="1" noAdjustHandles="1" noChangeArrowheads="1" noChangeShapeType="1" noTextEdit="1"/>
+          </p:cNvSpPr>
+          <p:nvPr>
+            <p:extLst>
+              <p:ext uri="{386F3935-93C4-4BCD-93E2-E3B085C9AB24}">
+                <p16:designElem xmlns:p16="http://schemas.microsoft.com/office/powerpoint/2015/main" val="1"/>
+              </p:ext>
+            </p:extLst>
+          </p:nvPr>
+        </p:nvSpPr>
+        <p:spPr>
+          <a:xfrm>
+            <a:off x="4697806" y="-2"/>
+            <a:ext cx="7494194" cy="1641947"/>
+          </a:xfrm>
+          <a:prstGeom prst="rect">
+            <a:avLst/>
+          </a:prstGeom>
+          <a:solidFill>
+            <a:schemeClr val="tx2"/>
+          </a:solidFill>
+          <a:ln>
+            <a:noFill/>
+          </a:ln>
+        </p:spPr>
+        <p:style>
+          <a:lnRef idx="2">
+            <a:schemeClr val="accent1">
+              <a:shade val="50000"/>
+            </a:schemeClr>
+          </a:lnRef>
+          <a:fillRef idx="1">
+            <a:schemeClr val="accent1"/>
+          </a:fillRef>
+          <a:effectRef idx="0">
+            <a:schemeClr val="accent1"/>
+          </a:effectRef>
+          <a:fontRef idx="minor">
+            <a:schemeClr val="lt1"/>
+          </a:fontRef>
+        </p:style>
+        <p:txBody>
+          <a:bodyPr rtlCol="0" anchor="ctr"/>
+          <a:lstStyle/>
+          <a:p>
+            <a:pPr algn="ctr"/>
+            <a:endParaRPr lang="en-US"/>
+          </a:p>
+        </p:txBody>
+      </p:sp>
+      <p:sp>
+        <p:nvSpPr>
+          <p:cNvPr id="2" name="Title 1">
+            <a:extLst>
+              <a:ext uri="{FF2B5EF4-FFF2-40B4-BE49-F238E27FC236}">
+                <a16:creationId xmlns:a16="http://schemas.microsoft.com/office/drawing/2014/main" id="{E2D30E0F-10C6-298A-C347-E831FFF4ECB8}"/>
+              </a:ext>
+            </a:extLst>
+          </p:cNvPr>
+          <p:cNvSpPr>
+            <a:spLocks noGrp="1"/>
+          </p:cNvSpPr>
+          <p:nvPr>
+            <p:ph type="title"/>
+          </p:nvPr>
+        </p:nvSpPr>
+        <p:spPr>
+          <a:xfrm>
+            <a:off x="5376671" y="265706"/>
+            <a:ext cx="6399212" cy="1162801"/>
+          </a:xfrm>
+        </p:spPr>
+        <p:txBody>
+          <a:bodyPr vert="horz" lIns="109728" tIns="109728" rIns="109728" bIns="91440" rtlCol="0" anchor="ctr">
+            <a:normAutofit/>
+          </a:bodyPr>
+          <a:lstStyle/>
+          <a:p>
+            <a:pPr>
+              <a:lnSpc>
+                <a:spcPct val="150000"/>
+              </a:lnSpc>
+            </a:pPr>
+            <a:r>
+              <a:rPr lang="en-US" sz="3600"/>
+              <a:t>Problem Statement</a:t>
+            </a:r>
+          </a:p>
+        </p:txBody>
+      </p:sp>
+      <p:sp>
+        <p:nvSpPr>
+          <p:cNvPr id="43" name="Rectangle 42">
+            <a:extLst>
+              <a:ext uri="{FF2B5EF4-FFF2-40B4-BE49-F238E27FC236}">
+                <a16:creationId xmlns:a16="http://schemas.microsoft.com/office/drawing/2014/main" id="{C7DA365B-E064-481A-A62D-18CD31DB3F13}"/>
+              </a:ext>
+              <a:ext uri="{C183D7F6-B498-43B3-948B-1728B52AA6E4}">
+                <adec:decorative xmlns:adec="http://schemas.microsoft.com/office/drawing/2017/decorative" val="1"/>
+              </a:ext>
+            </a:extLst>
+          </p:cNvPr>
+          <p:cNvSpPr>
+            <a:spLocks noGrp="1" noRot="1" noChangeAspect="1" noMove="1" noResize="1" noEditPoints="1" noAdjustHandles="1" noChangeArrowheads="1" noChangeShapeType="1" noTextEdit="1"/>
+          </p:cNvSpPr>
+          <p:nvPr>
+            <p:extLst>
+              <p:ext uri="{386F3935-93C4-4BCD-93E2-E3B085C9AB24}">
+                <p16:designElem xmlns:p16="http://schemas.microsoft.com/office/powerpoint/2015/main" val="1"/>
+              </p:ext>
+            </p:extLst>
+          </p:nvPr>
+        </p:nvSpPr>
+        <p:spPr>
+          <a:xfrm>
+            <a:off x="4674795" y="1658471"/>
+            <a:ext cx="7517205" cy="3541058"/>
+          </a:xfrm>
+          <a:prstGeom prst="rect">
+            <a:avLst/>
+          </a:prstGeom>
+          <a:solidFill>
+            <a:schemeClr val="bg1">
+              <a:alpha val="60000"/>
+            </a:schemeClr>
+          </a:solidFill>
+          <a:ln>
+            <a:noFill/>
+          </a:ln>
+        </p:spPr>
+        <p:style>
+          <a:lnRef idx="2">
+            <a:schemeClr val="accent1">
+              <a:shade val="50000"/>
+            </a:schemeClr>
+          </a:lnRef>
+          <a:fillRef idx="1">
+            <a:schemeClr val="accent1"/>
+          </a:fillRef>
+          <a:effectRef idx="0">
+            <a:schemeClr val="accent1"/>
+          </a:effectRef>
+          <a:fontRef idx="minor">
+            <a:schemeClr val="lt1"/>
+          </a:fontRef>
+        </p:style>
+        <p:txBody>
+          <a:bodyPr rtlCol="0" anchor="ctr"/>
+          <a:lstStyle/>
+          <a:p>
+            <a:pPr algn="ctr"/>
+            <a:endParaRPr lang="en-US" dirty="0"/>
+          </a:p>
+        </p:txBody>
+      </p:sp>
+      <p:sp>
+        <p:nvSpPr>
+          <p:cNvPr id="45" name="Rectangle 44">
+            <a:extLst>
+              <a:ext uri="{FF2B5EF4-FFF2-40B4-BE49-F238E27FC236}">
+                <a16:creationId xmlns:a16="http://schemas.microsoft.com/office/drawing/2014/main" id="{96DBE49D-AABD-458B-B2DF-4D5FA7D5C7F1}"/>
+              </a:ext>
+              <a:ext uri="{C183D7F6-B498-43B3-948B-1728B52AA6E4}">
+                <adec:decorative xmlns:adec="http://schemas.microsoft.com/office/drawing/2017/decorative" val="1"/>
+              </a:ext>
+            </a:extLst>
+          </p:cNvPr>
+          <p:cNvSpPr>
+            <a:spLocks noGrp="1" noRot="1" noChangeAspect="1" noMove="1" noResize="1" noEditPoints="1" noAdjustHandles="1" noChangeArrowheads="1" noChangeShapeType="1" noTextEdit="1"/>
+          </p:cNvSpPr>
+          <p:nvPr>
+            <p:extLst>
+              <p:ext uri="{386F3935-93C4-4BCD-93E2-E3B085C9AB24}">
+                <p16:designElem xmlns:p16="http://schemas.microsoft.com/office/powerpoint/2015/main" val="1"/>
+              </p:ext>
+            </p:extLst>
+          </p:nvPr>
+        </p:nvSpPr>
+        <p:spPr>
+          <a:xfrm>
+            <a:off x="1" y="5205919"/>
+            <a:ext cx="4651248" cy="1652081"/>
+          </a:xfrm>
+          <a:prstGeom prst="rect">
+            <a:avLst/>
+          </a:prstGeom>
+          <a:solidFill>
+            <a:schemeClr val="accent1"/>
+          </a:solidFill>
+          <a:ln>
+            <a:noFill/>
+          </a:ln>
+        </p:spPr>
+        <p:style>
+          <a:lnRef idx="2">
+            <a:schemeClr val="accent1">
+              <a:shade val="50000"/>
+            </a:schemeClr>
+          </a:lnRef>
+          <a:fillRef idx="1">
+            <a:schemeClr val="accent1"/>
+          </a:fillRef>
+          <a:effectRef idx="0">
+            <a:schemeClr val="accent1"/>
+          </a:effectRef>
+          <a:fontRef idx="minor">
+            <a:schemeClr val="lt1"/>
+          </a:fontRef>
+        </p:style>
+        <p:txBody>
+          <a:bodyPr rtlCol="0" anchor="ctr"/>
+          <a:lstStyle/>
+          <a:p>
+            <a:pPr algn="ctr"/>
+            <a:endParaRPr lang="en-US"/>
+          </a:p>
+        </p:txBody>
+      </p:sp>
+      <p:sp>
+        <p:nvSpPr>
+          <p:cNvPr id="47" name="Rectangle 46">
+            <a:extLst>
+              <a:ext uri="{FF2B5EF4-FFF2-40B4-BE49-F238E27FC236}">
+                <a16:creationId xmlns:a16="http://schemas.microsoft.com/office/drawing/2014/main" id="{96833CC6-729B-40E8-B891-D93467E34B1D}"/>
+              </a:ext>
+              <a:ext uri="{C183D7F6-B498-43B3-948B-1728B52AA6E4}">
+                <adec:decorative xmlns:adec="http://schemas.microsoft.com/office/drawing/2017/decorative" val="1"/>
+              </a:ext>
+            </a:extLst>
+          </p:cNvPr>
+          <p:cNvSpPr>
+            <a:spLocks noGrp="1" noRot="1" noChangeAspect="1" noMove="1" noResize="1" noEditPoints="1" noAdjustHandles="1" noChangeArrowheads="1" noChangeShapeType="1" noTextEdit="1"/>
+          </p:cNvSpPr>
+          <p:nvPr>
+            <p:extLst>
+              <p:ext uri="{386F3935-93C4-4BCD-93E2-E3B085C9AB24}">
+                <p16:designElem xmlns:p16="http://schemas.microsoft.com/office/powerpoint/2015/main" val="1"/>
+              </p:ext>
+            </p:extLst>
+          </p:nvPr>
+        </p:nvSpPr>
+        <p:spPr>
+          <a:xfrm rot="5400000">
+            <a:off x="1236801" y="3396995"/>
+            <a:ext cx="6858002" cy="64008"/>
+          </a:xfrm>
+          <a:prstGeom prst="rect">
+            <a:avLst/>
+          </a:prstGeom>
+          <a:solidFill>
+            <a:schemeClr val="tx2"/>
+          </a:solidFill>
+          <a:ln>
+            <a:noFill/>
+          </a:ln>
+        </p:spPr>
+        <p:style>
+          <a:lnRef idx="2">
+            <a:schemeClr val="accent1">
+              <a:shade val="50000"/>
+            </a:schemeClr>
+          </a:lnRef>
+          <a:fillRef idx="1">
+            <a:schemeClr val="accent1"/>
+          </a:fillRef>
+          <a:effectRef idx="0">
+            <a:schemeClr val="accent1"/>
+          </a:effectRef>
+          <a:fontRef idx="minor">
+            <a:schemeClr val="lt1"/>
+          </a:fontRef>
+        </p:style>
+        <p:txBody>
+          <a:bodyPr rtlCol="0" anchor="ctr"/>
+          <a:lstStyle/>
+          <a:p>
+            <a:pPr algn="ctr"/>
+            <a:endParaRPr lang="en-US"/>
+          </a:p>
+        </p:txBody>
+      </p:sp>
+      <p:sp>
+        <p:nvSpPr>
+          <p:cNvPr id="4" name="Content Placeholder 3">
+            <a:extLst>
+              <a:ext uri="{FF2B5EF4-FFF2-40B4-BE49-F238E27FC236}">
+                <a16:creationId xmlns:a16="http://schemas.microsoft.com/office/drawing/2014/main" id="{4B1BF1AC-C624-2AD2-DA0F-335AB7BA2CA8}"/>
+              </a:ext>
+            </a:extLst>
+          </p:cNvPr>
+          <p:cNvSpPr>
+            <a:spLocks noGrp="1"/>
+          </p:cNvSpPr>
+          <p:nvPr>
+            <p:ph sz="quarter" idx="17"/>
+          </p:nvPr>
+        </p:nvSpPr>
+        <p:spPr>
+          <a:xfrm>
+            <a:off x="5376670" y="1940119"/>
+            <a:ext cx="6172413" cy="3029446"/>
+          </a:xfrm>
+        </p:spPr>
+        <p:txBody>
+          <a:bodyPr vert="horz" lIns="109728" tIns="109728" rIns="109728" bIns="91440" rtlCol="0" anchor="ctr">
+            <a:normAutofit/>
+          </a:bodyPr>
+          <a:lstStyle/>
+          <a:p>
+            <a:pPr marL="0">
+              <a:lnSpc>
+                <a:spcPct val="140000"/>
+              </a:lnSpc>
+              <a:buFont typeface="Corbel" panose="020B0503020204020204" pitchFamily="34" charset="0"/>
+            </a:pPr>
+            <a:r>
+              <a:rPr lang="en-US"/>
+              <a:t>Different age groups can be reached through drastically different platforms (TV, radio, social media, etc)</a:t>
+            </a:r>
+          </a:p>
+          <a:p>
+            <a:pPr marL="0">
+              <a:lnSpc>
+                <a:spcPct val="140000"/>
+              </a:lnSpc>
+              <a:buFont typeface="Corbel" panose="020B0503020204020204" pitchFamily="34" charset="0"/>
+            </a:pPr>
+            <a:r>
+              <a:rPr lang="en-US"/>
+              <a:t>Through statistical analysis, we can determine which channels to use to maximize the efficiency for our key products</a:t>
+            </a:r>
+          </a:p>
+          <a:p>
+            <a:pPr marL="0">
+              <a:lnSpc>
+                <a:spcPct val="140000"/>
+              </a:lnSpc>
+              <a:buFont typeface="Corbel" panose="020B0503020204020204" pitchFamily="34" charset="0"/>
+            </a:pPr>
+            <a:endParaRPr lang="en-US"/>
+          </a:p>
+          <a:p>
+            <a:pPr marL="0">
+              <a:lnSpc>
+                <a:spcPct val="140000"/>
+              </a:lnSpc>
+              <a:buFont typeface="Corbel" panose="020B0503020204020204" pitchFamily="34" charset="0"/>
+            </a:pPr>
+            <a:endParaRPr lang="en-US"/>
+          </a:p>
+        </p:txBody>
+      </p:sp>
+      <p:sp>
+        <p:nvSpPr>
+          <p:cNvPr id="49" name="Rectangle 48">
+            <a:extLst>
+              <a:ext uri="{FF2B5EF4-FFF2-40B4-BE49-F238E27FC236}">
+                <a16:creationId xmlns:a16="http://schemas.microsoft.com/office/drawing/2014/main" id="{A5757897-7307-46AF-923D-FF5BF45DD009}"/>
+              </a:ext>
+              <a:ext uri="{C183D7F6-B498-43B3-948B-1728B52AA6E4}">
+                <adec:decorative xmlns:adec="http://schemas.microsoft.com/office/drawing/2017/decorative" val="1"/>
+              </a:ext>
+            </a:extLst>
+          </p:cNvPr>
+          <p:cNvSpPr>
+            <a:spLocks noGrp="1" noRot="1" noChangeAspect="1" noMove="1" noResize="1" noEditPoints="1" noAdjustHandles="1" noChangeArrowheads="1" noChangeShapeType="1" noTextEdit="1"/>
+          </p:cNvSpPr>
+          <p:nvPr>
+            <p:extLst>
+              <p:ext uri="{386F3935-93C4-4BCD-93E2-E3B085C9AB24}">
+                <p16:designElem xmlns:p16="http://schemas.microsoft.com/office/powerpoint/2015/main" val="1"/>
+              </p:ext>
+            </p:extLst>
+          </p:nvPr>
+        </p:nvSpPr>
+        <p:spPr>
+          <a:xfrm>
+            <a:off x="1524" y="5205919"/>
+            <a:ext cx="12188952" cy="64008"/>
+          </a:xfrm>
+          <a:prstGeom prst="rect">
+            <a:avLst/>
+          </a:prstGeom>
+          <a:solidFill>
+            <a:schemeClr val="tx2"/>
+          </a:solidFill>
+          <a:ln>
+            <a:noFill/>
+          </a:ln>
+        </p:spPr>
+        <p:style>
+          <a:lnRef idx="2">
+            <a:schemeClr val="accent1">
+              <a:shade val="50000"/>
+            </a:schemeClr>
+          </a:lnRef>
+          <a:fillRef idx="1">
+            <a:schemeClr val="accent1"/>
+          </a:fillRef>
+          <a:effectRef idx="0">
+            <a:schemeClr val="accent1"/>
+          </a:effectRef>
+          <a:fontRef idx="minor">
+            <a:schemeClr val="lt1"/>
+          </a:fontRef>
+        </p:style>
+        <p:txBody>
+          <a:bodyPr rtlCol="0" anchor="ctr"/>
+          <a:lstStyle/>
+          <a:p>
+            <a:pPr algn="ctr"/>
+            <a:endParaRPr lang="en-US" dirty="0"/>
+          </a:p>
+        </p:txBody>
+      </p:sp>
+    </p:spTree>
+    <p:extLst>
+      <p:ext uri="{BB962C8B-B14F-4D97-AF65-F5344CB8AC3E}">
+        <p14:creationId xmlns:p14="http://schemas.microsoft.com/office/powerpoint/2010/main" val="2019366256"/>
+      </p:ext>
+    </p:extLst>
+  </p:cSld>
+  <p:clrMapOvr>
+    <a:masterClrMapping/>
+  </p:clrMapOvr>
+</p:sld>
+</file>
+
+<file path=ppt/slides/slide5.xml><?xml version="1.0" encoding="utf-8"?>
+<p:sld xmlns:a="http://schemas.openxmlformats.org/drawingml/2006/main" xmlns:r="http://schemas.openxmlformats.org/officeDocument/2006/relationships" xmlns:p="http://schemas.openxmlformats.org/presentationml/2006/main">
+  <p:cSld>
+    <p:bg>
+      <p:bgPr>
+        <a:solidFill>
+          <a:schemeClr val="bg2"/>
+        </a:solidFill>
+        <a:effectLst/>
+      </p:bgPr>
+    </p:bg>
+    <p:spTree>
+      <p:nvGrpSpPr>
+        <p:cNvPr id="1" name=""/>
+        <p:cNvGrpSpPr/>
+        <p:nvPr/>
+      </p:nvGrpSpPr>
+      <p:grpSpPr>
+        <a:xfrm>
+          <a:off x="0" y="0"/>
+          <a:ext cx="0" cy="0"/>
+          <a:chOff x="0" y="0"/>
+          <a:chExt cx="0" cy="0"/>
+        </a:xfrm>
+      </p:grpSpPr>
+      <p:sp>
+        <p:nvSpPr>
+          <p:cNvPr id="32" name="Rectangle 31">
+            <a:extLst>
+              <a:ext uri="{FF2B5EF4-FFF2-40B4-BE49-F238E27FC236}">
+                <a16:creationId xmlns:a16="http://schemas.microsoft.com/office/drawing/2014/main" id="{0786F82F-1B47-46ED-8EAE-53EF71E59E9A}"/>
+              </a:ext>
+              <a:ext uri="{C183D7F6-B498-43B3-948B-1728B52AA6E4}">
+                <adec:decorative xmlns:adec="http://schemas.microsoft.com/office/drawing/2017/decorative" val="1"/>
+              </a:ext>
+            </a:extLst>
+          </p:cNvPr>
+          <p:cNvSpPr>
+            <a:spLocks noGrp="1" noRot="1" noChangeAspect="1" noMove="1" noResize="1" noEditPoints="1" noAdjustHandles="1" noChangeArrowheads="1" noChangeShapeType="1" noTextEdit="1"/>
+          </p:cNvSpPr>
+          <p:nvPr>
+            <p:extLst>
+              <p:ext uri="{386F3935-93C4-4BCD-93E2-E3B085C9AB24}">
+                <p16:designElem xmlns:p16="http://schemas.microsoft.com/office/powerpoint/2015/main" val="1"/>
+              </p:ext>
+            </p:extLst>
+          </p:nvPr>
+        </p:nvSpPr>
+        <p:spPr>
+          <a:xfrm>
+            <a:off x="4718302" y="0"/>
+            <a:ext cx="7473698" cy="6858000"/>
+          </a:xfrm>
+          <a:prstGeom prst="rect">
+            <a:avLst/>
+          </a:prstGeom>
+          <a:solidFill>
+            <a:schemeClr val="bg1">
+              <a:alpha val="75000"/>
+            </a:schemeClr>
+          </a:solidFill>
+          <a:ln>
+            <a:noFill/>
+          </a:ln>
+        </p:spPr>
+        <p:style>
+          <a:lnRef idx="2">
+            <a:schemeClr val="accent1">
+              <a:shade val="50000"/>
+            </a:schemeClr>
+          </a:lnRef>
+          <a:fillRef idx="1">
+            <a:schemeClr val="accent1"/>
+          </a:fillRef>
+          <a:effectRef idx="0">
+            <a:schemeClr val="accent1"/>
+          </a:effectRef>
+          <a:fontRef idx="minor">
+            <a:schemeClr val="lt1"/>
+          </a:fontRef>
+        </p:style>
+        <p:txBody>
+          <a:bodyPr rtlCol="0" anchor="ctr"/>
+          <a:lstStyle/>
+          <a:p>
+            <a:pPr algn="ctr"/>
+            <a:endParaRPr lang="en-US"/>
+          </a:p>
+        </p:txBody>
+      </p:sp>
+      <p:sp>
+        <p:nvSpPr>
+          <p:cNvPr id="33" name="Rectangle 32">
+            <a:extLst>
+              <a:ext uri="{FF2B5EF4-FFF2-40B4-BE49-F238E27FC236}">
+                <a16:creationId xmlns:a16="http://schemas.microsoft.com/office/drawing/2014/main" id="{EF1BAF6F-6275-4646-9C59-331B29B9550F}"/>
+              </a:ext>
+              <a:ext uri="{C183D7F6-B498-43B3-948B-1728B52AA6E4}">
+                <adec:decorative xmlns:adec="http://schemas.microsoft.com/office/drawing/2017/decorative" val="1"/>
+              </a:ext>
+            </a:extLst>
+          </p:cNvPr>
+          <p:cNvSpPr>
+            <a:spLocks noGrp="1" noRot="1" noChangeAspect="1" noMove="1" noResize="1" noEditPoints="1" noAdjustHandles="1" noChangeArrowheads="1" noChangeShapeType="1" noTextEdit="1"/>
+          </p:cNvSpPr>
+          <p:nvPr>
+            <p:extLst>
+              <p:ext uri="{386F3935-93C4-4BCD-93E2-E3B085C9AB24}">
+                <p16:designElem xmlns:p16="http://schemas.microsoft.com/office/powerpoint/2015/main" val="1"/>
+              </p:ext>
+            </p:extLst>
+          </p:nvPr>
+        </p:nvSpPr>
+        <p:spPr>
+          <a:xfrm rot="5400000">
+            <a:off x="1257298" y="3396997"/>
+            <a:ext cx="6858002" cy="64008"/>
+          </a:xfrm>
+          <a:prstGeom prst="rect">
+            <a:avLst/>
+          </a:prstGeom>
+          <a:solidFill>
+            <a:schemeClr val="tx2"/>
+          </a:solidFill>
+          <a:ln>
+            <a:noFill/>
+          </a:ln>
+        </p:spPr>
+        <p:style>
+          <a:lnRef idx="2">
+            <a:schemeClr val="accent1">
+              <a:shade val="50000"/>
+            </a:schemeClr>
+          </a:lnRef>
+          <a:fillRef idx="1">
+            <a:schemeClr val="accent1"/>
+          </a:fillRef>
+          <a:effectRef idx="0">
+            <a:schemeClr val="accent1"/>
+          </a:effectRef>
+          <a:fontRef idx="minor">
+            <a:schemeClr val="lt1"/>
+          </a:fontRef>
+        </p:style>
+        <p:txBody>
+          <a:bodyPr rtlCol="0" anchor="ctr"/>
+          <a:lstStyle/>
+          <a:p>
+            <a:pPr algn="ctr"/>
+            <a:endParaRPr lang="en-US"/>
+          </a:p>
+        </p:txBody>
+      </p:sp>
+      <p:sp useBgFill="1">
+        <p:nvSpPr>
+          <p:cNvPr id="34" name="Rectangle 33">
+            <a:extLst>
+              <a:ext uri="{FF2B5EF4-FFF2-40B4-BE49-F238E27FC236}">
+                <a16:creationId xmlns:a16="http://schemas.microsoft.com/office/drawing/2014/main" id="{099405E2-1A96-4DBA-A9DC-4C2A1B421CA9}"/>
+              </a:ext>
+              <a:ext uri="{C183D7F6-B498-43B3-948B-1728B52AA6E4}">
+                <adec:decorative xmlns:adec="http://schemas.microsoft.com/office/drawing/2017/decorative" val="1"/>
+              </a:ext>
+            </a:extLst>
+          </p:cNvPr>
+          <p:cNvSpPr>
+            <a:spLocks noGrp="1" noRot="1" noChangeAspect="1" noMove="1" noResize="1" noEditPoints="1" noAdjustHandles="1" noChangeArrowheads="1" noChangeShapeType="1" noTextEdit="1"/>
+          </p:cNvSpPr>
+          <p:nvPr>
+            <p:extLst>
+              <p:ext uri="{386F3935-93C4-4BCD-93E2-E3B085C9AB24}">
+                <p16:designElem xmlns:p16="http://schemas.microsoft.com/office/powerpoint/2015/main" val="1"/>
+              </p:ext>
+            </p:extLst>
+          </p:nvPr>
+        </p:nvSpPr>
+        <p:spPr>
+          <a:xfrm flipH="1">
+            <a:off x="0" y="0"/>
+            <a:ext cx="12192001" cy="6858000"/>
+          </a:xfrm>
+          <a:prstGeom prst="rect">
+            <a:avLst/>
+          </a:prstGeom>
+          <a:ln>
+            <a:noFill/>
+          </a:ln>
+        </p:spPr>
+        <p:style>
+          <a:lnRef idx="2">
+            <a:schemeClr val="accent1">
+              <a:shade val="50000"/>
+            </a:schemeClr>
+          </a:lnRef>
+          <a:fillRef idx="1">
+            <a:schemeClr val="accent1"/>
+          </a:fillRef>
+          <a:effectRef idx="0">
+            <a:schemeClr val="accent1"/>
+          </a:effectRef>
+          <a:fontRef idx="minor">
+            <a:schemeClr val="lt1"/>
+          </a:fontRef>
+        </p:style>
+        <p:txBody>
+          <a:bodyPr rtlCol="0" anchor="ctr"/>
+          <a:lstStyle/>
+          <a:p>
+            <a:pPr algn="ctr"/>
+            <a:endParaRPr lang="en-US" dirty="0"/>
+          </a:p>
+        </p:txBody>
+      </p:sp>
+      <p:sp>
+        <p:nvSpPr>
+          <p:cNvPr id="35" name="Rectangle 34">
+            <a:extLst>
+              <a:ext uri="{FF2B5EF4-FFF2-40B4-BE49-F238E27FC236}">
+                <a16:creationId xmlns:a16="http://schemas.microsoft.com/office/drawing/2014/main" id="{BCF4857D-F003-4CA1-82AB-00900B1008BA}"/>
+              </a:ext>
+              <a:ext uri="{C183D7F6-B498-43B3-948B-1728B52AA6E4}">
+                <adec:decorative xmlns:adec="http://schemas.microsoft.com/office/drawing/2017/decorative" val="1"/>
+              </a:ext>
+            </a:extLst>
+          </p:cNvPr>
+          <p:cNvSpPr>
+            <a:spLocks noGrp="1" noRot="1" noChangeAspect="1" noMove="1" noResize="1" noEditPoints="1" noAdjustHandles="1" noChangeArrowheads="1" noChangeShapeType="1" noTextEdit="1"/>
+          </p:cNvSpPr>
+          <p:nvPr>
+            <p:extLst>
+              <p:ext uri="{386F3935-93C4-4BCD-93E2-E3B085C9AB24}">
+                <p16:designElem xmlns:p16="http://schemas.microsoft.com/office/powerpoint/2015/main" val="1"/>
+              </p:ext>
+            </p:extLst>
+          </p:nvPr>
+        </p:nvSpPr>
+        <p:spPr>
+          <a:xfrm flipH="1">
+            <a:off x="0" y="0"/>
+            <a:ext cx="4426072" cy="1804072"/>
+          </a:xfrm>
+          <a:prstGeom prst="rect">
+            <a:avLst/>
+          </a:prstGeom>
+          <a:solidFill>
+            <a:schemeClr val="accent1"/>
+          </a:solidFill>
+          <a:ln>
+            <a:noFill/>
+          </a:ln>
+        </p:spPr>
+        <p:style>
+          <a:lnRef idx="2">
+            <a:schemeClr val="accent1">
+              <a:shade val="50000"/>
+            </a:schemeClr>
+          </a:lnRef>
+          <a:fillRef idx="1">
+            <a:schemeClr val="accent1"/>
+          </a:fillRef>
+          <a:effectRef idx="0">
+            <a:schemeClr val="accent1"/>
+          </a:effectRef>
+          <a:fontRef idx="minor">
+            <a:schemeClr val="lt1"/>
+          </a:fontRef>
+        </p:style>
+        <p:txBody>
+          <a:bodyPr rtlCol="0" anchor="ctr"/>
+          <a:lstStyle/>
+          <a:p>
+            <a:pPr algn="ctr"/>
+            <a:endParaRPr lang="en-US"/>
+          </a:p>
+        </p:txBody>
+      </p:sp>
+      <p:sp>
+        <p:nvSpPr>
+          <p:cNvPr id="36" name="Rectangle 35">
+            <a:extLst>
+              <a:ext uri="{FF2B5EF4-FFF2-40B4-BE49-F238E27FC236}">
+                <a16:creationId xmlns:a16="http://schemas.microsoft.com/office/drawing/2014/main" id="{79855050-A75B-4DD0-9B56-8B1C7722D884}"/>
+              </a:ext>
+              <a:ext uri="{C183D7F6-B498-43B3-948B-1728B52AA6E4}">
+                <adec:decorative xmlns:adec="http://schemas.microsoft.com/office/drawing/2017/decorative" val="1"/>
+              </a:ext>
+            </a:extLst>
+          </p:cNvPr>
+          <p:cNvSpPr>
+            <a:spLocks noGrp="1" noRot="1" noChangeAspect="1" noMove="1" noResize="1" noEditPoints="1" noAdjustHandles="1" noChangeArrowheads="1" noChangeShapeType="1" noTextEdit="1"/>
+          </p:cNvSpPr>
+          <p:nvPr>
+            <p:extLst>
+              <p:ext uri="{386F3935-93C4-4BCD-93E2-E3B085C9AB24}">
+                <p16:designElem xmlns:p16="http://schemas.microsoft.com/office/powerpoint/2015/main" val="1"/>
+              </p:ext>
+            </p:extLst>
+          </p:nvPr>
+        </p:nvSpPr>
+        <p:spPr>
+          <a:xfrm flipH="1">
+            <a:off x="4426076" y="0"/>
+            <a:ext cx="7765922" cy="6167615"/>
+          </a:xfrm>
+          <a:prstGeom prst="rect">
+            <a:avLst/>
+          </a:prstGeom>
+          <a:solidFill>
+            <a:schemeClr val="bg1">
+              <a:alpha val="75000"/>
+            </a:schemeClr>
+          </a:solidFill>
+          <a:ln>
+            <a:noFill/>
+          </a:ln>
+        </p:spPr>
+        <p:style>
+          <a:lnRef idx="2">
+            <a:schemeClr val="accent1">
+              <a:shade val="50000"/>
+            </a:schemeClr>
+          </a:lnRef>
+          <a:fillRef idx="1">
+            <a:schemeClr val="accent1"/>
+          </a:fillRef>
+          <a:effectRef idx="0">
+            <a:schemeClr val="accent1"/>
+          </a:effectRef>
+          <a:fontRef idx="minor">
+            <a:schemeClr val="lt1"/>
+          </a:fontRef>
+        </p:style>
+        <p:txBody>
+          <a:bodyPr rtlCol="0" anchor="ctr"/>
+          <a:lstStyle/>
+          <a:p>
+            <a:pPr algn="ctr"/>
+            <a:endParaRPr lang="en-US"/>
+          </a:p>
+        </p:txBody>
+      </p:sp>
+      <p:sp>
+        <p:nvSpPr>
+          <p:cNvPr id="2" name="Title 1">
+            <a:extLst>
+              <a:ext uri="{FF2B5EF4-FFF2-40B4-BE49-F238E27FC236}">
+                <a16:creationId xmlns:a16="http://schemas.microsoft.com/office/drawing/2014/main" id="{E2D30E0F-10C6-298A-C347-E831FFF4ECB8}"/>
+              </a:ext>
+            </a:extLst>
+          </p:cNvPr>
+          <p:cNvSpPr>
+            <a:spLocks noGrp="1"/>
+          </p:cNvSpPr>
+          <p:nvPr>
+            <p:ph type="title"/>
+          </p:nvPr>
+        </p:nvSpPr>
+        <p:spPr>
+          <a:xfrm>
+            <a:off x="4794634" y="332450"/>
+            <a:ext cx="6754447" cy="1471622"/>
+          </a:xfrm>
+        </p:spPr>
+        <p:txBody>
+          <a:bodyPr vert="horz" lIns="109728" tIns="109728" rIns="109728" bIns="91440" rtlCol="0" anchor="b">
+            <a:normAutofit/>
+          </a:bodyPr>
+          <a:lstStyle/>
+          <a:p>
+            <a:pPr>
+              <a:lnSpc>
+                <a:spcPct val="150000"/>
+              </a:lnSpc>
+            </a:pPr>
+            <a:r>
+              <a:rPr lang="en-US" sz="3600">
+                <a:solidFill>
+                  <a:schemeClr val="tx1">
+                    <a:lumMod val="75000"/>
+                    <a:lumOff val="25000"/>
+                  </a:schemeClr>
+                </a:solidFill>
+              </a:rPr>
+              <a:t>Approach: Data</a:t>
+            </a:r>
+          </a:p>
+        </p:txBody>
+      </p:sp>
+      <p:sp>
+        <p:nvSpPr>
+          <p:cNvPr id="37" name="Rectangle 36">
+            <a:extLst>
+              <a:ext uri="{FF2B5EF4-FFF2-40B4-BE49-F238E27FC236}">
+                <a16:creationId xmlns:a16="http://schemas.microsoft.com/office/drawing/2014/main" id="{5E6738EB-6FF0-4AF9-8462-57F4494B88B2}"/>
+              </a:ext>
+              <a:ext uri="{C183D7F6-B498-43B3-948B-1728B52AA6E4}">
+                <adec:decorative xmlns:adec="http://schemas.microsoft.com/office/drawing/2017/decorative" val="1"/>
+              </a:ext>
+            </a:extLst>
+          </p:cNvPr>
+          <p:cNvSpPr>
+            <a:spLocks noGrp="1" noRot="1" noChangeAspect="1" noMove="1" noResize="1" noEditPoints="1" noAdjustHandles="1" noChangeArrowheads="1" noChangeShapeType="1" noTextEdit="1"/>
+          </p:cNvSpPr>
+          <p:nvPr>
+            <p:extLst>
+              <p:ext uri="{386F3935-93C4-4BCD-93E2-E3B085C9AB24}">
+                <p16:designElem xmlns:p16="http://schemas.microsoft.com/office/powerpoint/2015/main" val="1"/>
+              </p:ext>
+            </p:extLst>
+          </p:nvPr>
+        </p:nvSpPr>
+        <p:spPr>
+          <a:xfrm>
+            <a:off x="-1" y="1753806"/>
+            <a:ext cx="4425696" cy="64008"/>
+          </a:xfrm>
+          <a:prstGeom prst="rect">
+            <a:avLst/>
+          </a:prstGeom>
+          <a:solidFill>
+            <a:schemeClr val="tx2"/>
+          </a:solidFill>
+          <a:ln>
+            <a:noFill/>
+          </a:ln>
+        </p:spPr>
+        <p:style>
+          <a:lnRef idx="2">
+            <a:schemeClr val="accent1">
+              <a:shade val="50000"/>
+            </a:schemeClr>
+          </a:lnRef>
+          <a:fillRef idx="1">
+            <a:schemeClr val="accent1"/>
+          </a:fillRef>
+          <a:effectRef idx="0">
+            <a:schemeClr val="accent1"/>
+          </a:effectRef>
+          <a:fontRef idx="minor">
+            <a:schemeClr val="lt1"/>
+          </a:fontRef>
+        </p:style>
+        <p:txBody>
+          <a:bodyPr rtlCol="0" anchor="ctr"/>
+          <a:lstStyle/>
+          <a:p>
+            <a:pPr algn="ctr"/>
+            <a:endParaRPr lang="en-US"/>
+          </a:p>
+        </p:txBody>
+      </p:sp>
+      <p:sp>
+        <p:nvSpPr>
+          <p:cNvPr id="4" name="Content Placeholder 3">
+            <a:extLst>
+              <a:ext uri="{FF2B5EF4-FFF2-40B4-BE49-F238E27FC236}">
+                <a16:creationId xmlns:a16="http://schemas.microsoft.com/office/drawing/2014/main" id="{4B1BF1AC-C624-2AD2-DA0F-335AB7BA2CA8}"/>
+              </a:ext>
+            </a:extLst>
+          </p:cNvPr>
+          <p:cNvSpPr>
+            <a:spLocks noGrp="1"/>
+          </p:cNvSpPr>
+          <p:nvPr>
+            <p:ph sz="quarter" idx="17"/>
+          </p:nvPr>
+        </p:nvSpPr>
+        <p:spPr>
+          <a:xfrm>
+            <a:off x="4794637" y="1940001"/>
+            <a:ext cx="6754446" cy="3834594"/>
+          </a:xfrm>
+        </p:spPr>
+        <p:txBody>
+          <a:bodyPr vert="horz" lIns="109728" tIns="109728" rIns="109728" bIns="91440" rtlCol="0" anchor="t">
+            <a:normAutofit/>
+          </a:bodyPr>
+          <a:lstStyle/>
+          <a:p>
+            <a:pPr marL="0">
+              <a:lnSpc>
+                <a:spcPct val="140000"/>
+              </a:lnSpc>
+              <a:buFont typeface="Corbel" panose="020B0503020204020204" pitchFamily="34" charset="0"/>
+            </a:pPr>
+            <a:r>
+              <a:rPr lang="en-US">
+                <a:effectLst/>
+              </a:rPr>
+              <a:t>We will use the 2023 U.S. Consumer Product Safety Commission dataset</a:t>
+            </a:r>
+          </a:p>
+          <a:p>
+            <a:pPr marL="0">
+              <a:lnSpc>
+                <a:spcPct val="140000"/>
+              </a:lnSpc>
+              <a:buFont typeface="Corbel" panose="020B0503020204020204" pitchFamily="34" charset="0"/>
+            </a:pPr>
+            <a:r>
+              <a:rPr lang="en-US"/>
+              <a:t>Includes emergency room visits from over 100 hospitals</a:t>
+            </a:r>
+          </a:p>
+          <a:p>
+            <a:pPr marL="0">
+              <a:lnSpc>
+                <a:spcPct val="140000"/>
+              </a:lnSpc>
+              <a:buFont typeface="Corbel" panose="020B0503020204020204" pitchFamily="34" charset="0"/>
+            </a:pPr>
+            <a:r>
+              <a:rPr lang="en-US"/>
+              <a:t>Specifically, we will look at sprain/strain injuries to the knee, ankle, or shoulder for men aged 15-65 (our target demographic)</a:t>
+            </a:r>
+          </a:p>
+        </p:txBody>
+      </p:sp>
+      <p:sp>
+        <p:nvSpPr>
+          <p:cNvPr id="38" name="Rectangle 37">
+            <a:extLst>
+              <a:ext uri="{FF2B5EF4-FFF2-40B4-BE49-F238E27FC236}">
+                <a16:creationId xmlns:a16="http://schemas.microsoft.com/office/drawing/2014/main" id="{DB791336-FCAA-4174-9303-B3F374861110}"/>
+              </a:ext>
+              <a:ext uri="{C183D7F6-B498-43B3-948B-1728B52AA6E4}">
+                <adec:decorative xmlns:adec="http://schemas.microsoft.com/office/drawing/2017/decorative" val="1"/>
+              </a:ext>
+            </a:extLst>
+          </p:cNvPr>
+          <p:cNvSpPr>
+            <a:spLocks noGrp="1" noRot="1" noChangeAspect="1" noMove="1" noResize="1" noEditPoints="1" noAdjustHandles="1" noChangeArrowheads="1" noChangeShapeType="1" noTextEdit="1"/>
+          </p:cNvSpPr>
+          <p:nvPr>
+            <p:extLst>
+              <p:ext uri="{386F3935-93C4-4BCD-93E2-E3B085C9AB24}">
+                <p16:designElem xmlns:p16="http://schemas.microsoft.com/office/powerpoint/2015/main" val="1"/>
+              </p:ext>
+            </p:extLst>
+          </p:nvPr>
+        </p:nvSpPr>
+        <p:spPr>
+          <a:xfrm flipH="1">
+            <a:off x="-3049" y="6167615"/>
+            <a:ext cx="12192001" cy="690385"/>
+          </a:xfrm>
+          <a:prstGeom prst="rect">
+            <a:avLst/>
+          </a:prstGeom>
+          <a:solidFill>
+            <a:schemeClr val="bg1">
+              <a:alpha val="75000"/>
+            </a:schemeClr>
+          </a:solidFill>
+          <a:ln>
+            <a:noFill/>
+          </a:ln>
+        </p:spPr>
+        <p:style>
+          <a:lnRef idx="2">
+            <a:schemeClr val="accent1">
+              <a:shade val="50000"/>
+            </a:schemeClr>
+          </a:lnRef>
+          <a:fillRef idx="1">
+            <a:schemeClr val="accent1"/>
+          </a:fillRef>
+          <a:effectRef idx="0">
+            <a:schemeClr val="accent1"/>
+          </a:effectRef>
+          <a:fontRef idx="minor">
+            <a:schemeClr val="lt1"/>
+          </a:fontRef>
+        </p:style>
+        <p:txBody>
+          <a:bodyPr rtlCol="0" anchor="ctr"/>
+          <a:lstStyle/>
+          <a:p>
+            <a:pPr algn="ctr"/>
+            <a:endParaRPr lang="en-US"/>
+          </a:p>
+        </p:txBody>
+      </p:sp>
+      <p:sp>
+        <p:nvSpPr>
+          <p:cNvPr id="39" name="Rectangle 38">
+            <a:extLst>
+              <a:ext uri="{FF2B5EF4-FFF2-40B4-BE49-F238E27FC236}">
+                <a16:creationId xmlns:a16="http://schemas.microsoft.com/office/drawing/2014/main" id="{CA212158-300D-44D0-9CCE-472C3F669EE1}"/>
+              </a:ext>
+              <a:ext uri="{C183D7F6-B498-43B3-948B-1728B52AA6E4}">
+                <adec:decorative xmlns:adec="http://schemas.microsoft.com/office/drawing/2017/decorative" val="1"/>
+              </a:ext>
+            </a:extLst>
+          </p:cNvPr>
+          <p:cNvSpPr>
+            <a:spLocks noGrp="1" noRot="1" noChangeAspect="1" noMove="1" noResize="1" noEditPoints="1" noAdjustHandles="1" noChangeArrowheads="1" noChangeShapeType="1" noTextEdit="1"/>
+          </p:cNvSpPr>
+          <p:nvPr>
+            <p:extLst>
+              <p:ext uri="{386F3935-93C4-4BCD-93E2-E3B085C9AB24}">
+                <p16:designElem xmlns:p16="http://schemas.microsoft.com/office/powerpoint/2015/main" val="1"/>
+              </p:ext>
+            </p:extLst>
+          </p:nvPr>
+        </p:nvSpPr>
+        <p:spPr>
+          <a:xfrm>
+            <a:off x="1525" y="6109423"/>
+            <a:ext cx="12188951" cy="64008"/>
+          </a:xfrm>
+          <a:prstGeom prst="rect">
+            <a:avLst/>
+          </a:prstGeom>
+          <a:solidFill>
+            <a:schemeClr val="tx2"/>
+          </a:solidFill>
+          <a:ln>
+            <a:noFill/>
+          </a:ln>
+        </p:spPr>
+        <p:style>
+          <a:lnRef idx="2">
+            <a:schemeClr val="accent1">
+              <a:shade val="50000"/>
+            </a:schemeClr>
+          </a:lnRef>
+          <a:fillRef idx="1">
+            <a:schemeClr val="accent1"/>
+          </a:fillRef>
+          <a:effectRef idx="0">
+            <a:schemeClr val="accent1"/>
+          </a:effectRef>
+          <a:fontRef idx="minor">
+            <a:schemeClr val="lt1"/>
+          </a:fontRef>
+        </p:style>
+        <p:txBody>
+          <a:bodyPr rtlCol="0" anchor="ctr"/>
+          <a:lstStyle/>
+          <a:p>
+            <a:pPr algn="ctr"/>
+            <a:endParaRPr lang="en-US"/>
+          </a:p>
+        </p:txBody>
+      </p:sp>
+      <p:sp>
+        <p:nvSpPr>
+          <p:cNvPr id="40" name="Rectangle 39">
+            <a:extLst>
+              <a:ext uri="{FF2B5EF4-FFF2-40B4-BE49-F238E27FC236}">
+                <a16:creationId xmlns:a16="http://schemas.microsoft.com/office/drawing/2014/main" id="{988521F4-D44A-42C5-9BDB-5CA25554098B}"/>
+              </a:ext>
+              <a:ext uri="{C183D7F6-B498-43B3-948B-1728B52AA6E4}">
+                <adec:decorative xmlns:adec="http://schemas.microsoft.com/office/drawing/2017/decorative" val="1"/>
+              </a:ext>
+            </a:extLst>
+          </p:cNvPr>
+          <p:cNvSpPr>
+            <a:spLocks noGrp="1" noRot="1" noChangeAspect="1" noMove="1" noResize="1" noEditPoints="1" noAdjustHandles="1" noChangeArrowheads="1" noChangeShapeType="1" noTextEdit="1"/>
+          </p:cNvSpPr>
+          <p:nvPr>
+            <p:extLst>
+              <p:ext uri="{386F3935-93C4-4BCD-93E2-E3B085C9AB24}">
+                <p16:designElem xmlns:p16="http://schemas.microsoft.com/office/powerpoint/2015/main" val="1"/>
+              </p:ext>
+            </p:extLst>
+          </p:nvPr>
+        </p:nvSpPr>
+        <p:spPr>
+          <a:xfrm>
+            <a:off x="4394070" y="0"/>
+            <a:ext cx="64008" cy="6858000"/>
+          </a:xfrm>
+          <a:prstGeom prst="rect">
+            <a:avLst/>
+          </a:prstGeom>
+          <a:solidFill>
+            <a:schemeClr val="tx2"/>
+          </a:solidFill>
+          <a:ln>
+            <a:noFill/>
+          </a:ln>
+        </p:spPr>
+        <p:style>
+          <a:lnRef idx="2">
+            <a:schemeClr val="accent1">
+              <a:shade val="50000"/>
+            </a:schemeClr>
+          </a:lnRef>
+          <a:fillRef idx="1">
+            <a:schemeClr val="accent1"/>
+          </a:fillRef>
+          <a:effectRef idx="0">
+            <a:schemeClr val="accent1"/>
+          </a:effectRef>
+          <a:fontRef idx="minor">
+            <a:schemeClr val="lt1"/>
+          </a:fontRef>
+        </p:style>
+        <p:txBody>
+          <a:bodyPr rtlCol="0" anchor="ctr"/>
+          <a:lstStyle/>
+          <a:p>
+            <a:pPr algn="ctr"/>
+            <a:endParaRPr lang="en-US"/>
+          </a:p>
+        </p:txBody>
+      </p:sp>
+      <p:pic>
+        <p:nvPicPr>
+          <p:cNvPr id="9" name="Picture 8">
+            <a:extLst>
+              <a:ext uri="{FF2B5EF4-FFF2-40B4-BE49-F238E27FC236}">
+                <a16:creationId xmlns:a16="http://schemas.microsoft.com/office/drawing/2014/main" id="{0DD526F5-3317-5FB9-BE13-8CAAA60DEFF0}"/>
+              </a:ext>
+            </a:extLst>
+          </p:cNvPr>
+          <p:cNvPicPr>
+            <a:picLocks noChangeAspect="1"/>
+          </p:cNvPicPr>
+          <p:nvPr/>
+        </p:nvPicPr>
+        <p:blipFill>
+          <a:blip r:embed="rId3"/>
+          <a:stretch>
+            <a:fillRect/>
+          </a:stretch>
+        </p:blipFill>
+        <p:spPr>
+          <a:xfrm>
+            <a:off x="1" y="2067337"/>
+            <a:ext cx="4394070" cy="3742046"/>
+          </a:xfrm>
+          <a:prstGeom prst="rect">
+            <a:avLst/>
+          </a:prstGeom>
+        </p:spPr>
+      </p:pic>
+    </p:spTree>
+    <p:extLst>
+      <p:ext uri="{BB962C8B-B14F-4D97-AF65-F5344CB8AC3E}">
+        <p14:creationId xmlns:p14="http://schemas.microsoft.com/office/powerpoint/2010/main" val="3378916420"/>
+      </p:ext>
+    </p:extLst>
+  </p:cSld>
+  <p:clrMapOvr>
+    <a:masterClrMapping/>
+  </p:clrMapOvr>
+</p:sld>
+</file>
+
+<file path=ppt/slides/slide6.xml><?xml version="1.0" encoding="utf-8"?>
+<p:sld xmlns:a="http://schemas.openxmlformats.org/drawingml/2006/main" xmlns:r="http://schemas.openxmlformats.org/officeDocument/2006/relationships" xmlns:p="http://schemas.openxmlformats.org/presentationml/2006/main">
+  <p:cSld>
+    <p:bg>
+      <p:bgPr>
+        <a:solidFill>
+          <a:schemeClr val="bg2"/>
+        </a:solidFill>
+        <a:effectLst/>
+      </p:bgPr>
+    </p:bg>
+    <p:spTree>
+      <p:nvGrpSpPr>
+        <p:cNvPr id="1" name=""/>
+        <p:cNvGrpSpPr/>
+        <p:nvPr/>
+      </p:nvGrpSpPr>
+      <p:grpSpPr>
+        <a:xfrm>
+          <a:off x="0" y="0"/>
+          <a:ext cx="0" cy="0"/>
+          <a:chOff x="0" y="0"/>
+          <a:chExt cx="0" cy="0"/>
+        </a:xfrm>
+      </p:grpSpPr>
+      <p:sp>
+        <p:nvSpPr>
+          <p:cNvPr id="13" name="Rectangle 12">
+            <a:extLst>
+              <a:ext uri="{FF2B5EF4-FFF2-40B4-BE49-F238E27FC236}">
+                <a16:creationId xmlns:a16="http://schemas.microsoft.com/office/drawing/2014/main" id="{0786F82F-1B47-46ED-8EAE-53EF71E59E9A}"/>
+              </a:ext>
+              <a:ext uri="{C183D7F6-B498-43B3-948B-1728B52AA6E4}">
+                <adec:decorative xmlns:adec="http://schemas.microsoft.com/office/drawing/2017/decorative" val="1"/>
+              </a:ext>
+            </a:extLst>
+          </p:cNvPr>
+          <p:cNvSpPr>
+            <a:spLocks noGrp="1" noRot="1" noChangeAspect="1" noMove="1" noResize="1" noEditPoints="1" noAdjustHandles="1" noChangeArrowheads="1" noChangeShapeType="1" noTextEdit="1"/>
+          </p:cNvSpPr>
+          <p:nvPr>
+            <p:extLst>
+              <p:ext uri="{386F3935-93C4-4BCD-93E2-E3B085C9AB24}">
+                <p16:designElem xmlns:p16="http://schemas.microsoft.com/office/powerpoint/2015/main" val="1"/>
+              </p:ext>
+            </p:extLst>
+          </p:nvPr>
+        </p:nvSpPr>
+        <p:spPr>
+          <a:xfrm>
+            <a:off x="4718302" y="0"/>
+            <a:ext cx="7473698" cy="6858000"/>
+          </a:xfrm>
+          <a:prstGeom prst="rect">
+            <a:avLst/>
+          </a:prstGeom>
+          <a:solidFill>
+            <a:schemeClr val="bg1">
+              <a:alpha val="75000"/>
+            </a:schemeClr>
+          </a:solidFill>
+          <a:ln>
+            <a:noFill/>
+          </a:ln>
+        </p:spPr>
+        <p:style>
+          <a:lnRef idx="2">
+            <a:schemeClr val="accent1">
+              <a:shade val="50000"/>
+            </a:schemeClr>
+          </a:lnRef>
+          <a:fillRef idx="1">
+            <a:schemeClr val="accent1"/>
+          </a:fillRef>
+          <a:effectRef idx="0">
+            <a:schemeClr val="accent1"/>
+          </a:effectRef>
+          <a:fontRef idx="minor">
+            <a:schemeClr val="lt1"/>
+          </a:fontRef>
+        </p:style>
+        <p:txBody>
+          <a:bodyPr rtlCol="0" anchor="ctr"/>
+          <a:lstStyle/>
+          <a:p>
+            <a:pPr algn="ctr"/>
+            <a:endParaRPr lang="en-US"/>
+          </a:p>
+        </p:txBody>
+      </p:sp>
+      <p:sp>
+        <p:nvSpPr>
+          <p:cNvPr id="15" name="Rectangle 14">
+            <a:extLst>
+              <a:ext uri="{FF2B5EF4-FFF2-40B4-BE49-F238E27FC236}">
+                <a16:creationId xmlns:a16="http://schemas.microsoft.com/office/drawing/2014/main" id="{EF1BAF6F-6275-4646-9C59-331B29B9550F}"/>
+              </a:ext>
+              <a:ext uri="{C183D7F6-B498-43B3-948B-1728B52AA6E4}">
+                <adec:decorative xmlns:adec="http://schemas.microsoft.com/office/drawing/2017/decorative" val="1"/>
+              </a:ext>
+            </a:extLst>
+          </p:cNvPr>
+          <p:cNvSpPr>
+            <a:spLocks noGrp="1" noRot="1" noChangeAspect="1" noMove="1" noResize="1" noEditPoints="1" noAdjustHandles="1" noChangeArrowheads="1" noChangeShapeType="1" noTextEdit="1"/>
+          </p:cNvSpPr>
+          <p:nvPr>
+            <p:extLst>
+              <p:ext uri="{386F3935-93C4-4BCD-93E2-E3B085C9AB24}">
+                <p16:designElem xmlns:p16="http://schemas.microsoft.com/office/powerpoint/2015/main" val="1"/>
+              </p:ext>
+            </p:extLst>
+          </p:nvPr>
+        </p:nvSpPr>
+        <p:spPr>
+          <a:xfrm rot="5400000">
+            <a:off x="1257298" y="3396997"/>
+            <a:ext cx="6858002" cy="64008"/>
+          </a:xfrm>
+          <a:prstGeom prst="rect">
+            <a:avLst/>
+          </a:prstGeom>
+          <a:solidFill>
+            <a:schemeClr val="tx2"/>
+          </a:solidFill>
+          <a:ln>
+            <a:noFill/>
+          </a:ln>
+        </p:spPr>
+        <p:style>
+          <a:lnRef idx="2">
+            <a:schemeClr val="accent1">
+              <a:shade val="50000"/>
+            </a:schemeClr>
+          </a:lnRef>
+          <a:fillRef idx="1">
+            <a:schemeClr val="accent1"/>
+          </a:fillRef>
+          <a:effectRef idx="0">
+            <a:schemeClr val="accent1"/>
+          </a:effectRef>
+          <a:fontRef idx="minor">
+            <a:schemeClr val="lt1"/>
+          </a:fontRef>
+        </p:style>
+        <p:txBody>
+          <a:bodyPr rtlCol="0" anchor="ctr"/>
+          <a:lstStyle/>
+          <a:p>
+            <a:pPr algn="ctr"/>
+            <a:endParaRPr lang="en-US"/>
+          </a:p>
+        </p:txBody>
+      </p:sp>
+      <p:sp useBgFill="1">
+        <p:nvSpPr>
+          <p:cNvPr id="17" name="Rectangle 16">
+            <a:extLst>
+              <a:ext uri="{FF2B5EF4-FFF2-40B4-BE49-F238E27FC236}">
+                <a16:creationId xmlns:a16="http://schemas.microsoft.com/office/drawing/2014/main" id="{099405E2-1A96-4DBA-A9DC-4C2A1B421CA9}"/>
+              </a:ext>
+              <a:ext uri="{C183D7F6-B498-43B3-948B-1728B52AA6E4}">
+                <adec:decorative xmlns:adec="http://schemas.microsoft.com/office/drawing/2017/decorative" val="1"/>
+              </a:ext>
+            </a:extLst>
+          </p:cNvPr>
+          <p:cNvSpPr>
+            <a:spLocks noGrp="1" noRot="1" noChangeAspect="1" noMove="1" noResize="1" noEditPoints="1" noAdjustHandles="1" noChangeArrowheads="1" noChangeShapeType="1" noTextEdit="1"/>
+          </p:cNvSpPr>
+          <p:nvPr>
+            <p:extLst>
+              <p:ext uri="{386F3935-93C4-4BCD-93E2-E3B085C9AB24}">
+                <p16:designElem xmlns:p16="http://schemas.microsoft.com/office/powerpoint/2015/main" val="1"/>
+              </p:ext>
+            </p:extLst>
+          </p:nvPr>
+        </p:nvSpPr>
+        <p:spPr>
+          <a:xfrm flipH="1">
+            <a:off x="0" y="0"/>
+            <a:ext cx="12192001" cy="6858000"/>
+          </a:xfrm>
+          <a:prstGeom prst="rect">
+            <a:avLst/>
+          </a:prstGeom>
+          <a:ln>
+            <a:noFill/>
+          </a:ln>
+        </p:spPr>
+        <p:style>
+          <a:lnRef idx="2">
+            <a:schemeClr val="accent1">
+              <a:shade val="50000"/>
+            </a:schemeClr>
+          </a:lnRef>
+          <a:fillRef idx="1">
+            <a:schemeClr val="accent1"/>
+          </a:fillRef>
+          <a:effectRef idx="0">
+            <a:schemeClr val="accent1"/>
+          </a:effectRef>
+          <a:fontRef idx="minor">
+            <a:schemeClr val="lt1"/>
+          </a:fontRef>
+        </p:style>
+        <p:txBody>
+          <a:bodyPr rtlCol="0" anchor="ctr"/>
+          <a:lstStyle/>
+          <a:p>
+            <a:pPr algn="ctr"/>
+            <a:endParaRPr lang="en-US" dirty="0"/>
+          </a:p>
+        </p:txBody>
+      </p:sp>
+      <p:sp>
+        <p:nvSpPr>
+          <p:cNvPr id="19" name="Rectangle 18">
+            <a:extLst>
+              <a:ext uri="{FF2B5EF4-FFF2-40B4-BE49-F238E27FC236}">
+                <a16:creationId xmlns:a16="http://schemas.microsoft.com/office/drawing/2014/main" id="{79855050-A75B-4DD0-9B56-8B1C7722D884}"/>
+              </a:ext>
+              <a:ext uri="{C183D7F6-B498-43B3-948B-1728B52AA6E4}">
+                <adec:decorative xmlns:adec="http://schemas.microsoft.com/office/drawing/2017/decorative" val="1"/>
+              </a:ext>
+            </a:extLst>
+          </p:cNvPr>
+          <p:cNvSpPr>
+            <a:spLocks noGrp="1" noRot="1" noChangeAspect="1" noMove="1" noResize="1" noEditPoints="1" noAdjustHandles="1" noChangeArrowheads="1" noChangeShapeType="1" noTextEdit="1"/>
+          </p:cNvSpPr>
+          <p:nvPr>
+            <p:extLst>
+              <p:ext uri="{386F3935-93C4-4BCD-93E2-E3B085C9AB24}">
+                <p16:designElem xmlns:p16="http://schemas.microsoft.com/office/powerpoint/2015/main" val="1"/>
+              </p:ext>
+            </p:extLst>
+          </p:nvPr>
+        </p:nvSpPr>
+        <p:spPr>
+          <a:xfrm flipH="1">
+            <a:off x="-7235" y="758246"/>
+            <a:ext cx="4658480" cy="5386318"/>
+          </a:xfrm>
+          <a:prstGeom prst="rect">
+            <a:avLst/>
+          </a:prstGeom>
+          <a:solidFill>
+            <a:schemeClr val="bg1">
+              <a:alpha val="75000"/>
+            </a:schemeClr>
+          </a:solidFill>
+          <a:ln>
+            <a:noFill/>
+          </a:ln>
+        </p:spPr>
+        <p:style>
+          <a:lnRef idx="2">
+            <a:schemeClr val="accent1">
+              <a:shade val="50000"/>
+            </a:schemeClr>
+          </a:lnRef>
+          <a:fillRef idx="1">
+            <a:schemeClr val="accent1"/>
+          </a:fillRef>
+          <a:effectRef idx="0">
+            <a:schemeClr val="accent1"/>
+          </a:effectRef>
+          <a:fontRef idx="minor">
+            <a:schemeClr val="lt1"/>
+          </a:fontRef>
+        </p:style>
+        <p:txBody>
+          <a:bodyPr rtlCol="0" anchor="ctr"/>
+          <a:lstStyle/>
+          <a:p>
+            <a:pPr algn="ctr"/>
+            <a:endParaRPr lang="en-US"/>
+          </a:p>
+        </p:txBody>
+      </p:sp>
+      <p:sp>
+        <p:nvSpPr>
+          <p:cNvPr id="2" name="Title 1">
+            <a:extLst>
+              <a:ext uri="{FF2B5EF4-FFF2-40B4-BE49-F238E27FC236}">
+                <a16:creationId xmlns:a16="http://schemas.microsoft.com/office/drawing/2014/main" id="{E2D30E0F-10C6-298A-C347-E831FFF4ECB8}"/>
+              </a:ext>
+            </a:extLst>
+          </p:cNvPr>
+          <p:cNvSpPr>
+            <a:spLocks noGrp="1"/>
+          </p:cNvSpPr>
+          <p:nvPr>
+            <p:ph type="title"/>
+          </p:nvPr>
+        </p:nvSpPr>
+        <p:spPr>
+          <a:xfrm>
+            <a:off x="642918" y="1072110"/>
+            <a:ext cx="3611029" cy="1862345"/>
+          </a:xfrm>
+        </p:spPr>
+        <p:txBody>
+          <a:bodyPr vert="horz" lIns="109728" tIns="109728" rIns="109728" bIns="91440" rtlCol="0" anchor="ctr">
+            <a:normAutofit/>
+          </a:bodyPr>
+          <a:lstStyle/>
+          <a:p>
+            <a:pPr>
+              <a:lnSpc>
+                <a:spcPct val="150000"/>
+              </a:lnSpc>
+            </a:pPr>
+            <a:r>
+              <a:rPr lang="en-US" sz="3600">
+                <a:solidFill>
+                  <a:schemeClr val="tx1">
+                    <a:lumMod val="75000"/>
+                    <a:lumOff val="25000"/>
+                  </a:schemeClr>
+                </a:solidFill>
+              </a:rPr>
+              <a:t>Approach: Analysis</a:t>
+            </a:r>
+          </a:p>
+        </p:txBody>
+      </p:sp>
+      <p:sp>
+        <p:nvSpPr>
+          <p:cNvPr id="21" name="Rectangle 20">
+            <a:extLst>
+              <a:ext uri="{FF2B5EF4-FFF2-40B4-BE49-F238E27FC236}">
+                <a16:creationId xmlns:a16="http://schemas.microsoft.com/office/drawing/2014/main" id="{2060C0F7-61A6-4E64-A77E-AFBD81127352}"/>
+              </a:ext>
+              <a:ext uri="{C183D7F6-B498-43B3-948B-1728B52AA6E4}">
+                <adec:decorative xmlns:adec="http://schemas.microsoft.com/office/drawing/2017/decorative" val="1"/>
+              </a:ext>
+            </a:extLst>
+          </p:cNvPr>
+          <p:cNvSpPr>
+            <a:spLocks noGrp="1" noRot="1" noChangeAspect="1" noMove="1" noResize="1" noEditPoints="1" noAdjustHandles="1" noChangeArrowheads="1" noChangeShapeType="1" noTextEdit="1"/>
+          </p:cNvSpPr>
+          <p:nvPr>
+            <p:extLst>
+              <p:ext uri="{386F3935-93C4-4BCD-93E2-E3B085C9AB24}">
+                <p16:designElem xmlns:p16="http://schemas.microsoft.com/office/powerpoint/2015/main" val="1"/>
+              </p:ext>
+            </p:extLst>
+          </p:nvPr>
+        </p:nvSpPr>
+        <p:spPr>
+          <a:xfrm flipH="1">
+            <a:off x="4684060" y="0"/>
+            <a:ext cx="7507940" cy="765228"/>
+          </a:xfrm>
+          <a:prstGeom prst="rect">
+            <a:avLst/>
+          </a:prstGeom>
+          <a:solidFill>
+            <a:schemeClr val="bg1">
+              <a:alpha val="75000"/>
+            </a:schemeClr>
+          </a:solidFill>
+          <a:ln>
+            <a:noFill/>
+          </a:ln>
+        </p:spPr>
+        <p:style>
+          <a:lnRef idx="2">
+            <a:schemeClr val="accent1">
+              <a:shade val="50000"/>
+            </a:schemeClr>
+          </a:lnRef>
+          <a:fillRef idx="1">
+            <a:schemeClr val="accent1"/>
+          </a:fillRef>
+          <a:effectRef idx="0">
+            <a:schemeClr val="accent1"/>
+          </a:effectRef>
+          <a:fontRef idx="minor">
+            <a:schemeClr val="lt1"/>
+          </a:fontRef>
+        </p:style>
+        <p:txBody>
+          <a:bodyPr rtlCol="0" anchor="ctr"/>
+          <a:lstStyle/>
+          <a:p>
+            <a:pPr algn="ctr"/>
+            <a:endParaRPr lang="en-US"/>
+          </a:p>
+        </p:txBody>
+      </p:sp>
+      <p:sp>
+        <p:nvSpPr>
+          <p:cNvPr id="4" name="Content Placeholder 3">
+            <a:extLst>
+              <a:ext uri="{FF2B5EF4-FFF2-40B4-BE49-F238E27FC236}">
+                <a16:creationId xmlns:a16="http://schemas.microsoft.com/office/drawing/2014/main" id="{4B1BF1AC-C624-2AD2-DA0F-335AB7BA2CA8}"/>
+              </a:ext>
+            </a:extLst>
+          </p:cNvPr>
+          <p:cNvSpPr>
+            <a:spLocks noGrp="1"/>
+          </p:cNvSpPr>
+          <p:nvPr>
+            <p:ph sz="quarter" idx="17"/>
+          </p:nvPr>
+        </p:nvSpPr>
+        <p:spPr>
+          <a:xfrm>
+            <a:off x="637874" y="2934455"/>
+            <a:ext cx="3616073" cy="2840139"/>
+          </a:xfrm>
+        </p:spPr>
+        <p:txBody>
+          <a:bodyPr vert="horz" lIns="109728" tIns="109728" rIns="109728" bIns="91440" rtlCol="0" anchor="t">
+            <a:normAutofit/>
+          </a:bodyPr>
+          <a:lstStyle/>
+          <a:p>
+            <a:pPr marL="0">
+              <a:lnSpc>
+                <a:spcPct val="140000"/>
+              </a:lnSpc>
+              <a:buFont typeface="Corbel" panose="020B0503020204020204" pitchFamily="34" charset="0"/>
+            </a:pPr>
+            <a:r>
+              <a:rPr lang="en-US" dirty="0"/>
+              <a:t>The data was broken </a:t>
+            </a:r>
+            <a:endParaRPr lang="en-US"/>
+          </a:p>
+          <a:p>
+            <a:pPr marL="0" indent="0">
+              <a:lnSpc>
+                <a:spcPct val="140000"/>
+              </a:lnSpc>
+              <a:buFont typeface="Corbel" panose="020B0503020204020204" pitchFamily="34" charset="0"/>
+              <a:buNone/>
+            </a:pPr>
+            <a:r>
+              <a:rPr lang="en-US" dirty="0"/>
+              <a:t>out by body part</a:t>
+            </a:r>
+            <a:endParaRPr lang="en-US"/>
+          </a:p>
+        </p:txBody>
+      </p:sp>
+      <p:pic>
+        <p:nvPicPr>
+          <p:cNvPr id="8" name="Picture 7">
+            <a:extLst>
+              <a:ext uri="{FF2B5EF4-FFF2-40B4-BE49-F238E27FC236}">
+                <a16:creationId xmlns:a16="http://schemas.microsoft.com/office/drawing/2014/main" id="{27371B3E-C145-F4D6-055D-BEC8B8C1B350}"/>
+              </a:ext>
+            </a:extLst>
+          </p:cNvPr>
+          <p:cNvPicPr>
+            <a:picLocks noChangeAspect="1"/>
+          </p:cNvPicPr>
+          <p:nvPr/>
+        </p:nvPicPr>
+        <p:blipFill>
+          <a:blip r:embed="rId3"/>
+          <a:stretch>
+            <a:fillRect/>
+          </a:stretch>
+        </p:blipFill>
+        <p:spPr>
+          <a:xfrm>
+            <a:off x="4955829" y="1336718"/>
+            <a:ext cx="7032884" cy="4184564"/>
+          </a:xfrm>
+          <a:prstGeom prst="rect">
+            <a:avLst/>
+          </a:prstGeom>
+        </p:spPr>
+      </p:pic>
+      <p:sp>
+        <p:nvSpPr>
+          <p:cNvPr id="23" name="Rectangle 22">
+            <a:extLst>
+              <a:ext uri="{FF2B5EF4-FFF2-40B4-BE49-F238E27FC236}">
+                <a16:creationId xmlns:a16="http://schemas.microsoft.com/office/drawing/2014/main" id="{BCF4857D-F003-4CA1-82AB-00900B1008BA}"/>
+              </a:ext>
+              <a:ext uri="{C183D7F6-B498-43B3-948B-1728B52AA6E4}">
+                <adec:decorative xmlns:adec="http://schemas.microsoft.com/office/drawing/2017/decorative" val="1"/>
+              </a:ext>
+            </a:extLst>
+          </p:cNvPr>
+          <p:cNvSpPr>
+            <a:spLocks noGrp="1" noRot="1" noChangeAspect="1" noMove="1" noResize="1" noEditPoints="1" noAdjustHandles="1" noChangeArrowheads="1" noChangeShapeType="1" noTextEdit="1"/>
+          </p:cNvSpPr>
+          <p:nvPr>
+            <p:extLst>
+              <p:ext uri="{386F3935-93C4-4BCD-93E2-E3B085C9AB24}">
+                <p16:designElem xmlns:p16="http://schemas.microsoft.com/office/powerpoint/2015/main" val="1"/>
+              </p:ext>
+            </p:extLst>
+          </p:nvPr>
+        </p:nvSpPr>
+        <p:spPr>
+          <a:xfrm flipH="1">
+            <a:off x="-6" y="6144564"/>
+            <a:ext cx="4656246" cy="713436"/>
+          </a:xfrm>
+          <a:prstGeom prst="rect">
+            <a:avLst/>
+          </a:prstGeom>
+          <a:solidFill>
+            <a:schemeClr val="accent1"/>
+          </a:solidFill>
+          <a:ln>
+            <a:noFill/>
+          </a:ln>
+        </p:spPr>
+        <p:style>
+          <a:lnRef idx="2">
+            <a:schemeClr val="accent1">
+              <a:shade val="50000"/>
+            </a:schemeClr>
+          </a:lnRef>
+          <a:fillRef idx="1">
+            <a:schemeClr val="accent1"/>
+          </a:fillRef>
+          <a:effectRef idx="0">
+            <a:schemeClr val="accent1"/>
+          </a:effectRef>
+          <a:fontRef idx="minor">
+            <a:schemeClr val="lt1"/>
+          </a:fontRef>
+        </p:style>
+        <p:txBody>
+          <a:bodyPr rtlCol="0" anchor="ctr"/>
+          <a:lstStyle/>
+          <a:p>
+            <a:pPr algn="ctr"/>
+            <a:endParaRPr lang="en-US"/>
+          </a:p>
+        </p:txBody>
+      </p:sp>
+      <p:sp>
+        <p:nvSpPr>
+          <p:cNvPr id="25" name="Rectangle 24">
+            <a:extLst>
+              <a:ext uri="{FF2B5EF4-FFF2-40B4-BE49-F238E27FC236}">
+                <a16:creationId xmlns:a16="http://schemas.microsoft.com/office/drawing/2014/main" id="{DB791336-FCAA-4174-9303-B3F374861110}"/>
+              </a:ext>
+              <a:ext uri="{C183D7F6-B498-43B3-948B-1728B52AA6E4}">
+                <adec:decorative xmlns:adec="http://schemas.microsoft.com/office/drawing/2017/decorative" val="1"/>
+              </a:ext>
+            </a:extLst>
+          </p:cNvPr>
+          <p:cNvSpPr>
+            <a:spLocks noGrp="1" noRot="1" noChangeAspect="1" noMove="1" noResize="1" noEditPoints="1" noAdjustHandles="1" noChangeArrowheads="1" noChangeShapeType="1" noTextEdit="1"/>
+          </p:cNvSpPr>
+          <p:nvPr>
+            <p:extLst>
+              <p:ext uri="{386F3935-93C4-4BCD-93E2-E3B085C9AB24}">
+                <p16:designElem xmlns:p16="http://schemas.microsoft.com/office/powerpoint/2015/main" val="1"/>
+              </p:ext>
+            </p:extLst>
+          </p:nvPr>
+        </p:nvSpPr>
+        <p:spPr>
+          <a:xfrm flipH="1">
+            <a:off x="4715122" y="6167615"/>
+            <a:ext cx="7473828" cy="690385"/>
+          </a:xfrm>
+          <a:prstGeom prst="rect">
+            <a:avLst/>
+          </a:prstGeom>
+          <a:solidFill>
+            <a:schemeClr val="bg1">
+              <a:alpha val="75000"/>
+            </a:schemeClr>
+          </a:solidFill>
+          <a:ln>
+            <a:noFill/>
+          </a:ln>
+        </p:spPr>
+        <p:style>
+          <a:lnRef idx="2">
+            <a:schemeClr val="accent1">
+              <a:shade val="50000"/>
+            </a:schemeClr>
+          </a:lnRef>
+          <a:fillRef idx="1">
+            <a:schemeClr val="accent1"/>
+          </a:fillRef>
+          <a:effectRef idx="0">
+            <a:schemeClr val="accent1"/>
+          </a:effectRef>
+          <a:fontRef idx="minor">
+            <a:schemeClr val="lt1"/>
+          </a:fontRef>
+        </p:style>
+        <p:txBody>
+          <a:bodyPr rtlCol="0" anchor="ctr"/>
+          <a:lstStyle/>
+          <a:p>
+            <a:pPr algn="ctr"/>
+            <a:endParaRPr lang="en-US"/>
+          </a:p>
+        </p:txBody>
+      </p:sp>
+      <p:sp>
+        <p:nvSpPr>
+          <p:cNvPr id="27" name="Rectangle 26">
+            <a:extLst>
+              <a:ext uri="{FF2B5EF4-FFF2-40B4-BE49-F238E27FC236}">
+                <a16:creationId xmlns:a16="http://schemas.microsoft.com/office/drawing/2014/main" id="{CA212158-300D-44D0-9CCE-472C3F669EE1}"/>
+              </a:ext>
+              <a:ext uri="{C183D7F6-B498-43B3-948B-1728B52AA6E4}">
+                <adec:decorative xmlns:adec="http://schemas.microsoft.com/office/drawing/2017/decorative" val="1"/>
+              </a:ext>
+            </a:extLst>
+          </p:cNvPr>
+          <p:cNvSpPr>
+            <a:spLocks noGrp="1" noRot="1" noChangeAspect="1" noMove="1" noResize="1" noEditPoints="1" noAdjustHandles="1" noChangeArrowheads="1" noChangeShapeType="1" noTextEdit="1"/>
+          </p:cNvSpPr>
+          <p:nvPr>
+            <p:extLst>
+              <p:ext uri="{386F3935-93C4-4BCD-93E2-E3B085C9AB24}">
+                <p16:designElem xmlns:p16="http://schemas.microsoft.com/office/powerpoint/2015/main" val="1"/>
+              </p:ext>
+            </p:extLst>
+          </p:nvPr>
+        </p:nvSpPr>
+        <p:spPr>
+          <a:xfrm>
+            <a:off x="1525" y="6109423"/>
+            <a:ext cx="12188951" cy="64008"/>
+          </a:xfrm>
+          <a:prstGeom prst="rect">
+            <a:avLst/>
+          </a:prstGeom>
+          <a:solidFill>
+            <a:schemeClr val="tx2"/>
+          </a:solidFill>
+          <a:ln>
+            <a:noFill/>
+          </a:ln>
+        </p:spPr>
+        <p:style>
+          <a:lnRef idx="2">
+            <a:schemeClr val="accent1">
+              <a:shade val="50000"/>
+            </a:schemeClr>
+          </a:lnRef>
+          <a:fillRef idx="1">
+            <a:schemeClr val="accent1"/>
+          </a:fillRef>
+          <a:effectRef idx="0">
+            <a:schemeClr val="accent1"/>
+          </a:effectRef>
+          <a:fontRef idx="minor">
+            <a:schemeClr val="lt1"/>
+          </a:fontRef>
+        </p:style>
+        <p:txBody>
+          <a:bodyPr rtlCol="0" anchor="ctr"/>
+          <a:lstStyle/>
+          <a:p>
+            <a:pPr algn="ctr"/>
+            <a:endParaRPr lang="en-US"/>
+          </a:p>
+        </p:txBody>
+      </p:sp>
+      <p:sp>
+        <p:nvSpPr>
+          <p:cNvPr id="29" name="Rectangle 28">
+            <a:extLst>
+              <a:ext uri="{FF2B5EF4-FFF2-40B4-BE49-F238E27FC236}">
+                <a16:creationId xmlns:a16="http://schemas.microsoft.com/office/drawing/2014/main" id="{988521F4-D44A-42C5-9BDB-5CA25554098B}"/>
+              </a:ext>
+              <a:ext uri="{C183D7F6-B498-43B3-948B-1728B52AA6E4}">
+                <adec:decorative xmlns:adec="http://schemas.microsoft.com/office/drawing/2017/decorative" val="1"/>
+              </a:ext>
+            </a:extLst>
+          </p:cNvPr>
+          <p:cNvSpPr>
+            <a:spLocks noGrp="1" noRot="1" noChangeAspect="1" noMove="1" noResize="1" noEditPoints="1" noAdjustHandles="1" noChangeArrowheads="1" noChangeShapeType="1" noTextEdit="1"/>
+          </p:cNvSpPr>
+          <p:nvPr>
+            <p:extLst>
+              <p:ext uri="{386F3935-93C4-4BCD-93E2-E3B085C9AB24}">
+                <p16:designElem xmlns:p16="http://schemas.microsoft.com/office/powerpoint/2015/main" val="1"/>
+              </p:ext>
+            </p:extLst>
+          </p:nvPr>
+        </p:nvSpPr>
+        <p:spPr>
+          <a:xfrm>
+            <a:off x="4656241" y="0"/>
+            <a:ext cx="64008" cy="6858000"/>
+          </a:xfrm>
+          <a:prstGeom prst="rect">
+            <a:avLst/>
+          </a:prstGeom>
+          <a:solidFill>
+            <a:schemeClr val="tx2"/>
+          </a:solidFill>
+          <a:ln>
+            <a:noFill/>
+          </a:ln>
+        </p:spPr>
+        <p:style>
+          <a:lnRef idx="2">
+            <a:schemeClr val="accent1">
+              <a:shade val="50000"/>
+            </a:schemeClr>
+          </a:lnRef>
+          <a:fillRef idx="1">
+            <a:schemeClr val="accent1"/>
+          </a:fillRef>
+          <a:effectRef idx="0">
+            <a:schemeClr val="accent1"/>
+          </a:effectRef>
+          <a:fontRef idx="minor">
+            <a:schemeClr val="lt1"/>
+          </a:fontRef>
+        </p:style>
+        <p:txBody>
+          <a:bodyPr rtlCol="0" anchor="ctr"/>
+          <a:lstStyle/>
+          <a:p>
+            <a:pPr algn="ctr"/>
+            <a:endParaRPr lang="en-US"/>
+          </a:p>
+        </p:txBody>
+      </p:sp>
+      <p:sp>
+        <p:nvSpPr>
+          <p:cNvPr id="31" name="Rectangle 30">
+            <a:extLst>
+              <a:ext uri="{FF2B5EF4-FFF2-40B4-BE49-F238E27FC236}">
+                <a16:creationId xmlns:a16="http://schemas.microsoft.com/office/drawing/2014/main" id="{5E6738EB-6FF0-4AF9-8462-57F4494B88B2}"/>
+              </a:ext>
+              <a:ext uri="{C183D7F6-B498-43B3-948B-1728B52AA6E4}">
+                <adec:decorative xmlns:adec="http://schemas.microsoft.com/office/drawing/2017/decorative" val="1"/>
+              </a:ext>
+            </a:extLst>
+          </p:cNvPr>
+          <p:cNvSpPr>
+            <a:spLocks noGrp="1" noRot="1" noChangeAspect="1" noMove="1" noResize="1" noEditPoints="1" noAdjustHandles="1" noChangeArrowheads="1" noChangeShapeType="1" noTextEdit="1"/>
+          </p:cNvSpPr>
+          <p:nvPr>
+            <p:extLst>
+              <p:ext uri="{386F3935-93C4-4BCD-93E2-E3B085C9AB24}">
+                <p16:designElem xmlns:p16="http://schemas.microsoft.com/office/powerpoint/2015/main" val="1"/>
+              </p:ext>
+            </p:extLst>
+          </p:nvPr>
+        </p:nvSpPr>
+        <p:spPr>
+          <a:xfrm>
+            <a:off x="1525" y="713436"/>
+            <a:ext cx="12188951" cy="64008"/>
+          </a:xfrm>
+          <a:prstGeom prst="rect">
+            <a:avLst/>
+          </a:prstGeom>
+          <a:solidFill>
+            <a:schemeClr val="tx2"/>
+          </a:solidFill>
+          <a:ln>
+            <a:noFill/>
+          </a:ln>
+        </p:spPr>
+        <p:style>
+          <a:lnRef idx="2">
+            <a:schemeClr val="accent1">
+              <a:shade val="50000"/>
+            </a:schemeClr>
+          </a:lnRef>
+          <a:fillRef idx="1">
+            <a:schemeClr val="accent1"/>
+          </a:fillRef>
+          <a:effectRef idx="0">
+            <a:schemeClr val="accent1"/>
+          </a:effectRef>
+          <a:fontRef idx="minor">
+            <a:schemeClr val="lt1"/>
+          </a:fontRef>
+        </p:style>
+        <p:txBody>
+          <a:bodyPr rtlCol="0" anchor="ctr"/>
+          <a:lstStyle/>
+          <a:p>
+            <a:pPr algn="ctr"/>
+            <a:endParaRPr lang="en-US"/>
+          </a:p>
+        </p:txBody>
+      </p:sp>
+    </p:spTree>
+    <p:extLst>
+      <p:ext uri="{BB962C8B-B14F-4D97-AF65-F5344CB8AC3E}">
+        <p14:creationId xmlns:p14="http://schemas.microsoft.com/office/powerpoint/2010/main" val="1225559708"/>
+      </p:ext>
+    </p:extLst>
+  </p:cSld>
+  <p:clrMapOvr>
+    <a:masterClrMapping/>
+  </p:clrMapOvr>
+</p:sld>
+</file>
+
+<file path=ppt/slides/slide7.xml><?xml version="1.0" encoding="utf-8"?>
+<p:sld xmlns:a="http://schemas.openxmlformats.org/drawingml/2006/main" xmlns:r="http://schemas.openxmlformats.org/officeDocument/2006/relationships" xmlns:p="http://schemas.openxmlformats.org/presentationml/2006/main">
+  <p:cSld>
+    <p:spTree>
+      <p:nvGrpSpPr>
+        <p:cNvPr id="1" name=""/>
+        <p:cNvGrpSpPr/>
+        <p:nvPr/>
+      </p:nvGrpSpPr>
+      <p:grpSpPr>
+        <a:xfrm>
+          <a:off x="0" y="0"/>
+          <a:ext cx="0" cy="0"/>
+          <a:chOff x="0" y="0"/>
+          <a:chExt cx="0" cy="0"/>
+        </a:xfrm>
+      </p:grpSpPr>
+      <p:sp>
+        <p:nvSpPr>
+          <p:cNvPr id="2" name="Title 1">
+            <a:extLst>
+              <a:ext uri="{FF2B5EF4-FFF2-40B4-BE49-F238E27FC236}">
+                <a16:creationId xmlns:a16="http://schemas.microsoft.com/office/drawing/2014/main" id="{E2D30E0F-10C6-298A-C347-E831FFF4ECB8}"/>
+              </a:ext>
+            </a:extLst>
+          </p:cNvPr>
+          <p:cNvSpPr>
+            <a:spLocks noGrp="1"/>
+          </p:cNvSpPr>
+          <p:nvPr>
+            <p:ph type="title"/>
+          </p:nvPr>
+        </p:nvSpPr>
+        <p:spPr/>
+        <p:txBody>
+          <a:bodyPr/>
+          <a:lstStyle/>
+          <a:p>
+            <a:r>
+              <a:rPr lang="en-US" dirty="0"/>
+              <a:t>Approach: Analysis</a:t>
+            </a:r>
+          </a:p>
+        </p:txBody>
+      </p:sp>
+      <p:sp>
+        <p:nvSpPr>
+          <p:cNvPr id="4" name="Content Placeholder 3">
+            <a:extLst>
+              <a:ext uri="{FF2B5EF4-FFF2-40B4-BE49-F238E27FC236}">
+                <a16:creationId xmlns:a16="http://schemas.microsoft.com/office/drawing/2014/main" id="{4B1BF1AC-C624-2AD2-DA0F-335AB7BA2CA8}"/>
+              </a:ext>
+            </a:extLst>
+          </p:cNvPr>
+          <p:cNvSpPr>
+            <a:spLocks noGrp="1"/>
+          </p:cNvSpPr>
+          <p:nvPr>
+            <p:ph sz="quarter" idx="17"/>
+          </p:nvPr>
+        </p:nvSpPr>
+        <p:spPr>
+          <a:xfrm>
+            <a:off x="1535372" y="2590800"/>
+            <a:ext cx="10184840" cy="3718557"/>
+          </a:xfrm>
+        </p:spPr>
+        <p:txBody>
+          <a:bodyPr>
+            <a:normAutofit/>
+          </a:bodyPr>
+          <a:lstStyle/>
+          <a:p>
+            <a:r>
+              <a:rPr lang="en-US" dirty="0"/>
+              <a:t>Then the ages within those groups were compared statistically</a:t>
+            </a:r>
+          </a:p>
+        </p:txBody>
+      </p:sp>
+      <p:pic>
+        <p:nvPicPr>
+          <p:cNvPr id="5" name="Picture 4">
+            <a:extLst>
+              <a:ext uri="{FF2B5EF4-FFF2-40B4-BE49-F238E27FC236}">
+                <a16:creationId xmlns:a16="http://schemas.microsoft.com/office/drawing/2014/main" id="{E23F3D86-E45F-2A85-17CD-C8E106A840AE}"/>
+              </a:ext>
+            </a:extLst>
+          </p:cNvPr>
+          <p:cNvPicPr>
+            <a:picLocks noChangeAspect="1"/>
+          </p:cNvPicPr>
+          <p:nvPr/>
+        </p:nvPicPr>
+        <p:blipFill>
+          <a:blip r:embed="rId3"/>
+          <a:stretch>
+            <a:fillRect/>
+          </a:stretch>
+        </p:blipFill>
+        <p:spPr>
+          <a:xfrm>
+            <a:off x="1535371" y="3650582"/>
+            <a:ext cx="6011114" cy="2057687"/>
+          </a:xfrm>
+          <a:prstGeom prst="rect">
+            <a:avLst/>
+          </a:prstGeom>
+        </p:spPr>
+      </p:pic>
+      <p:pic>
+        <p:nvPicPr>
+          <p:cNvPr id="9" name="Picture 8">
+            <a:extLst>
+              <a:ext uri="{FF2B5EF4-FFF2-40B4-BE49-F238E27FC236}">
+                <a16:creationId xmlns:a16="http://schemas.microsoft.com/office/drawing/2014/main" id="{6CF38857-FF9F-F788-774D-555F2585684C}"/>
+              </a:ext>
+            </a:extLst>
+          </p:cNvPr>
+          <p:cNvPicPr>
+            <a:picLocks noChangeAspect="1"/>
+          </p:cNvPicPr>
+          <p:nvPr/>
+        </p:nvPicPr>
+        <p:blipFill>
+          <a:blip r:embed="rId4"/>
+          <a:stretch>
+            <a:fillRect/>
+          </a:stretch>
+        </p:blipFill>
+        <p:spPr>
+          <a:xfrm>
+            <a:off x="7193105" y="3660108"/>
+            <a:ext cx="3172268" cy="2048161"/>
+          </a:xfrm>
+          <a:prstGeom prst="rect">
+            <a:avLst/>
+          </a:prstGeom>
+        </p:spPr>
+      </p:pic>
+    </p:spTree>
+    <p:extLst>
+      <p:ext uri="{BB962C8B-B14F-4D97-AF65-F5344CB8AC3E}">
+        <p14:creationId xmlns:p14="http://schemas.microsoft.com/office/powerpoint/2010/main" val="284503839"/>
       </p:ext>
     </p:extLst>
   </p:cSld>
@@ -10346,7 +13863,7 @@
           <a:p>
             <a:r>
               <a:rPr lang="en-US" dirty="0"/>
-              <a:t>Next Steps</a:t>
+              <a:t>Approach: Analysis</a:t>
             </a:r>
           </a:p>
         </p:txBody>
@@ -10379,79 +13896,19 @@
           </a:bodyPr>
           <a:lstStyle/>
           <a:p>
-            <a:pPr algn="l">
-              <a:buFont typeface="Arial" panose="020B0604020202020204" pitchFamily="34" charset="0"/>
-              <a:buChar char="•"/>
-            </a:pPr>
-            <a:r>
-              <a:rPr lang="en-US" b="0" i="0" dirty="0">
-                <a:solidFill>
-                  <a:srgbClr val="212121"/>
-                </a:solidFill>
-                <a:effectLst/>
-                <a:highlight>
-                  <a:srgbClr val="FFFFFF"/>
-                </a:highlight>
-                <a:latin typeface="Roboto" panose="02000000000000000000" pitchFamily="2" charset="0"/>
-              </a:rPr>
-              <a:t>Complete the same exercise for females</a:t>
-            </a:r>
-          </a:p>
-          <a:p>
-            <a:pPr algn="l">
-              <a:buFont typeface="Arial" panose="020B0604020202020204" pitchFamily="34" charset="0"/>
-              <a:buChar char="•"/>
-            </a:pPr>
-            <a:r>
-              <a:rPr lang="en-US" b="0" i="0" dirty="0">
-                <a:solidFill>
-                  <a:srgbClr val="212121"/>
-                </a:solidFill>
-                <a:effectLst/>
-                <a:highlight>
-                  <a:srgbClr val="FFFFFF"/>
-                </a:highlight>
-                <a:latin typeface="Roboto" panose="02000000000000000000" pitchFamily="2" charset="0"/>
-              </a:rPr>
-              <a:t>Research other parts of the body to see if there are stand-outs which we may wish to explore (e.g. R&amp;D into braces for new body parts)</a:t>
-            </a:r>
-          </a:p>
-          <a:p>
-            <a:pPr algn="l">
-              <a:buFont typeface="Arial" panose="020B0604020202020204" pitchFamily="34" charset="0"/>
-              <a:buChar char="•"/>
-            </a:pPr>
-            <a:r>
-              <a:rPr lang="en-US" b="0" i="0" dirty="0">
-                <a:solidFill>
-                  <a:srgbClr val="212121"/>
-                </a:solidFill>
-                <a:effectLst/>
-                <a:highlight>
-                  <a:srgbClr val="FFFFFF"/>
-                </a:highlight>
-                <a:latin typeface="Roboto" panose="02000000000000000000" pitchFamily="2" charset="0"/>
-              </a:rPr>
-              <a:t>Explore trends over multiple years of the available data. For example, if the median age for Ankle injuries is trending downwards then we may wish to explore partnerships with High School sports programs.</a:t>
-            </a:r>
-          </a:p>
-          <a:p>
-            <a:pPr marL="0" indent="0" algn="l">
-              <a:buNone/>
-            </a:pPr>
-            <a:r>
-              <a:rPr lang="en-US" b="1" i="0" dirty="0">
-                <a:solidFill>
-                  <a:srgbClr val="212121"/>
-                </a:solidFill>
-                <a:effectLst/>
-                <a:highlight>
-                  <a:srgbClr val="FFFFFF"/>
-                </a:highlight>
-                <a:latin typeface="Roboto" panose="02000000000000000000" pitchFamily="2" charset="0"/>
-              </a:rPr>
-              <a:t>This dataset is rich. Given time to explore, we believe we can continue to extract useful insights.</a:t>
-            </a:r>
+            <a:r>
+              <a:rPr lang="en-US" dirty="0"/>
+              <a:t>Normality testing, Kruskal-Wallis, and Dunn’s testing were all executed using python</a:t>
+            </a:r>
+          </a:p>
+          <a:p>
+            <a:r>
+              <a:rPr lang="en-US" dirty="0"/>
+              <a:t>Bootstrap sampling was used to calculate medians and confidence intervals</a:t>
+            </a:r>
+          </a:p>
+          <a:p>
+            <a:endParaRPr lang="en-US" dirty="0"/>
           </a:p>
           <a:p>
             <a:endParaRPr lang="en-US" dirty="0"/>
@@ -10460,10 +13917,10 @@
       </p:sp>
       <p:pic>
         <p:nvPicPr>
-          <p:cNvPr id="5" name="Picture 4">
-            <a:extLst>
-              <a:ext uri="{FF2B5EF4-FFF2-40B4-BE49-F238E27FC236}">
-                <a16:creationId xmlns:a16="http://schemas.microsoft.com/office/drawing/2014/main" id="{2D2B9EE4-B6D3-BC9E-E843-280DC141835A}"/>
+          <p:cNvPr id="6" name="Picture 5">
+            <a:extLst>
+              <a:ext uri="{FF2B5EF4-FFF2-40B4-BE49-F238E27FC236}">
+                <a16:creationId xmlns:a16="http://schemas.microsoft.com/office/drawing/2014/main" id="{CA37BC92-00BD-49A9-4763-2A1705A25E56}"/>
               </a:ext>
             </a:extLst>
           </p:cNvPr>
@@ -10480,8 +13937,68 @@
         </p:blipFill>
         <p:spPr>
           <a:xfrm>
-            <a:off x="4901287" y="922708"/>
-            <a:ext cx="2629267" cy="1295581"/>
+            <a:off x="3123569" y="4461249"/>
+            <a:ext cx="1762371" cy="1848108"/>
+          </a:xfrm>
+          <a:prstGeom prst="rect">
+            <a:avLst/>
+          </a:prstGeom>
+        </p:spPr>
+      </p:pic>
+      <p:pic>
+        <p:nvPicPr>
+          <p:cNvPr id="8" name="Picture 7">
+            <a:extLst>
+              <a:ext uri="{FF2B5EF4-FFF2-40B4-BE49-F238E27FC236}">
+                <a16:creationId xmlns:a16="http://schemas.microsoft.com/office/drawing/2014/main" id="{FFA5DE4A-535D-D155-B339-5AC0DD30F350}"/>
+              </a:ext>
+            </a:extLst>
+          </p:cNvPr>
+          <p:cNvPicPr>
+            <a:picLocks noChangeAspect="1"/>
+          </p:cNvPicPr>
+          <p:nvPr/>
+        </p:nvPicPr>
+        <p:blipFill>
+          <a:blip r:embed="rId4"/>
+          <a:stretch>
+            <a:fillRect/>
+          </a:stretch>
+        </p:blipFill>
+        <p:spPr>
+          <a:xfrm>
+            <a:off x="5238289" y="4495207"/>
+            <a:ext cx="1715422" cy="1814150"/>
+          </a:xfrm>
+          <a:prstGeom prst="rect">
+            <a:avLst/>
+          </a:prstGeom>
+        </p:spPr>
+      </p:pic>
+      <p:pic>
+        <p:nvPicPr>
+          <p:cNvPr id="11" name="Picture 10">
+            <a:extLst>
+              <a:ext uri="{FF2B5EF4-FFF2-40B4-BE49-F238E27FC236}">
+                <a16:creationId xmlns:a16="http://schemas.microsoft.com/office/drawing/2014/main" id="{7C475F23-1000-1A6E-FA24-852CD428BF11}"/>
+              </a:ext>
+            </a:extLst>
+          </p:cNvPr>
+          <p:cNvPicPr>
+            <a:picLocks noChangeAspect="1"/>
+          </p:cNvPicPr>
+          <p:nvPr/>
+        </p:nvPicPr>
+        <p:blipFill>
+          <a:blip r:embed="rId5"/>
+          <a:stretch>
+            <a:fillRect/>
+          </a:stretch>
+        </p:blipFill>
+        <p:spPr>
+          <a:xfrm>
+            <a:off x="7306060" y="4495207"/>
+            <a:ext cx="2564832" cy="1814149"/>
           </a:xfrm>
           <a:prstGeom prst="rect">
             <a:avLst/>
@@ -10491,7 +14008,7 @@
     </p:spTree>
     <p:extLst>
       <p:ext uri="{BB962C8B-B14F-4D97-AF65-F5344CB8AC3E}">
-        <p14:creationId xmlns:p14="http://schemas.microsoft.com/office/powerpoint/2010/main" val="1539378494"/>
+        <p14:creationId xmlns:p14="http://schemas.microsoft.com/office/powerpoint/2010/main" val="2193660846"/>
       </p:ext>
     </p:extLst>
   </p:cSld>
@@ -10504,6 +14021,14 @@
 <file path=ppt/slides/slide9.xml><?xml version="1.0" encoding="utf-8"?>
 <p:sld xmlns:a="http://schemas.openxmlformats.org/drawingml/2006/main" xmlns:r="http://schemas.openxmlformats.org/officeDocument/2006/relationships" xmlns:p="http://schemas.openxmlformats.org/presentationml/2006/main">
   <p:cSld>
+    <p:bg>
+      <p:bgPr>
+        <a:solidFill>
+          <a:schemeClr val="bg2"/>
+        </a:solidFill>
+        <a:effectLst/>
+      </p:bgPr>
+    </p:bg>
     <p:spTree>
       <p:nvGrpSpPr>
         <p:cNvPr id="1" name=""/>
@@ -10520,6 +14045,259 @@
       </p:grpSpPr>
       <p:sp>
         <p:nvSpPr>
+          <p:cNvPr id="12" name="Rectangle 11">
+            <a:extLst>
+              <a:ext uri="{FF2B5EF4-FFF2-40B4-BE49-F238E27FC236}">
+                <a16:creationId xmlns:a16="http://schemas.microsoft.com/office/drawing/2014/main" id="{0786F82F-1B47-46ED-8EAE-53EF71E59E9A}"/>
+              </a:ext>
+              <a:ext uri="{C183D7F6-B498-43B3-948B-1728B52AA6E4}">
+                <adec:decorative xmlns:adec="http://schemas.microsoft.com/office/drawing/2017/decorative" val="1"/>
+              </a:ext>
+            </a:extLst>
+          </p:cNvPr>
+          <p:cNvSpPr>
+            <a:spLocks noGrp="1" noRot="1" noChangeAspect="1" noMove="1" noResize="1" noEditPoints="1" noAdjustHandles="1" noChangeArrowheads="1" noChangeShapeType="1" noTextEdit="1"/>
+          </p:cNvSpPr>
+          <p:nvPr>
+            <p:extLst>
+              <p:ext uri="{386F3935-93C4-4BCD-93E2-E3B085C9AB24}">
+                <p16:designElem xmlns:p16="http://schemas.microsoft.com/office/powerpoint/2015/main" val="1"/>
+              </p:ext>
+            </p:extLst>
+          </p:nvPr>
+        </p:nvSpPr>
+        <p:spPr>
+          <a:xfrm>
+            <a:off x="4718302" y="0"/>
+            <a:ext cx="7473698" cy="6858000"/>
+          </a:xfrm>
+          <a:prstGeom prst="rect">
+            <a:avLst/>
+          </a:prstGeom>
+          <a:solidFill>
+            <a:schemeClr val="bg1">
+              <a:alpha val="75000"/>
+            </a:schemeClr>
+          </a:solidFill>
+          <a:ln>
+            <a:noFill/>
+          </a:ln>
+        </p:spPr>
+        <p:style>
+          <a:lnRef idx="2">
+            <a:schemeClr val="accent1">
+              <a:shade val="50000"/>
+            </a:schemeClr>
+          </a:lnRef>
+          <a:fillRef idx="1">
+            <a:schemeClr val="accent1"/>
+          </a:fillRef>
+          <a:effectRef idx="0">
+            <a:schemeClr val="accent1"/>
+          </a:effectRef>
+          <a:fontRef idx="minor">
+            <a:schemeClr val="lt1"/>
+          </a:fontRef>
+        </p:style>
+        <p:txBody>
+          <a:bodyPr rtlCol="0" anchor="ctr"/>
+          <a:lstStyle/>
+          <a:p>
+            <a:pPr algn="ctr"/>
+            <a:endParaRPr lang="en-US"/>
+          </a:p>
+        </p:txBody>
+      </p:sp>
+      <p:sp>
+        <p:nvSpPr>
+          <p:cNvPr id="14" name="Rectangle 13">
+            <a:extLst>
+              <a:ext uri="{FF2B5EF4-FFF2-40B4-BE49-F238E27FC236}">
+                <a16:creationId xmlns:a16="http://schemas.microsoft.com/office/drawing/2014/main" id="{EF1BAF6F-6275-4646-9C59-331B29B9550F}"/>
+              </a:ext>
+              <a:ext uri="{C183D7F6-B498-43B3-948B-1728B52AA6E4}">
+                <adec:decorative xmlns:adec="http://schemas.microsoft.com/office/drawing/2017/decorative" val="1"/>
+              </a:ext>
+            </a:extLst>
+          </p:cNvPr>
+          <p:cNvSpPr>
+            <a:spLocks noGrp="1" noRot="1" noChangeAspect="1" noMove="1" noResize="1" noEditPoints="1" noAdjustHandles="1" noChangeArrowheads="1" noChangeShapeType="1" noTextEdit="1"/>
+          </p:cNvSpPr>
+          <p:nvPr>
+            <p:extLst>
+              <p:ext uri="{386F3935-93C4-4BCD-93E2-E3B085C9AB24}">
+                <p16:designElem xmlns:p16="http://schemas.microsoft.com/office/powerpoint/2015/main" val="1"/>
+              </p:ext>
+            </p:extLst>
+          </p:nvPr>
+        </p:nvSpPr>
+        <p:spPr>
+          <a:xfrm rot="5400000">
+            <a:off x="1257298" y="3396997"/>
+            <a:ext cx="6858002" cy="64008"/>
+          </a:xfrm>
+          <a:prstGeom prst="rect">
+            <a:avLst/>
+          </a:prstGeom>
+          <a:solidFill>
+            <a:schemeClr val="tx2"/>
+          </a:solidFill>
+          <a:ln>
+            <a:noFill/>
+          </a:ln>
+        </p:spPr>
+        <p:style>
+          <a:lnRef idx="2">
+            <a:schemeClr val="accent1">
+              <a:shade val="50000"/>
+            </a:schemeClr>
+          </a:lnRef>
+          <a:fillRef idx="1">
+            <a:schemeClr val="accent1"/>
+          </a:fillRef>
+          <a:effectRef idx="0">
+            <a:schemeClr val="accent1"/>
+          </a:effectRef>
+          <a:fontRef idx="minor">
+            <a:schemeClr val="lt1"/>
+          </a:fontRef>
+        </p:style>
+        <p:txBody>
+          <a:bodyPr rtlCol="0" anchor="ctr"/>
+          <a:lstStyle/>
+          <a:p>
+            <a:pPr algn="ctr"/>
+            <a:endParaRPr lang="en-US"/>
+          </a:p>
+        </p:txBody>
+      </p:sp>
+      <p:sp useBgFill="1">
+        <p:nvSpPr>
+          <p:cNvPr id="16" name="Rectangle 15">
+            <a:extLst>
+              <a:ext uri="{FF2B5EF4-FFF2-40B4-BE49-F238E27FC236}">
+                <a16:creationId xmlns:a16="http://schemas.microsoft.com/office/drawing/2014/main" id="{099405E2-1A96-4DBA-A9DC-4C2A1B421CA9}"/>
+              </a:ext>
+              <a:ext uri="{C183D7F6-B498-43B3-948B-1728B52AA6E4}">
+                <adec:decorative xmlns:adec="http://schemas.microsoft.com/office/drawing/2017/decorative" val="1"/>
+              </a:ext>
+            </a:extLst>
+          </p:cNvPr>
+          <p:cNvSpPr>
+            <a:spLocks noGrp="1" noRot="1" noChangeAspect="1" noMove="1" noResize="1" noEditPoints="1" noAdjustHandles="1" noChangeArrowheads="1" noChangeShapeType="1" noTextEdit="1"/>
+          </p:cNvSpPr>
+          <p:nvPr>
+            <p:extLst>
+              <p:ext uri="{386F3935-93C4-4BCD-93E2-E3B085C9AB24}">
+                <p16:designElem xmlns:p16="http://schemas.microsoft.com/office/powerpoint/2015/main" val="1"/>
+              </p:ext>
+            </p:extLst>
+          </p:nvPr>
+        </p:nvSpPr>
+        <p:spPr>
+          <a:xfrm flipH="1">
+            <a:off x="0" y="0"/>
+            <a:ext cx="12192001" cy="6858000"/>
+          </a:xfrm>
+          <a:prstGeom prst="rect">
+            <a:avLst/>
+          </a:prstGeom>
+          <a:ln>
+            <a:noFill/>
+          </a:ln>
+        </p:spPr>
+        <p:style>
+          <a:lnRef idx="2">
+            <a:schemeClr val="accent1">
+              <a:shade val="50000"/>
+            </a:schemeClr>
+          </a:lnRef>
+          <a:fillRef idx="1">
+            <a:schemeClr val="accent1"/>
+          </a:fillRef>
+          <a:effectRef idx="0">
+            <a:schemeClr val="accent1"/>
+          </a:effectRef>
+          <a:fontRef idx="minor">
+            <a:schemeClr val="lt1"/>
+          </a:fontRef>
+        </p:style>
+        <p:txBody>
+          <a:bodyPr rtlCol="0" anchor="ctr"/>
+          <a:lstStyle/>
+          <a:p>
+            <a:pPr algn="ctr"/>
+            <a:endParaRPr lang="en-US" dirty="0"/>
+          </a:p>
+        </p:txBody>
+      </p:sp>
+      <p:sp>
+        <p:nvSpPr>
+          <p:cNvPr id="18" name="Rectangle 17">
+            <a:extLst>
+              <a:ext uri="{FF2B5EF4-FFF2-40B4-BE49-F238E27FC236}">
+                <a16:creationId xmlns:a16="http://schemas.microsoft.com/office/drawing/2014/main" id="{79855050-A75B-4DD0-9B56-8B1C7722D884}"/>
+              </a:ext>
+              <a:ext uri="{C183D7F6-B498-43B3-948B-1728B52AA6E4}">
+                <adec:decorative xmlns:adec="http://schemas.microsoft.com/office/drawing/2017/decorative" val="1"/>
+              </a:ext>
+            </a:extLst>
+          </p:cNvPr>
+          <p:cNvSpPr>
+            <a:spLocks noGrp="1" noRot="1" noChangeAspect="1" noMove="1" noResize="1" noEditPoints="1" noAdjustHandles="1" noChangeArrowheads="1" noChangeShapeType="1" noTextEdit="1"/>
+          </p:cNvSpPr>
+          <p:nvPr>
+            <p:extLst>
+              <p:ext uri="{386F3935-93C4-4BCD-93E2-E3B085C9AB24}">
+                <p16:designElem xmlns:p16="http://schemas.microsoft.com/office/powerpoint/2015/main" val="1"/>
+              </p:ext>
+            </p:extLst>
+          </p:nvPr>
+        </p:nvSpPr>
+        <p:spPr>
+          <a:xfrm flipH="1">
+            <a:off x="-7235" y="758246"/>
+            <a:ext cx="4658480" cy="5386318"/>
+          </a:xfrm>
+          <a:prstGeom prst="rect">
+            <a:avLst/>
+          </a:prstGeom>
+          <a:solidFill>
+            <a:schemeClr val="bg1">
+              <a:alpha val="75000"/>
+            </a:schemeClr>
+          </a:solidFill>
+          <a:ln>
+            <a:noFill/>
+          </a:ln>
+        </p:spPr>
+        <p:style>
+          <a:lnRef idx="2">
+            <a:schemeClr val="accent1">
+              <a:shade val="50000"/>
+            </a:schemeClr>
+          </a:lnRef>
+          <a:fillRef idx="1">
+            <a:schemeClr val="accent1"/>
+          </a:fillRef>
+          <a:effectRef idx="0">
+            <a:schemeClr val="accent1"/>
+          </a:effectRef>
+          <a:fontRef idx="minor">
+            <a:schemeClr val="lt1"/>
+          </a:fontRef>
+        </p:style>
+        <p:txBody>
+          <a:bodyPr rtlCol="0" anchor="ctr"/>
+          <a:lstStyle/>
+          <a:p>
+            <a:pPr algn="ctr"/>
+            <a:endParaRPr lang="en-US"/>
+          </a:p>
+        </p:txBody>
+      </p:sp>
+      <p:sp>
+        <p:nvSpPr>
           <p:cNvPr id="2" name="Title 1">
             <a:extLst>
               <a:ext uri="{FF2B5EF4-FFF2-40B4-BE49-F238E27FC236}">
@@ -10534,22 +14312,512 @@
             <p:ph type="title"/>
           </p:nvPr>
         </p:nvSpPr>
-        <p:spPr/>
-        <p:txBody>
-          <a:bodyPr/>
-          <a:lstStyle/>
-          <a:p>
+        <p:spPr>
+          <a:xfrm>
+            <a:off x="642918" y="1072110"/>
+            <a:ext cx="3611029" cy="1862345"/>
+          </a:xfrm>
+        </p:spPr>
+        <p:txBody>
+          <a:bodyPr vert="horz" lIns="109728" tIns="109728" rIns="109728" bIns="91440" rtlCol="0" anchor="ctr">
+            <a:normAutofit/>
+          </a:bodyPr>
+          <a:lstStyle/>
+          <a:p>
+            <a:pPr>
+              <a:lnSpc>
+                <a:spcPct val="150000"/>
+              </a:lnSpc>
+            </a:pPr>
+            <a:r>
+              <a:rPr lang="en-US" sz="3600">
+                <a:solidFill>
+                  <a:schemeClr val="tx1">
+                    <a:lumMod val="75000"/>
+                    <a:lumOff val="25000"/>
+                  </a:schemeClr>
+                </a:solidFill>
+              </a:rPr>
+              <a:t>Results</a:t>
+            </a:r>
+          </a:p>
+        </p:txBody>
+      </p:sp>
+      <p:sp>
+        <p:nvSpPr>
+          <p:cNvPr id="20" name="Rectangle 19">
+            <a:extLst>
+              <a:ext uri="{FF2B5EF4-FFF2-40B4-BE49-F238E27FC236}">
+                <a16:creationId xmlns:a16="http://schemas.microsoft.com/office/drawing/2014/main" id="{2060C0F7-61A6-4E64-A77E-AFBD81127352}"/>
+              </a:ext>
+              <a:ext uri="{C183D7F6-B498-43B3-948B-1728B52AA6E4}">
+                <adec:decorative xmlns:adec="http://schemas.microsoft.com/office/drawing/2017/decorative" val="1"/>
+              </a:ext>
+            </a:extLst>
+          </p:cNvPr>
+          <p:cNvSpPr>
+            <a:spLocks noGrp="1" noRot="1" noChangeAspect="1" noMove="1" noResize="1" noEditPoints="1" noAdjustHandles="1" noChangeArrowheads="1" noChangeShapeType="1" noTextEdit="1"/>
+          </p:cNvSpPr>
+          <p:nvPr>
+            <p:extLst>
+              <p:ext uri="{386F3935-93C4-4BCD-93E2-E3B085C9AB24}">
+                <p16:designElem xmlns:p16="http://schemas.microsoft.com/office/powerpoint/2015/main" val="1"/>
+              </p:ext>
+            </p:extLst>
+          </p:nvPr>
+        </p:nvSpPr>
+        <p:spPr>
+          <a:xfrm flipH="1">
+            <a:off x="4684060" y="0"/>
+            <a:ext cx="7507940" cy="765228"/>
+          </a:xfrm>
+          <a:prstGeom prst="rect">
+            <a:avLst/>
+          </a:prstGeom>
+          <a:solidFill>
+            <a:schemeClr val="bg1">
+              <a:alpha val="75000"/>
+            </a:schemeClr>
+          </a:solidFill>
+          <a:ln>
+            <a:noFill/>
+          </a:ln>
+        </p:spPr>
+        <p:style>
+          <a:lnRef idx="2">
+            <a:schemeClr val="accent1">
+              <a:shade val="50000"/>
+            </a:schemeClr>
+          </a:lnRef>
+          <a:fillRef idx="1">
+            <a:schemeClr val="accent1"/>
+          </a:fillRef>
+          <a:effectRef idx="0">
+            <a:schemeClr val="accent1"/>
+          </a:effectRef>
+          <a:fontRef idx="minor">
+            <a:schemeClr val="lt1"/>
+          </a:fontRef>
+        </p:style>
+        <p:txBody>
+          <a:bodyPr rtlCol="0" anchor="ctr"/>
+          <a:lstStyle/>
+          <a:p>
+            <a:pPr algn="ctr"/>
+            <a:endParaRPr lang="en-US"/>
+          </a:p>
+        </p:txBody>
+      </p:sp>
+      <p:sp>
+        <p:nvSpPr>
+          <p:cNvPr id="4" name="Content Placeholder 3">
+            <a:extLst>
+              <a:ext uri="{FF2B5EF4-FFF2-40B4-BE49-F238E27FC236}">
+                <a16:creationId xmlns:a16="http://schemas.microsoft.com/office/drawing/2014/main" id="{4B1BF1AC-C624-2AD2-DA0F-335AB7BA2CA8}"/>
+              </a:ext>
+            </a:extLst>
+          </p:cNvPr>
+          <p:cNvSpPr>
+            <a:spLocks noGrp="1"/>
+          </p:cNvSpPr>
+          <p:nvPr>
+            <p:ph sz="quarter" idx="17"/>
+          </p:nvPr>
+        </p:nvSpPr>
+        <p:spPr>
+          <a:xfrm>
+            <a:off x="637874" y="2934455"/>
+            <a:ext cx="3616073" cy="2840139"/>
+          </a:xfrm>
+        </p:spPr>
+        <p:txBody>
+          <a:bodyPr vert="horz" lIns="109728" tIns="109728" rIns="109728" bIns="91440" rtlCol="0" anchor="t">
+            <a:normAutofit/>
+          </a:bodyPr>
+          <a:lstStyle/>
+          <a:p>
+            <a:pPr marL="0">
+              <a:lnSpc>
+                <a:spcPct val="130000"/>
+              </a:lnSpc>
+              <a:buFont typeface="Corbel" panose="020B0503020204020204" pitchFamily="34" charset="0"/>
+            </a:pPr>
             <a:r>
               <a:rPr lang="en-US" dirty="0"/>
-              <a:t>Discussion/Questions</a:t>
-            </a:r>
+              <a:t>A p-value of .05 / Confidence Interval of 95% was used and each body part was found to have a statistically separate affected age range</a:t>
+            </a:r>
+          </a:p>
+          <a:p>
+            <a:pPr marL="0">
+              <a:lnSpc>
+                <a:spcPct val="130000"/>
+              </a:lnSpc>
+              <a:buFont typeface="Corbel" panose="020B0503020204020204" pitchFamily="34" charset="0"/>
+            </a:pPr>
+            <a:endParaRPr lang="en-US" dirty="0"/>
+          </a:p>
+          <a:p>
+            <a:pPr marL="0">
+              <a:lnSpc>
+                <a:spcPct val="130000"/>
+              </a:lnSpc>
+              <a:buFont typeface="Corbel" panose="020B0503020204020204" pitchFamily="34" charset="0"/>
+            </a:pPr>
+            <a:endParaRPr lang="en-US" dirty="0"/>
+          </a:p>
+        </p:txBody>
+      </p:sp>
+      <p:pic>
+        <p:nvPicPr>
+          <p:cNvPr id="7" name="Picture 6">
+            <a:extLst>
+              <a:ext uri="{FF2B5EF4-FFF2-40B4-BE49-F238E27FC236}">
+                <a16:creationId xmlns:a16="http://schemas.microsoft.com/office/drawing/2014/main" id="{EA2CB0DF-90BA-0C33-1DCF-F6B31E4D88CF}"/>
+              </a:ext>
+            </a:extLst>
+          </p:cNvPr>
+          <p:cNvPicPr>
+            <a:picLocks noChangeAspect="1"/>
+          </p:cNvPicPr>
+          <p:nvPr/>
+        </p:nvPicPr>
+        <p:blipFill>
+          <a:blip r:embed="rId3"/>
+          <a:stretch>
+            <a:fillRect/>
+          </a:stretch>
+        </p:blipFill>
+        <p:spPr>
+          <a:xfrm>
+            <a:off x="5201785" y="1295962"/>
+            <a:ext cx="6488327" cy="4266076"/>
+          </a:xfrm>
+          <a:prstGeom prst="rect">
+            <a:avLst/>
+          </a:prstGeom>
+        </p:spPr>
+      </p:pic>
+      <p:sp>
+        <p:nvSpPr>
+          <p:cNvPr id="22" name="Rectangle 21">
+            <a:extLst>
+              <a:ext uri="{FF2B5EF4-FFF2-40B4-BE49-F238E27FC236}">
+                <a16:creationId xmlns:a16="http://schemas.microsoft.com/office/drawing/2014/main" id="{BCF4857D-F003-4CA1-82AB-00900B1008BA}"/>
+              </a:ext>
+              <a:ext uri="{C183D7F6-B498-43B3-948B-1728B52AA6E4}">
+                <adec:decorative xmlns:adec="http://schemas.microsoft.com/office/drawing/2017/decorative" val="1"/>
+              </a:ext>
+            </a:extLst>
+          </p:cNvPr>
+          <p:cNvSpPr>
+            <a:spLocks noGrp="1" noRot="1" noChangeAspect="1" noMove="1" noResize="1" noEditPoints="1" noAdjustHandles="1" noChangeArrowheads="1" noChangeShapeType="1" noTextEdit="1"/>
+          </p:cNvSpPr>
+          <p:nvPr>
+            <p:extLst>
+              <p:ext uri="{386F3935-93C4-4BCD-93E2-E3B085C9AB24}">
+                <p16:designElem xmlns:p16="http://schemas.microsoft.com/office/powerpoint/2015/main" val="1"/>
+              </p:ext>
+            </p:extLst>
+          </p:nvPr>
+        </p:nvSpPr>
+        <p:spPr>
+          <a:xfrm flipH="1">
+            <a:off x="-6" y="6144564"/>
+            <a:ext cx="4656246" cy="713436"/>
+          </a:xfrm>
+          <a:prstGeom prst="rect">
+            <a:avLst/>
+          </a:prstGeom>
+          <a:solidFill>
+            <a:schemeClr val="accent1"/>
+          </a:solidFill>
+          <a:ln>
+            <a:noFill/>
+          </a:ln>
+        </p:spPr>
+        <p:style>
+          <a:lnRef idx="2">
+            <a:schemeClr val="accent1">
+              <a:shade val="50000"/>
+            </a:schemeClr>
+          </a:lnRef>
+          <a:fillRef idx="1">
+            <a:schemeClr val="accent1"/>
+          </a:fillRef>
+          <a:effectRef idx="0">
+            <a:schemeClr val="accent1"/>
+          </a:effectRef>
+          <a:fontRef idx="minor">
+            <a:schemeClr val="lt1"/>
+          </a:fontRef>
+        </p:style>
+        <p:txBody>
+          <a:bodyPr rtlCol="0" anchor="ctr"/>
+          <a:lstStyle/>
+          <a:p>
+            <a:pPr algn="ctr"/>
+            <a:endParaRPr lang="en-US"/>
+          </a:p>
+        </p:txBody>
+      </p:sp>
+      <p:sp>
+        <p:nvSpPr>
+          <p:cNvPr id="24" name="Rectangle 23">
+            <a:extLst>
+              <a:ext uri="{FF2B5EF4-FFF2-40B4-BE49-F238E27FC236}">
+                <a16:creationId xmlns:a16="http://schemas.microsoft.com/office/drawing/2014/main" id="{DB791336-FCAA-4174-9303-B3F374861110}"/>
+              </a:ext>
+              <a:ext uri="{C183D7F6-B498-43B3-948B-1728B52AA6E4}">
+                <adec:decorative xmlns:adec="http://schemas.microsoft.com/office/drawing/2017/decorative" val="1"/>
+              </a:ext>
+            </a:extLst>
+          </p:cNvPr>
+          <p:cNvSpPr>
+            <a:spLocks noGrp="1" noRot="1" noChangeAspect="1" noMove="1" noResize="1" noEditPoints="1" noAdjustHandles="1" noChangeArrowheads="1" noChangeShapeType="1" noTextEdit="1"/>
+          </p:cNvSpPr>
+          <p:nvPr>
+            <p:extLst>
+              <p:ext uri="{386F3935-93C4-4BCD-93E2-E3B085C9AB24}">
+                <p16:designElem xmlns:p16="http://schemas.microsoft.com/office/powerpoint/2015/main" val="1"/>
+              </p:ext>
+            </p:extLst>
+          </p:nvPr>
+        </p:nvSpPr>
+        <p:spPr>
+          <a:xfrm flipH="1">
+            <a:off x="4715122" y="6167615"/>
+            <a:ext cx="7473828" cy="690385"/>
+          </a:xfrm>
+          <a:prstGeom prst="rect">
+            <a:avLst/>
+          </a:prstGeom>
+          <a:solidFill>
+            <a:schemeClr val="bg1">
+              <a:alpha val="75000"/>
+            </a:schemeClr>
+          </a:solidFill>
+          <a:ln>
+            <a:noFill/>
+          </a:ln>
+        </p:spPr>
+        <p:style>
+          <a:lnRef idx="2">
+            <a:schemeClr val="accent1">
+              <a:shade val="50000"/>
+            </a:schemeClr>
+          </a:lnRef>
+          <a:fillRef idx="1">
+            <a:schemeClr val="accent1"/>
+          </a:fillRef>
+          <a:effectRef idx="0">
+            <a:schemeClr val="accent1"/>
+          </a:effectRef>
+          <a:fontRef idx="minor">
+            <a:schemeClr val="lt1"/>
+          </a:fontRef>
+        </p:style>
+        <p:txBody>
+          <a:bodyPr rtlCol="0" anchor="ctr"/>
+          <a:lstStyle/>
+          <a:p>
+            <a:pPr algn="ctr"/>
+            <a:endParaRPr lang="en-US"/>
+          </a:p>
+        </p:txBody>
+      </p:sp>
+      <p:sp>
+        <p:nvSpPr>
+          <p:cNvPr id="26" name="Rectangle 25">
+            <a:extLst>
+              <a:ext uri="{FF2B5EF4-FFF2-40B4-BE49-F238E27FC236}">
+                <a16:creationId xmlns:a16="http://schemas.microsoft.com/office/drawing/2014/main" id="{CA212158-300D-44D0-9CCE-472C3F669EE1}"/>
+              </a:ext>
+              <a:ext uri="{C183D7F6-B498-43B3-948B-1728B52AA6E4}">
+                <adec:decorative xmlns:adec="http://schemas.microsoft.com/office/drawing/2017/decorative" val="1"/>
+              </a:ext>
+            </a:extLst>
+          </p:cNvPr>
+          <p:cNvSpPr>
+            <a:spLocks noGrp="1" noRot="1" noChangeAspect="1" noMove="1" noResize="1" noEditPoints="1" noAdjustHandles="1" noChangeArrowheads="1" noChangeShapeType="1" noTextEdit="1"/>
+          </p:cNvSpPr>
+          <p:nvPr>
+            <p:extLst>
+              <p:ext uri="{386F3935-93C4-4BCD-93E2-E3B085C9AB24}">
+                <p16:designElem xmlns:p16="http://schemas.microsoft.com/office/powerpoint/2015/main" val="1"/>
+              </p:ext>
+            </p:extLst>
+          </p:nvPr>
+        </p:nvSpPr>
+        <p:spPr>
+          <a:xfrm>
+            <a:off x="1525" y="6109423"/>
+            <a:ext cx="12188951" cy="64008"/>
+          </a:xfrm>
+          <a:prstGeom prst="rect">
+            <a:avLst/>
+          </a:prstGeom>
+          <a:solidFill>
+            <a:schemeClr val="tx2"/>
+          </a:solidFill>
+          <a:ln>
+            <a:noFill/>
+          </a:ln>
+        </p:spPr>
+        <p:style>
+          <a:lnRef idx="2">
+            <a:schemeClr val="accent1">
+              <a:shade val="50000"/>
+            </a:schemeClr>
+          </a:lnRef>
+          <a:fillRef idx="1">
+            <a:schemeClr val="accent1"/>
+          </a:fillRef>
+          <a:effectRef idx="0">
+            <a:schemeClr val="accent1"/>
+          </a:effectRef>
+          <a:fontRef idx="minor">
+            <a:schemeClr val="lt1"/>
+          </a:fontRef>
+        </p:style>
+        <p:txBody>
+          <a:bodyPr rtlCol="0" anchor="ctr"/>
+          <a:lstStyle/>
+          <a:p>
+            <a:pPr algn="ctr"/>
+            <a:endParaRPr lang="en-US"/>
+          </a:p>
+        </p:txBody>
+      </p:sp>
+      <p:sp>
+        <p:nvSpPr>
+          <p:cNvPr id="28" name="Rectangle 27">
+            <a:extLst>
+              <a:ext uri="{FF2B5EF4-FFF2-40B4-BE49-F238E27FC236}">
+                <a16:creationId xmlns:a16="http://schemas.microsoft.com/office/drawing/2014/main" id="{988521F4-D44A-42C5-9BDB-5CA25554098B}"/>
+              </a:ext>
+              <a:ext uri="{C183D7F6-B498-43B3-948B-1728B52AA6E4}">
+                <adec:decorative xmlns:adec="http://schemas.microsoft.com/office/drawing/2017/decorative" val="1"/>
+              </a:ext>
+            </a:extLst>
+          </p:cNvPr>
+          <p:cNvSpPr>
+            <a:spLocks noGrp="1" noRot="1" noChangeAspect="1" noMove="1" noResize="1" noEditPoints="1" noAdjustHandles="1" noChangeArrowheads="1" noChangeShapeType="1" noTextEdit="1"/>
+          </p:cNvSpPr>
+          <p:nvPr>
+            <p:extLst>
+              <p:ext uri="{386F3935-93C4-4BCD-93E2-E3B085C9AB24}">
+                <p16:designElem xmlns:p16="http://schemas.microsoft.com/office/powerpoint/2015/main" val="1"/>
+              </p:ext>
+            </p:extLst>
+          </p:nvPr>
+        </p:nvSpPr>
+        <p:spPr>
+          <a:xfrm>
+            <a:off x="4656241" y="0"/>
+            <a:ext cx="64008" cy="6858000"/>
+          </a:xfrm>
+          <a:prstGeom prst="rect">
+            <a:avLst/>
+          </a:prstGeom>
+          <a:solidFill>
+            <a:schemeClr val="tx2"/>
+          </a:solidFill>
+          <a:ln>
+            <a:noFill/>
+          </a:ln>
+        </p:spPr>
+        <p:style>
+          <a:lnRef idx="2">
+            <a:schemeClr val="accent1">
+              <a:shade val="50000"/>
+            </a:schemeClr>
+          </a:lnRef>
+          <a:fillRef idx="1">
+            <a:schemeClr val="accent1"/>
+          </a:fillRef>
+          <a:effectRef idx="0">
+            <a:schemeClr val="accent1"/>
+          </a:effectRef>
+          <a:fontRef idx="minor">
+            <a:schemeClr val="lt1"/>
+          </a:fontRef>
+        </p:style>
+        <p:txBody>
+          <a:bodyPr rtlCol="0" anchor="ctr"/>
+          <a:lstStyle/>
+          <a:p>
+            <a:pPr algn="ctr"/>
+            <a:endParaRPr lang="en-US"/>
+          </a:p>
+        </p:txBody>
+      </p:sp>
+      <p:sp>
+        <p:nvSpPr>
+          <p:cNvPr id="30" name="Rectangle 29">
+            <a:extLst>
+              <a:ext uri="{FF2B5EF4-FFF2-40B4-BE49-F238E27FC236}">
+                <a16:creationId xmlns:a16="http://schemas.microsoft.com/office/drawing/2014/main" id="{5E6738EB-6FF0-4AF9-8462-57F4494B88B2}"/>
+              </a:ext>
+              <a:ext uri="{C183D7F6-B498-43B3-948B-1728B52AA6E4}">
+                <adec:decorative xmlns:adec="http://schemas.microsoft.com/office/drawing/2017/decorative" val="1"/>
+              </a:ext>
+            </a:extLst>
+          </p:cNvPr>
+          <p:cNvSpPr>
+            <a:spLocks noGrp="1" noRot="1" noChangeAspect="1" noMove="1" noResize="1" noEditPoints="1" noAdjustHandles="1" noChangeArrowheads="1" noChangeShapeType="1" noTextEdit="1"/>
+          </p:cNvSpPr>
+          <p:nvPr>
+            <p:extLst>
+              <p:ext uri="{386F3935-93C4-4BCD-93E2-E3B085C9AB24}">
+                <p16:designElem xmlns:p16="http://schemas.microsoft.com/office/powerpoint/2015/main" val="1"/>
+              </p:ext>
+            </p:extLst>
+          </p:nvPr>
+        </p:nvSpPr>
+        <p:spPr>
+          <a:xfrm>
+            <a:off x="1525" y="713436"/>
+            <a:ext cx="12188951" cy="64008"/>
+          </a:xfrm>
+          <a:prstGeom prst="rect">
+            <a:avLst/>
+          </a:prstGeom>
+          <a:solidFill>
+            <a:schemeClr val="tx2"/>
+          </a:solidFill>
+          <a:ln>
+            <a:noFill/>
+          </a:ln>
+        </p:spPr>
+        <p:style>
+          <a:lnRef idx="2">
+            <a:schemeClr val="accent1">
+              <a:shade val="50000"/>
+            </a:schemeClr>
+          </a:lnRef>
+          <a:fillRef idx="1">
+            <a:schemeClr val="accent1"/>
+          </a:fillRef>
+          <a:effectRef idx="0">
+            <a:schemeClr val="accent1"/>
+          </a:effectRef>
+          <a:fontRef idx="minor">
+            <a:schemeClr val="lt1"/>
+          </a:fontRef>
+        </p:style>
+        <p:txBody>
+          <a:bodyPr rtlCol="0" anchor="ctr"/>
+          <a:lstStyle/>
+          <a:p>
+            <a:pPr algn="ctr"/>
+            <a:endParaRPr lang="en-US"/>
           </a:p>
         </p:txBody>
       </p:sp>
     </p:spTree>
     <p:extLst>
       <p:ext uri="{BB962C8B-B14F-4D97-AF65-F5344CB8AC3E}">
-        <p14:creationId xmlns:p14="http://schemas.microsoft.com/office/powerpoint/2010/main" val="3564348352"/>
+        <p14:creationId xmlns:p14="http://schemas.microsoft.com/office/powerpoint/2010/main" val="3796334014"/>
       </p:ext>
     </p:extLst>
   </p:cSld>
@@ -11333,6 +15601,15 @@
 </file>
 
 <file path=customXml/item1.xml><?xml version="1.0" encoding="utf-8"?>
+<?mso-contentType ?>
+<FormTemplates xmlns="http://schemas.microsoft.com/sharepoint/v3/contenttype/forms">
+  <Display>DocumentLibraryForm</Display>
+  <Edit>DocumentLibraryForm</Edit>
+  <New>DocumentLibraryForm</New>
+</FormTemplates>
+</file>
+
+<file path=customXml/item2.xml><?xml version="1.0" encoding="utf-8"?>
 <ct:contentTypeSchema xmlns:ct="http://schemas.microsoft.com/office/2006/metadata/contentType" xmlns:ma="http://schemas.microsoft.com/office/2006/metadata/properties/metaAttributes" ct:_="" ma:_="" ma:contentTypeName="Document" ma:contentTypeID="0x01010079F111ED35F8CC479449609E8A0923A6" ma:contentTypeVersion="28" ma:contentTypeDescription="Create a new document." ma:contentTypeScope="" ma:versionID="60f5a4f2d2b0abadcf532d48ebf9cb71">
   <xsd:schema xmlns:xsd="http://www.w3.org/2001/XMLSchema" xmlns:xs="http://www.w3.org/2001/XMLSchema" xmlns:p="http://schemas.microsoft.com/office/2006/metadata/properties" xmlns:ns1="http://schemas.microsoft.com/sharepoint/v3" xmlns:ns2="71af3243-3dd4-4a8d-8c0d-dd76da1f02a5" xmlns:ns3="16c05727-aa75-4e4a-9b5f-8a80a1165891" xmlns:ns4="230e9df3-be65-4c73-a93b-d1236ebd677e" targetNamespace="http://schemas.microsoft.com/office/2006/metadata/properties" ma:root="true" ma:fieldsID="7dd78129e6a1811f84807ad11c651531" ns1:_="" ns2:_="" ns3:_="" ns4:_="">
     <xsd:import namespace="http://schemas.microsoft.com/sharepoint/v3"/>
@@ -11644,15 +15921,6 @@
 </ct:contentTypeSchema>
 </file>
 
-<file path=customXml/item2.xml><?xml version="1.0" encoding="utf-8"?>
-<?mso-contentType ?>
-<FormTemplates xmlns="http://schemas.microsoft.com/sharepoint/v3/contenttype/forms">
-  <Display>DocumentLibraryForm</Display>
-  <Edit>DocumentLibraryForm</Edit>
-  <New>DocumentLibraryForm</New>
-</FormTemplates>
-</file>
-
 <file path=customXml/item3.xml><?xml version="1.0" encoding="utf-8"?>
 <p:properties xmlns:p="http://schemas.microsoft.com/office/2006/metadata/properties" xmlns:xsi="http://www.w3.org/2001/XMLSchema-instance" xmlns:pc="http://schemas.microsoft.com/office/infopath/2007/PartnerControls">
   <documentManagement>
@@ -11674,6 +15942,14 @@
 </file>
 
 <file path=customXml/itemProps1.xml><?xml version="1.0" encoding="utf-8"?>
+<ds:datastoreItem xmlns:ds="http://schemas.openxmlformats.org/officeDocument/2006/customXml" ds:itemID="{6F36CB81-A037-44A8-88EB-C0C0F17FD4B1}">
+  <ds:schemaRefs>
+    <ds:schemaRef ds:uri="http://schemas.microsoft.com/sharepoint/v3/contenttype/forms"/>
+  </ds:schemaRefs>
+</ds:datastoreItem>
+</file>
+
+<file path=customXml/itemProps2.xml><?xml version="1.0" encoding="utf-8"?>
 <ds:datastoreItem xmlns:ds="http://schemas.openxmlformats.org/officeDocument/2006/customXml" ds:itemID="{2C1AA24C-4CA6-40FF-8947-DA1F6F47456C}">
   <ds:schemaRefs>
     <ds:schemaRef ds:uri="http://schemas.microsoft.com/office/2006/metadata/contentType"/>
@@ -11694,14 +15970,6 @@
 </ds:datastoreItem>
 </file>
 
-<file path=customXml/itemProps2.xml><?xml version="1.0" encoding="utf-8"?>
-<ds:datastoreItem xmlns:ds="http://schemas.openxmlformats.org/officeDocument/2006/customXml" ds:itemID="{6F36CB81-A037-44A8-88EB-C0C0F17FD4B1}">
-  <ds:schemaRefs>
-    <ds:schemaRef ds:uri="http://schemas.microsoft.com/sharepoint/v3/contenttype/forms"/>
-  </ds:schemaRefs>
-</ds:datastoreItem>
-</file>
-
 <file path=customXml/itemProps3.xml><?xml version="1.0" encoding="utf-8"?>
 <ds:datastoreItem xmlns:ds="http://schemas.openxmlformats.org/officeDocument/2006/customXml" ds:itemID="{57FF477C-132F-44F8-8C56-EBFF95FAF97B}">
   <ds:schemaRefs>
